--- a/informe/Proyecto_Final_Santamaria_Siesquen_Final.pptx
+++ b/informe/Proyecto_Final_Santamaria_Siesquen_Final.pptx
@@ -3,20 +3,27 @@
 <p:presentation xmlns:a="http://schemas.openxmlformats.org/drawingml/2006/main" xmlns:r="http://schemas.openxmlformats.org/officeDocument/2006/relationships" xmlns:p="http://schemas.openxmlformats.org/presentationml/2006/main" autoCompressPictures="0">
   <p:sldMasterIdLst>
     <p:sldMasterId id="2147483673" r:id="rId1"/>
+    <p:sldMasterId id="2147483685" r:id="rId2"/>
   </p:sldMasterIdLst>
   <p:sldIdLst>
-    <p:sldId id="256" r:id="rId2"/>
-    <p:sldId id="257" r:id="rId3"/>
-    <p:sldId id="259" r:id="rId4"/>
-    <p:sldId id="290" r:id="rId5"/>
-    <p:sldId id="261" r:id="rId6"/>
-    <p:sldId id="260" r:id="rId7"/>
-    <p:sldId id="292" r:id="rId8"/>
-    <p:sldId id="267" r:id="rId9"/>
-    <p:sldId id="272" r:id="rId10"/>
-    <p:sldId id="288" r:id="rId11"/>
-    <p:sldId id="268" r:id="rId12"/>
-    <p:sldId id="266" r:id="rId13"/>
+    <p:sldId id="256" r:id="rId3"/>
+    <p:sldId id="257" r:id="rId4"/>
+    <p:sldId id="259" r:id="rId5"/>
+    <p:sldId id="290" r:id="rId6"/>
+    <p:sldId id="261" r:id="rId7"/>
+    <p:sldId id="260" r:id="rId8"/>
+    <p:sldId id="292" r:id="rId9"/>
+    <p:sldId id="267" r:id="rId10"/>
+    <p:sldId id="272" r:id="rId11"/>
+    <p:sldId id="288" r:id="rId12"/>
+    <p:sldId id="268" r:id="rId13"/>
+    <p:sldId id="266" r:id="rId14"/>
+    <p:sldId id="293" r:id="rId15"/>
+    <p:sldId id="294" r:id="rId16"/>
+    <p:sldId id="295" r:id="rId17"/>
+    <p:sldId id="264" r:id="rId18"/>
+    <p:sldId id="296" r:id="rId19"/>
+    <p:sldId id="297" r:id="rId20"/>
   </p:sldIdLst>
   <p:sldSz cx="12192000" cy="6858000"/>
   <p:notesSz cx="6858000" cy="9144000"/>
@@ -526,7 +533,7 @@
           <a:p>
             <a:fld id="{4BDF68E2-58F2-4D09-BE8B-E3BD06533059}" type="datetimeFigureOut">
               <a:rPr lang="en-US" smtClean="0"/>
-              <a:t>11/6/2024</a:t>
+              <a:t>11/12/2024</a:t>
             </a:fld>
             <a:endParaRPr lang="en-US" dirty="0"/>
           </a:p>
@@ -705,7 +712,7 @@
           <a:p>
             <a:fld id="{2E2D6473-DF6D-4702-B328-E0DD40540A4E}" type="datetimeFigureOut">
               <a:rPr lang="en-US" smtClean="0"/>
-              <a:t>11/6/2024</a:t>
+              <a:t>11/12/2024</a:t>
             </a:fld>
             <a:endParaRPr lang="en-US" dirty="0"/>
           </a:p>
@@ -885,7 +892,7 @@
           <a:p>
             <a:fld id="{E26F7E3A-B166-407D-9866-32884E7D5B37}" type="datetimeFigureOut">
               <a:rPr lang="en-US" smtClean="0"/>
-              <a:t>11/6/2024</a:t>
+              <a:t>11/12/2024</a:t>
             </a:fld>
             <a:endParaRPr lang="en-US" dirty="0"/>
           </a:p>
@@ -937,6 +944,2168 @@
     <p:extLst>
       <p:ext uri="{BB962C8B-B14F-4D97-AF65-F5344CB8AC3E}">
         <p14:creationId xmlns:p14="http://schemas.microsoft.com/office/powerpoint/2010/main" val="4096853507"/>
+      </p:ext>
+    </p:extLst>
+  </p:cSld>
+  <p:clrMapOvr>
+    <a:masterClrMapping/>
+  </p:clrMapOvr>
+</p:sldLayout>
+</file>
+
+<file path=ppt/slideLayouts/slideLayout12.xml><?xml version="1.0" encoding="utf-8"?>
+<p:sldLayout xmlns:a="http://schemas.openxmlformats.org/drawingml/2006/main" xmlns:r="http://schemas.openxmlformats.org/officeDocument/2006/relationships" xmlns:p="http://schemas.openxmlformats.org/presentationml/2006/main" showMasterSp="0" type="title" preserve="1">
+  <p:cSld name="Diapositiva de título">
+    <p:spTree>
+      <p:nvGrpSpPr>
+        <p:cNvPr id="1" name=""/>
+        <p:cNvGrpSpPr/>
+        <p:nvPr/>
+      </p:nvGrpSpPr>
+      <p:grpSpPr>
+        <a:xfrm>
+          <a:off x="0" y="0"/>
+          <a:ext cx="0" cy="0"/>
+          <a:chOff x="0" y="0"/>
+          <a:chExt cx="0" cy="0"/>
+        </a:xfrm>
+      </p:grpSpPr>
+      <p:sp>
+        <p:nvSpPr>
+          <p:cNvPr id="7" name="Rectangle 6"/>
+          <p:cNvSpPr/>
+          <p:nvPr/>
+        </p:nvSpPr>
+        <p:spPr>
+          <a:xfrm>
+            <a:off x="3175" y="6400800"/>
+            <a:ext cx="12188825" cy="457200"/>
+          </a:xfrm>
+          <a:prstGeom prst="rect">
+            <a:avLst/>
+          </a:prstGeom>
+          <a:solidFill>
+            <a:schemeClr val="accent2"/>
+          </a:solidFill>
+          <a:ln>
+            <a:noFill/>
+          </a:ln>
+        </p:spPr>
+        <p:style>
+          <a:lnRef idx="2">
+            <a:schemeClr val="accent1">
+              <a:shade val="50000"/>
+            </a:schemeClr>
+          </a:lnRef>
+          <a:fillRef idx="1">
+            <a:schemeClr val="accent1"/>
+          </a:fillRef>
+          <a:effectRef idx="0">
+            <a:schemeClr val="accent1"/>
+          </a:effectRef>
+          <a:fontRef idx="minor">
+            <a:schemeClr val="lt1"/>
+          </a:fontRef>
+        </p:style>
+      </p:sp>
+      <p:sp>
+        <p:nvSpPr>
+          <p:cNvPr id="8" name="Rectangle 7"/>
+          <p:cNvSpPr/>
+          <p:nvPr/>
+        </p:nvSpPr>
+        <p:spPr>
+          <a:xfrm>
+            <a:off x="15" y="6334316"/>
+            <a:ext cx="12188825" cy="64008"/>
+          </a:xfrm>
+          <a:prstGeom prst="rect">
+            <a:avLst/>
+          </a:prstGeom>
+          <a:solidFill>
+            <a:schemeClr val="accent1"/>
+          </a:solidFill>
+          <a:ln>
+            <a:noFill/>
+          </a:ln>
+        </p:spPr>
+        <p:style>
+          <a:lnRef idx="2">
+            <a:schemeClr val="accent1">
+              <a:shade val="50000"/>
+            </a:schemeClr>
+          </a:lnRef>
+          <a:fillRef idx="1">
+            <a:schemeClr val="accent1"/>
+          </a:fillRef>
+          <a:effectRef idx="0">
+            <a:schemeClr val="accent1"/>
+          </a:effectRef>
+          <a:fontRef idx="minor">
+            <a:schemeClr val="lt1"/>
+          </a:fontRef>
+        </p:style>
+      </p:sp>
+      <p:sp>
+        <p:nvSpPr>
+          <p:cNvPr id="2" name="Title 1"/>
+          <p:cNvSpPr>
+            <a:spLocks noGrp="1"/>
+          </p:cNvSpPr>
+          <p:nvPr>
+            <p:ph type="ctrTitle"/>
+          </p:nvPr>
+        </p:nvSpPr>
+        <p:spPr>
+          <a:xfrm>
+            <a:off x="1097280" y="758952"/>
+            <a:ext cx="10058400" cy="3566160"/>
+          </a:xfrm>
+        </p:spPr>
+        <p:txBody>
+          <a:bodyPr anchor="b">
+            <a:normAutofit/>
+          </a:bodyPr>
+          <a:lstStyle>
+            <a:lvl1pPr algn="l">
+              <a:lnSpc>
+                <a:spcPct val="85000"/>
+              </a:lnSpc>
+              <a:defRPr sz="8000" spc="-50" baseline="0">
+                <a:solidFill>
+                  <a:schemeClr val="tx1">
+                    <a:lumMod val="85000"/>
+                    <a:lumOff val="15000"/>
+                  </a:schemeClr>
+                </a:solidFill>
+              </a:defRPr>
+            </a:lvl1pPr>
+          </a:lstStyle>
+          <a:p>
+            <a:r>
+              <a:rPr lang="es-ES"/>
+              <a:t>Haga clic para modificar el estilo de título del patrón</a:t>
+            </a:r>
+            <a:endParaRPr lang="en-US" dirty="0"/>
+          </a:p>
+        </p:txBody>
+      </p:sp>
+      <p:sp>
+        <p:nvSpPr>
+          <p:cNvPr id="3" name="Subtitle 2"/>
+          <p:cNvSpPr>
+            <a:spLocks noGrp="1"/>
+          </p:cNvSpPr>
+          <p:nvPr>
+            <p:ph type="subTitle" idx="1"/>
+          </p:nvPr>
+        </p:nvSpPr>
+        <p:spPr>
+          <a:xfrm>
+            <a:off x="1100051" y="4455620"/>
+            <a:ext cx="10058400" cy="1143000"/>
+          </a:xfrm>
+        </p:spPr>
+        <p:txBody>
+          <a:bodyPr lIns="91440" rIns="91440">
+            <a:normAutofit/>
+          </a:bodyPr>
+          <a:lstStyle>
+            <a:lvl1pPr marL="0" indent="0" algn="l">
+              <a:buNone/>
+              <a:defRPr sz="2400" cap="all" spc="200" baseline="0">
+                <a:solidFill>
+                  <a:schemeClr val="tx2"/>
+                </a:solidFill>
+                <a:latin typeface="+mj-lt"/>
+              </a:defRPr>
+            </a:lvl1pPr>
+            <a:lvl2pPr marL="457200" indent="0" algn="ctr">
+              <a:buNone/>
+              <a:defRPr sz="2400"/>
+            </a:lvl2pPr>
+            <a:lvl3pPr marL="914400" indent="0" algn="ctr">
+              <a:buNone/>
+              <a:defRPr sz="2400"/>
+            </a:lvl3pPr>
+            <a:lvl4pPr marL="1371600" indent="0" algn="ctr">
+              <a:buNone/>
+              <a:defRPr sz="2000"/>
+            </a:lvl4pPr>
+            <a:lvl5pPr marL="1828800" indent="0" algn="ctr">
+              <a:buNone/>
+              <a:defRPr sz="2000"/>
+            </a:lvl5pPr>
+            <a:lvl6pPr marL="2286000" indent="0" algn="ctr">
+              <a:buNone/>
+              <a:defRPr sz="2000"/>
+            </a:lvl6pPr>
+            <a:lvl7pPr marL="2743200" indent="0" algn="ctr">
+              <a:buNone/>
+              <a:defRPr sz="2000"/>
+            </a:lvl7pPr>
+            <a:lvl8pPr marL="3200400" indent="0" algn="ctr">
+              <a:buNone/>
+              <a:defRPr sz="2000"/>
+            </a:lvl8pPr>
+            <a:lvl9pPr marL="3657600" indent="0" algn="ctr">
+              <a:buNone/>
+              <a:defRPr sz="2000"/>
+            </a:lvl9pPr>
+          </a:lstStyle>
+          <a:p>
+            <a:r>
+              <a:rPr lang="es-ES"/>
+              <a:t>Haga clic para modificar el estilo de subtítulo del patrón</a:t>
+            </a:r>
+            <a:endParaRPr lang="en-US" dirty="0"/>
+          </a:p>
+        </p:txBody>
+      </p:sp>
+      <p:sp>
+        <p:nvSpPr>
+          <p:cNvPr id="4" name="Date Placeholder 3"/>
+          <p:cNvSpPr>
+            <a:spLocks noGrp="1"/>
+          </p:cNvSpPr>
+          <p:nvPr>
+            <p:ph type="dt" sz="half" idx="10"/>
+          </p:nvPr>
+        </p:nvSpPr>
+        <p:spPr/>
+        <p:txBody>
+          <a:bodyPr/>
+          <a:lstStyle/>
+          <a:p>
+            <a:fld id="{4BDF68E2-58F2-4D09-BE8B-E3BD06533059}" type="datetimeFigureOut">
+              <a:rPr lang="en-US" dirty="0"/>
+              <a:t>11/12/2024</a:t>
+            </a:fld>
+            <a:endParaRPr lang="en-US" dirty="0"/>
+          </a:p>
+        </p:txBody>
+      </p:sp>
+      <p:sp>
+        <p:nvSpPr>
+          <p:cNvPr id="5" name="Footer Placeholder 4"/>
+          <p:cNvSpPr>
+            <a:spLocks noGrp="1"/>
+          </p:cNvSpPr>
+          <p:nvPr>
+            <p:ph type="ftr" sz="quarter" idx="11"/>
+          </p:nvPr>
+        </p:nvSpPr>
+        <p:spPr/>
+        <p:txBody>
+          <a:bodyPr/>
+          <a:lstStyle/>
+          <a:p>
+            <a:endParaRPr lang="en-US" dirty="0"/>
+          </a:p>
+        </p:txBody>
+      </p:sp>
+      <p:sp>
+        <p:nvSpPr>
+          <p:cNvPr id="6" name="Slide Number Placeholder 5"/>
+          <p:cNvSpPr>
+            <a:spLocks noGrp="1"/>
+          </p:cNvSpPr>
+          <p:nvPr>
+            <p:ph type="sldNum" sz="quarter" idx="12"/>
+          </p:nvPr>
+        </p:nvSpPr>
+        <p:spPr/>
+        <p:txBody>
+          <a:bodyPr/>
+          <a:lstStyle/>
+          <a:p>
+            <a:fld id="{4FAB73BC-B049-4115-A692-8D63A059BFB8}" type="slidenum">
+              <a:rPr lang="en-US" dirty="0"/>
+              <a:t>‹Nº›</a:t>
+            </a:fld>
+            <a:endParaRPr lang="en-US" dirty="0"/>
+          </a:p>
+        </p:txBody>
+      </p:sp>
+      <p:cxnSp>
+        <p:nvCxnSpPr>
+          <p:cNvPr id="9" name="Straight Connector 8"/>
+          <p:cNvCxnSpPr/>
+          <p:nvPr/>
+        </p:nvCxnSpPr>
+        <p:spPr>
+          <a:xfrm>
+            <a:off x="1207658" y="4343400"/>
+            <a:ext cx="9875520" cy="0"/>
+          </a:xfrm>
+          <a:prstGeom prst="line">
+            <a:avLst/>
+          </a:prstGeom>
+          <a:ln w="6350">
+            <a:solidFill>
+              <a:schemeClr val="tx1">
+                <a:lumMod val="50000"/>
+                <a:lumOff val="50000"/>
+              </a:schemeClr>
+            </a:solidFill>
+          </a:ln>
+        </p:spPr>
+        <p:style>
+          <a:lnRef idx="1">
+            <a:schemeClr val="accent1"/>
+          </a:lnRef>
+          <a:fillRef idx="0">
+            <a:schemeClr val="accent1"/>
+          </a:fillRef>
+          <a:effectRef idx="0">
+            <a:schemeClr val="accent1"/>
+          </a:effectRef>
+          <a:fontRef idx="minor">
+            <a:schemeClr val="tx1"/>
+          </a:fontRef>
+        </p:style>
+      </p:cxnSp>
+    </p:spTree>
+    <p:extLst>
+      <p:ext uri="{BB962C8B-B14F-4D97-AF65-F5344CB8AC3E}">
+        <p14:creationId xmlns:p14="http://schemas.microsoft.com/office/powerpoint/2010/main" val="654319444"/>
+      </p:ext>
+    </p:extLst>
+  </p:cSld>
+  <p:clrMapOvr>
+    <a:masterClrMapping/>
+  </p:clrMapOvr>
+</p:sldLayout>
+</file>
+
+<file path=ppt/slideLayouts/slideLayout13.xml><?xml version="1.0" encoding="utf-8"?>
+<p:sldLayout xmlns:a="http://schemas.openxmlformats.org/drawingml/2006/main" xmlns:r="http://schemas.openxmlformats.org/officeDocument/2006/relationships" xmlns:p="http://schemas.openxmlformats.org/presentationml/2006/main" type="obj" preserve="1">
+  <p:cSld name="Título y objetos">
+    <p:spTree>
+      <p:nvGrpSpPr>
+        <p:cNvPr id="1" name=""/>
+        <p:cNvGrpSpPr/>
+        <p:nvPr/>
+      </p:nvGrpSpPr>
+      <p:grpSpPr>
+        <a:xfrm>
+          <a:off x="0" y="0"/>
+          <a:ext cx="0" cy="0"/>
+          <a:chOff x="0" y="0"/>
+          <a:chExt cx="0" cy="0"/>
+        </a:xfrm>
+      </p:grpSpPr>
+      <p:sp>
+        <p:nvSpPr>
+          <p:cNvPr id="2" name="Title 1"/>
+          <p:cNvSpPr>
+            <a:spLocks noGrp="1"/>
+          </p:cNvSpPr>
+          <p:nvPr>
+            <p:ph type="title"/>
+          </p:nvPr>
+        </p:nvSpPr>
+        <p:spPr/>
+        <p:txBody>
+          <a:bodyPr/>
+          <a:lstStyle>
+            <a:lvl1pPr marL="0">
+              <a:defRPr/>
+            </a:lvl1pPr>
+          </a:lstStyle>
+          <a:p>
+            <a:r>
+              <a:rPr lang="es-ES"/>
+              <a:t>Haga clic para modificar el estilo de título del patrón</a:t>
+            </a:r>
+            <a:endParaRPr lang="en-US" dirty="0"/>
+          </a:p>
+        </p:txBody>
+      </p:sp>
+      <p:sp>
+        <p:nvSpPr>
+          <p:cNvPr id="3" name="Content Placeholder 2"/>
+          <p:cNvSpPr>
+            <a:spLocks noGrp="1"/>
+          </p:cNvSpPr>
+          <p:nvPr>
+            <p:ph idx="1"/>
+          </p:nvPr>
+        </p:nvSpPr>
+        <p:spPr/>
+        <p:txBody>
+          <a:bodyPr/>
+          <a:lstStyle/>
+          <a:p>
+            <a:pPr lvl="0"/>
+            <a:r>
+              <a:rPr lang="es-ES"/>
+              <a:t>Haga clic para modificar los estilos de texto del patrón</a:t>
+            </a:r>
+          </a:p>
+          <a:p>
+            <a:pPr lvl="1"/>
+            <a:r>
+              <a:rPr lang="es-ES"/>
+              <a:t>Segundo nivel</a:t>
+            </a:r>
+          </a:p>
+          <a:p>
+            <a:pPr lvl="2"/>
+            <a:r>
+              <a:rPr lang="es-ES"/>
+              <a:t>Tercer nivel</a:t>
+            </a:r>
+          </a:p>
+          <a:p>
+            <a:pPr lvl="3"/>
+            <a:r>
+              <a:rPr lang="es-ES"/>
+              <a:t>Cuarto nivel</a:t>
+            </a:r>
+          </a:p>
+          <a:p>
+            <a:pPr lvl="4"/>
+            <a:r>
+              <a:rPr lang="es-ES"/>
+              <a:t>Quinto nivel</a:t>
+            </a:r>
+            <a:endParaRPr lang="en-US" dirty="0"/>
+          </a:p>
+        </p:txBody>
+      </p:sp>
+      <p:sp>
+        <p:nvSpPr>
+          <p:cNvPr id="4" name="Date Placeholder 3"/>
+          <p:cNvSpPr>
+            <a:spLocks noGrp="1"/>
+          </p:cNvSpPr>
+          <p:nvPr>
+            <p:ph type="dt" sz="half" idx="10"/>
+          </p:nvPr>
+        </p:nvSpPr>
+        <p:spPr/>
+        <p:txBody>
+          <a:bodyPr/>
+          <a:lstStyle/>
+          <a:p>
+            <a:fld id="{528FC5F6-F338-4AE4-BB23-26385BCFC423}" type="datetimeFigureOut">
+              <a:rPr lang="en-US" dirty="0"/>
+              <a:t>11/12/2024</a:t>
+            </a:fld>
+            <a:endParaRPr lang="en-US" dirty="0"/>
+          </a:p>
+        </p:txBody>
+      </p:sp>
+      <p:sp>
+        <p:nvSpPr>
+          <p:cNvPr id="5" name="Footer Placeholder 4"/>
+          <p:cNvSpPr>
+            <a:spLocks noGrp="1"/>
+          </p:cNvSpPr>
+          <p:nvPr>
+            <p:ph type="ftr" sz="quarter" idx="11"/>
+          </p:nvPr>
+        </p:nvSpPr>
+        <p:spPr/>
+        <p:txBody>
+          <a:bodyPr/>
+          <a:lstStyle/>
+          <a:p>
+            <a:endParaRPr lang="en-US" dirty="0"/>
+          </a:p>
+        </p:txBody>
+      </p:sp>
+      <p:sp>
+        <p:nvSpPr>
+          <p:cNvPr id="6" name="Slide Number Placeholder 5"/>
+          <p:cNvSpPr>
+            <a:spLocks noGrp="1"/>
+          </p:cNvSpPr>
+          <p:nvPr>
+            <p:ph type="sldNum" sz="quarter" idx="12"/>
+          </p:nvPr>
+        </p:nvSpPr>
+        <p:spPr/>
+        <p:txBody>
+          <a:bodyPr/>
+          <a:lstStyle/>
+          <a:p>
+            <a:fld id="{6113E31D-E2AB-40D1-8B51-AFA5AFEF393A}" type="slidenum">
+              <a:rPr lang="en-US" dirty="0"/>
+              <a:t>‹Nº›</a:t>
+            </a:fld>
+            <a:endParaRPr lang="en-US" dirty="0"/>
+          </a:p>
+        </p:txBody>
+      </p:sp>
+    </p:spTree>
+    <p:extLst>
+      <p:ext uri="{BB962C8B-B14F-4D97-AF65-F5344CB8AC3E}">
+        <p14:creationId xmlns:p14="http://schemas.microsoft.com/office/powerpoint/2010/main" val="490565308"/>
+      </p:ext>
+    </p:extLst>
+  </p:cSld>
+  <p:clrMapOvr>
+    <a:masterClrMapping/>
+  </p:clrMapOvr>
+</p:sldLayout>
+</file>
+
+<file path=ppt/slideLayouts/slideLayout14.xml><?xml version="1.0" encoding="utf-8"?>
+<p:sldLayout xmlns:a="http://schemas.openxmlformats.org/drawingml/2006/main" xmlns:r="http://schemas.openxmlformats.org/officeDocument/2006/relationships" xmlns:p="http://schemas.openxmlformats.org/presentationml/2006/main" showMasterSp="0" type="secHead" preserve="1">
+  <p:cSld name="Encabezado de sección">
+    <p:bg>
+      <p:bgPr>
+        <a:solidFill>
+          <a:schemeClr val="bg1"/>
+        </a:solidFill>
+        <a:effectLst/>
+      </p:bgPr>
+    </p:bg>
+    <p:spTree>
+      <p:nvGrpSpPr>
+        <p:cNvPr id="1" name=""/>
+        <p:cNvGrpSpPr/>
+        <p:nvPr/>
+      </p:nvGrpSpPr>
+      <p:grpSpPr>
+        <a:xfrm>
+          <a:off x="0" y="0"/>
+          <a:ext cx="0" cy="0"/>
+          <a:chOff x="0" y="0"/>
+          <a:chExt cx="0" cy="0"/>
+        </a:xfrm>
+      </p:grpSpPr>
+      <p:sp>
+        <p:nvSpPr>
+          <p:cNvPr id="7" name="Rectangle 6"/>
+          <p:cNvSpPr/>
+          <p:nvPr/>
+        </p:nvSpPr>
+        <p:spPr>
+          <a:xfrm>
+            <a:off x="3175" y="6400800"/>
+            <a:ext cx="12188825" cy="457200"/>
+          </a:xfrm>
+          <a:prstGeom prst="rect">
+            <a:avLst/>
+          </a:prstGeom>
+          <a:solidFill>
+            <a:schemeClr val="accent2"/>
+          </a:solidFill>
+          <a:ln>
+            <a:noFill/>
+          </a:ln>
+        </p:spPr>
+        <p:style>
+          <a:lnRef idx="2">
+            <a:schemeClr val="accent1">
+              <a:shade val="50000"/>
+            </a:schemeClr>
+          </a:lnRef>
+          <a:fillRef idx="1">
+            <a:schemeClr val="accent1"/>
+          </a:fillRef>
+          <a:effectRef idx="0">
+            <a:schemeClr val="accent1"/>
+          </a:effectRef>
+          <a:fontRef idx="minor">
+            <a:schemeClr val="lt1"/>
+          </a:fontRef>
+        </p:style>
+      </p:sp>
+      <p:sp>
+        <p:nvSpPr>
+          <p:cNvPr id="8" name="Rectangle 7"/>
+          <p:cNvSpPr/>
+          <p:nvPr/>
+        </p:nvSpPr>
+        <p:spPr>
+          <a:xfrm>
+            <a:off x="15" y="6334316"/>
+            <a:ext cx="12188825" cy="64008"/>
+          </a:xfrm>
+          <a:prstGeom prst="rect">
+            <a:avLst/>
+          </a:prstGeom>
+          <a:solidFill>
+            <a:schemeClr val="accent1"/>
+          </a:solidFill>
+          <a:ln>
+            <a:noFill/>
+          </a:ln>
+        </p:spPr>
+        <p:style>
+          <a:lnRef idx="2">
+            <a:schemeClr val="accent1">
+              <a:shade val="50000"/>
+            </a:schemeClr>
+          </a:lnRef>
+          <a:fillRef idx="1">
+            <a:schemeClr val="accent1"/>
+          </a:fillRef>
+          <a:effectRef idx="0">
+            <a:schemeClr val="accent1"/>
+          </a:effectRef>
+          <a:fontRef idx="minor">
+            <a:schemeClr val="lt1"/>
+          </a:fontRef>
+        </p:style>
+      </p:sp>
+      <p:sp>
+        <p:nvSpPr>
+          <p:cNvPr id="2" name="Title 1"/>
+          <p:cNvSpPr>
+            <a:spLocks noGrp="1"/>
+          </p:cNvSpPr>
+          <p:nvPr>
+            <p:ph type="title"/>
+          </p:nvPr>
+        </p:nvSpPr>
+        <p:spPr>
+          <a:xfrm>
+            <a:off x="1097280" y="758952"/>
+            <a:ext cx="10058400" cy="3566160"/>
+          </a:xfrm>
+        </p:spPr>
+        <p:txBody>
+          <a:bodyPr anchor="b" anchorCtr="0">
+            <a:normAutofit/>
+          </a:bodyPr>
+          <a:lstStyle>
+            <a:lvl1pPr>
+              <a:lnSpc>
+                <a:spcPct val="85000"/>
+              </a:lnSpc>
+              <a:defRPr sz="8000" b="0">
+                <a:solidFill>
+                  <a:schemeClr val="tx1">
+                    <a:lumMod val="85000"/>
+                    <a:lumOff val="15000"/>
+                  </a:schemeClr>
+                </a:solidFill>
+              </a:defRPr>
+            </a:lvl1pPr>
+          </a:lstStyle>
+          <a:p>
+            <a:r>
+              <a:rPr lang="es-ES"/>
+              <a:t>Haga clic para modificar el estilo de título del patrón</a:t>
+            </a:r>
+            <a:endParaRPr lang="en-US" dirty="0"/>
+          </a:p>
+        </p:txBody>
+      </p:sp>
+      <p:sp>
+        <p:nvSpPr>
+          <p:cNvPr id="3" name="Text Placeholder 2"/>
+          <p:cNvSpPr>
+            <a:spLocks noGrp="1"/>
+          </p:cNvSpPr>
+          <p:nvPr>
+            <p:ph type="body" idx="1"/>
+          </p:nvPr>
+        </p:nvSpPr>
+        <p:spPr>
+          <a:xfrm>
+            <a:off x="1097280" y="4453128"/>
+            <a:ext cx="10058400" cy="1143000"/>
+          </a:xfrm>
+        </p:spPr>
+        <p:txBody>
+          <a:bodyPr lIns="91440" rIns="91440" anchor="t" anchorCtr="0">
+            <a:normAutofit/>
+          </a:bodyPr>
+          <a:lstStyle>
+            <a:lvl1pPr marL="0" indent="0">
+              <a:buNone/>
+              <a:defRPr sz="2400" cap="all" spc="200" baseline="0">
+                <a:solidFill>
+                  <a:schemeClr val="tx2"/>
+                </a:solidFill>
+                <a:latin typeface="+mj-lt"/>
+              </a:defRPr>
+            </a:lvl1pPr>
+            <a:lvl2pPr marL="457200" indent="0">
+              <a:buNone/>
+              <a:defRPr sz="1800">
+                <a:solidFill>
+                  <a:schemeClr val="tx1">
+                    <a:tint val="75000"/>
+                  </a:schemeClr>
+                </a:solidFill>
+              </a:defRPr>
+            </a:lvl2pPr>
+            <a:lvl3pPr marL="914400" indent="0">
+              <a:buNone/>
+              <a:defRPr sz="1600">
+                <a:solidFill>
+                  <a:schemeClr val="tx1">
+                    <a:tint val="75000"/>
+                  </a:schemeClr>
+                </a:solidFill>
+              </a:defRPr>
+            </a:lvl3pPr>
+            <a:lvl4pPr marL="1371600" indent="0">
+              <a:buNone/>
+              <a:defRPr sz="1400">
+                <a:solidFill>
+                  <a:schemeClr val="tx1">
+                    <a:tint val="75000"/>
+                  </a:schemeClr>
+                </a:solidFill>
+              </a:defRPr>
+            </a:lvl4pPr>
+            <a:lvl5pPr marL="1828800" indent="0">
+              <a:buNone/>
+              <a:defRPr sz="1400">
+                <a:solidFill>
+                  <a:schemeClr val="tx1">
+                    <a:tint val="75000"/>
+                  </a:schemeClr>
+                </a:solidFill>
+              </a:defRPr>
+            </a:lvl5pPr>
+            <a:lvl6pPr marL="2286000" indent="0">
+              <a:buNone/>
+              <a:defRPr sz="1400">
+                <a:solidFill>
+                  <a:schemeClr val="tx1">
+                    <a:tint val="75000"/>
+                  </a:schemeClr>
+                </a:solidFill>
+              </a:defRPr>
+            </a:lvl6pPr>
+            <a:lvl7pPr marL="2743200" indent="0">
+              <a:buNone/>
+              <a:defRPr sz="1400">
+                <a:solidFill>
+                  <a:schemeClr val="tx1">
+                    <a:tint val="75000"/>
+                  </a:schemeClr>
+                </a:solidFill>
+              </a:defRPr>
+            </a:lvl7pPr>
+            <a:lvl8pPr marL="3200400" indent="0">
+              <a:buNone/>
+              <a:defRPr sz="1400">
+                <a:solidFill>
+                  <a:schemeClr val="tx1">
+                    <a:tint val="75000"/>
+                  </a:schemeClr>
+                </a:solidFill>
+              </a:defRPr>
+            </a:lvl8pPr>
+            <a:lvl9pPr marL="3657600" indent="0">
+              <a:buNone/>
+              <a:defRPr sz="1400">
+                <a:solidFill>
+                  <a:schemeClr val="tx1">
+                    <a:tint val="75000"/>
+                  </a:schemeClr>
+                </a:solidFill>
+              </a:defRPr>
+            </a:lvl9pPr>
+          </a:lstStyle>
+          <a:p>
+            <a:pPr lvl="0"/>
+            <a:r>
+              <a:rPr lang="es-ES"/>
+              <a:t>Haga clic para modificar los estilos de texto del patrón</a:t>
+            </a:r>
+          </a:p>
+        </p:txBody>
+      </p:sp>
+      <p:sp>
+        <p:nvSpPr>
+          <p:cNvPr id="4" name="Date Placeholder 3"/>
+          <p:cNvSpPr>
+            <a:spLocks noGrp="1"/>
+          </p:cNvSpPr>
+          <p:nvPr>
+            <p:ph type="dt" sz="half" idx="10"/>
+          </p:nvPr>
+        </p:nvSpPr>
+        <p:spPr/>
+        <p:txBody>
+          <a:bodyPr/>
+          <a:lstStyle/>
+          <a:p>
+            <a:fld id="{20EBB0C4-6273-4C6E-B9BD-2EDC30F1CD52}" type="datetimeFigureOut">
+              <a:rPr lang="en-US" dirty="0"/>
+              <a:t>11/12/2024</a:t>
+            </a:fld>
+            <a:endParaRPr lang="en-US" dirty="0"/>
+          </a:p>
+        </p:txBody>
+      </p:sp>
+      <p:sp>
+        <p:nvSpPr>
+          <p:cNvPr id="5" name="Footer Placeholder 4"/>
+          <p:cNvSpPr>
+            <a:spLocks noGrp="1"/>
+          </p:cNvSpPr>
+          <p:nvPr>
+            <p:ph type="ftr" sz="quarter" idx="11"/>
+          </p:nvPr>
+        </p:nvSpPr>
+        <p:spPr/>
+        <p:txBody>
+          <a:bodyPr/>
+          <a:lstStyle/>
+          <a:p>
+            <a:endParaRPr lang="en-US" dirty="0"/>
+          </a:p>
+        </p:txBody>
+      </p:sp>
+      <p:sp>
+        <p:nvSpPr>
+          <p:cNvPr id="6" name="Slide Number Placeholder 5"/>
+          <p:cNvSpPr>
+            <a:spLocks noGrp="1"/>
+          </p:cNvSpPr>
+          <p:nvPr>
+            <p:ph type="sldNum" sz="quarter" idx="12"/>
+          </p:nvPr>
+        </p:nvSpPr>
+        <p:spPr/>
+        <p:txBody>
+          <a:bodyPr/>
+          <a:lstStyle/>
+          <a:p>
+            <a:fld id="{4FAB73BC-B049-4115-A692-8D63A059BFB8}" type="slidenum">
+              <a:rPr lang="en-US" dirty="0"/>
+              <a:t>‹Nº›</a:t>
+            </a:fld>
+            <a:endParaRPr lang="en-US" dirty="0"/>
+          </a:p>
+        </p:txBody>
+      </p:sp>
+      <p:cxnSp>
+        <p:nvCxnSpPr>
+          <p:cNvPr id="9" name="Straight Connector 8"/>
+          <p:cNvCxnSpPr/>
+          <p:nvPr/>
+        </p:nvCxnSpPr>
+        <p:spPr>
+          <a:xfrm>
+            <a:off x="1207658" y="4343400"/>
+            <a:ext cx="9875520" cy="0"/>
+          </a:xfrm>
+          <a:prstGeom prst="line">
+            <a:avLst/>
+          </a:prstGeom>
+          <a:ln w="6350">
+            <a:solidFill>
+              <a:schemeClr val="tx1">
+                <a:lumMod val="50000"/>
+                <a:lumOff val="50000"/>
+              </a:schemeClr>
+            </a:solidFill>
+          </a:ln>
+        </p:spPr>
+        <p:style>
+          <a:lnRef idx="1">
+            <a:schemeClr val="accent1"/>
+          </a:lnRef>
+          <a:fillRef idx="0">
+            <a:schemeClr val="accent1"/>
+          </a:fillRef>
+          <a:effectRef idx="0">
+            <a:schemeClr val="accent1"/>
+          </a:effectRef>
+          <a:fontRef idx="minor">
+            <a:schemeClr val="tx1"/>
+          </a:fontRef>
+        </p:style>
+      </p:cxnSp>
+    </p:spTree>
+    <p:extLst>
+      <p:ext uri="{BB962C8B-B14F-4D97-AF65-F5344CB8AC3E}">
+        <p14:creationId xmlns:p14="http://schemas.microsoft.com/office/powerpoint/2010/main" val="2992529817"/>
+      </p:ext>
+    </p:extLst>
+  </p:cSld>
+  <p:clrMapOvr>
+    <a:masterClrMapping/>
+  </p:clrMapOvr>
+</p:sldLayout>
+</file>
+
+<file path=ppt/slideLayouts/slideLayout15.xml><?xml version="1.0" encoding="utf-8"?>
+<p:sldLayout xmlns:a="http://schemas.openxmlformats.org/drawingml/2006/main" xmlns:r="http://schemas.openxmlformats.org/officeDocument/2006/relationships" xmlns:p="http://schemas.openxmlformats.org/presentationml/2006/main" type="twoObj" preserve="1">
+  <p:cSld name="Dos objetos">
+    <p:spTree>
+      <p:nvGrpSpPr>
+        <p:cNvPr id="1" name=""/>
+        <p:cNvGrpSpPr/>
+        <p:nvPr/>
+      </p:nvGrpSpPr>
+      <p:grpSpPr>
+        <a:xfrm>
+          <a:off x="0" y="0"/>
+          <a:ext cx="0" cy="0"/>
+          <a:chOff x="0" y="0"/>
+          <a:chExt cx="0" cy="0"/>
+        </a:xfrm>
+      </p:grpSpPr>
+      <p:sp>
+        <p:nvSpPr>
+          <p:cNvPr id="8" name="Title 7"/>
+          <p:cNvSpPr>
+            <a:spLocks noGrp="1"/>
+          </p:cNvSpPr>
+          <p:nvPr>
+            <p:ph type="title"/>
+          </p:nvPr>
+        </p:nvSpPr>
+        <p:spPr>
+          <a:xfrm>
+            <a:off x="1097280" y="286603"/>
+            <a:ext cx="10058400" cy="1450757"/>
+          </a:xfrm>
+        </p:spPr>
+        <p:txBody>
+          <a:bodyPr/>
+          <a:lstStyle/>
+          <a:p>
+            <a:r>
+              <a:rPr lang="es-ES"/>
+              <a:t>Haga clic para modificar el estilo de título del patrón</a:t>
+            </a:r>
+            <a:endParaRPr lang="en-US" dirty="0"/>
+          </a:p>
+        </p:txBody>
+      </p:sp>
+      <p:sp>
+        <p:nvSpPr>
+          <p:cNvPr id="3" name="Content Placeholder 2"/>
+          <p:cNvSpPr>
+            <a:spLocks noGrp="1"/>
+          </p:cNvSpPr>
+          <p:nvPr>
+            <p:ph sz="half" idx="1"/>
+          </p:nvPr>
+        </p:nvSpPr>
+        <p:spPr>
+          <a:xfrm>
+            <a:off x="1097279" y="1845734"/>
+            <a:ext cx="4937760" cy="4023360"/>
+          </a:xfrm>
+        </p:spPr>
+        <p:txBody>
+          <a:bodyPr/>
+          <a:lstStyle/>
+          <a:p>
+            <a:pPr lvl="0"/>
+            <a:r>
+              <a:rPr lang="es-ES"/>
+              <a:t>Haga clic para modificar los estilos de texto del patrón</a:t>
+            </a:r>
+          </a:p>
+          <a:p>
+            <a:pPr lvl="1"/>
+            <a:r>
+              <a:rPr lang="es-ES"/>
+              <a:t>Segundo nivel</a:t>
+            </a:r>
+          </a:p>
+          <a:p>
+            <a:pPr lvl="2"/>
+            <a:r>
+              <a:rPr lang="es-ES"/>
+              <a:t>Tercer nivel</a:t>
+            </a:r>
+          </a:p>
+          <a:p>
+            <a:pPr lvl="3"/>
+            <a:r>
+              <a:rPr lang="es-ES"/>
+              <a:t>Cuarto nivel</a:t>
+            </a:r>
+          </a:p>
+          <a:p>
+            <a:pPr lvl="4"/>
+            <a:r>
+              <a:rPr lang="es-ES"/>
+              <a:t>Quinto nivel</a:t>
+            </a:r>
+            <a:endParaRPr lang="en-US" dirty="0"/>
+          </a:p>
+        </p:txBody>
+      </p:sp>
+      <p:sp>
+        <p:nvSpPr>
+          <p:cNvPr id="4" name="Content Placeholder 3"/>
+          <p:cNvSpPr>
+            <a:spLocks noGrp="1"/>
+          </p:cNvSpPr>
+          <p:nvPr>
+            <p:ph sz="half" idx="2"/>
+          </p:nvPr>
+        </p:nvSpPr>
+        <p:spPr>
+          <a:xfrm>
+            <a:off x="6217920" y="1845735"/>
+            <a:ext cx="4937760" cy="4023360"/>
+          </a:xfrm>
+        </p:spPr>
+        <p:txBody>
+          <a:bodyPr/>
+          <a:lstStyle/>
+          <a:p>
+            <a:pPr lvl="0"/>
+            <a:r>
+              <a:rPr lang="es-ES"/>
+              <a:t>Haga clic para modificar los estilos de texto del patrón</a:t>
+            </a:r>
+          </a:p>
+          <a:p>
+            <a:pPr lvl="1"/>
+            <a:r>
+              <a:rPr lang="es-ES"/>
+              <a:t>Segundo nivel</a:t>
+            </a:r>
+          </a:p>
+          <a:p>
+            <a:pPr lvl="2"/>
+            <a:r>
+              <a:rPr lang="es-ES"/>
+              <a:t>Tercer nivel</a:t>
+            </a:r>
+          </a:p>
+          <a:p>
+            <a:pPr lvl="3"/>
+            <a:r>
+              <a:rPr lang="es-ES"/>
+              <a:t>Cuarto nivel</a:t>
+            </a:r>
+          </a:p>
+          <a:p>
+            <a:pPr lvl="4"/>
+            <a:r>
+              <a:rPr lang="es-ES"/>
+              <a:t>Quinto nivel</a:t>
+            </a:r>
+            <a:endParaRPr lang="en-US" dirty="0"/>
+          </a:p>
+        </p:txBody>
+      </p:sp>
+      <p:sp>
+        <p:nvSpPr>
+          <p:cNvPr id="5" name="Date Placeholder 4"/>
+          <p:cNvSpPr>
+            <a:spLocks noGrp="1"/>
+          </p:cNvSpPr>
+          <p:nvPr>
+            <p:ph type="dt" sz="half" idx="10"/>
+          </p:nvPr>
+        </p:nvSpPr>
+        <p:spPr/>
+        <p:txBody>
+          <a:bodyPr/>
+          <a:lstStyle/>
+          <a:p>
+            <a:fld id="{19AB4D41-86C1-4908-B66A-0B50CEB3BF29}" type="datetimeFigureOut">
+              <a:rPr lang="en-US" dirty="0"/>
+              <a:t>11/12/2024</a:t>
+            </a:fld>
+            <a:endParaRPr lang="en-US" dirty="0"/>
+          </a:p>
+        </p:txBody>
+      </p:sp>
+      <p:sp>
+        <p:nvSpPr>
+          <p:cNvPr id="6" name="Footer Placeholder 5"/>
+          <p:cNvSpPr>
+            <a:spLocks noGrp="1"/>
+          </p:cNvSpPr>
+          <p:nvPr>
+            <p:ph type="ftr" sz="quarter" idx="11"/>
+          </p:nvPr>
+        </p:nvSpPr>
+        <p:spPr/>
+        <p:txBody>
+          <a:bodyPr/>
+          <a:lstStyle/>
+          <a:p>
+            <a:endParaRPr lang="en-US" dirty="0"/>
+          </a:p>
+        </p:txBody>
+      </p:sp>
+      <p:sp>
+        <p:nvSpPr>
+          <p:cNvPr id="7" name="Slide Number Placeholder 6"/>
+          <p:cNvSpPr>
+            <a:spLocks noGrp="1"/>
+          </p:cNvSpPr>
+          <p:nvPr>
+            <p:ph type="sldNum" sz="quarter" idx="12"/>
+          </p:nvPr>
+        </p:nvSpPr>
+        <p:spPr/>
+        <p:txBody>
+          <a:bodyPr/>
+          <a:lstStyle/>
+          <a:p>
+            <a:fld id="{4FAB73BC-B049-4115-A692-8D63A059BFB8}" type="slidenum">
+              <a:rPr lang="en-US" dirty="0"/>
+              <a:t>‹Nº›</a:t>
+            </a:fld>
+            <a:endParaRPr lang="en-US" dirty="0"/>
+          </a:p>
+        </p:txBody>
+      </p:sp>
+    </p:spTree>
+    <p:extLst>
+      <p:ext uri="{BB962C8B-B14F-4D97-AF65-F5344CB8AC3E}">
+        <p14:creationId xmlns:p14="http://schemas.microsoft.com/office/powerpoint/2010/main" val="408542890"/>
+      </p:ext>
+    </p:extLst>
+  </p:cSld>
+  <p:clrMapOvr>
+    <a:masterClrMapping/>
+  </p:clrMapOvr>
+</p:sldLayout>
+</file>
+
+<file path=ppt/slideLayouts/slideLayout16.xml><?xml version="1.0" encoding="utf-8"?>
+<p:sldLayout xmlns:a="http://schemas.openxmlformats.org/drawingml/2006/main" xmlns:r="http://schemas.openxmlformats.org/officeDocument/2006/relationships" xmlns:p="http://schemas.openxmlformats.org/presentationml/2006/main" type="twoTxTwoObj" preserve="1">
+  <p:cSld name="Comparación">
+    <p:spTree>
+      <p:nvGrpSpPr>
+        <p:cNvPr id="1" name=""/>
+        <p:cNvGrpSpPr/>
+        <p:nvPr/>
+      </p:nvGrpSpPr>
+      <p:grpSpPr>
+        <a:xfrm>
+          <a:off x="0" y="0"/>
+          <a:ext cx="0" cy="0"/>
+          <a:chOff x="0" y="0"/>
+          <a:chExt cx="0" cy="0"/>
+        </a:xfrm>
+      </p:grpSpPr>
+      <p:sp>
+        <p:nvSpPr>
+          <p:cNvPr id="10" name="Title 9"/>
+          <p:cNvSpPr>
+            <a:spLocks noGrp="1"/>
+          </p:cNvSpPr>
+          <p:nvPr>
+            <p:ph type="title"/>
+          </p:nvPr>
+        </p:nvSpPr>
+        <p:spPr>
+          <a:xfrm>
+            <a:off x="1097280" y="286603"/>
+            <a:ext cx="10058400" cy="1450757"/>
+          </a:xfrm>
+        </p:spPr>
+        <p:txBody>
+          <a:bodyPr/>
+          <a:lstStyle/>
+          <a:p>
+            <a:r>
+              <a:rPr lang="es-ES"/>
+              <a:t>Haga clic para modificar el estilo de título del patrón</a:t>
+            </a:r>
+            <a:endParaRPr lang="en-US" dirty="0"/>
+          </a:p>
+        </p:txBody>
+      </p:sp>
+      <p:sp>
+        <p:nvSpPr>
+          <p:cNvPr id="3" name="Text Placeholder 2"/>
+          <p:cNvSpPr>
+            <a:spLocks noGrp="1"/>
+          </p:cNvSpPr>
+          <p:nvPr>
+            <p:ph type="body" idx="1"/>
+          </p:nvPr>
+        </p:nvSpPr>
+        <p:spPr>
+          <a:xfrm>
+            <a:off x="1097280" y="1846052"/>
+            <a:ext cx="4937760" cy="736282"/>
+          </a:xfrm>
+        </p:spPr>
+        <p:txBody>
+          <a:bodyPr lIns="91440" rIns="91440" anchor="ctr">
+            <a:normAutofit/>
+          </a:bodyPr>
+          <a:lstStyle>
+            <a:lvl1pPr marL="0" indent="0">
+              <a:buNone/>
+              <a:defRPr sz="2000" b="0" cap="all" baseline="0">
+                <a:solidFill>
+                  <a:schemeClr val="tx2"/>
+                </a:solidFill>
+              </a:defRPr>
+            </a:lvl1pPr>
+            <a:lvl2pPr marL="457200" indent="0">
+              <a:buNone/>
+              <a:defRPr sz="2000" b="1"/>
+            </a:lvl2pPr>
+            <a:lvl3pPr marL="914400" indent="0">
+              <a:buNone/>
+              <a:defRPr sz="1800" b="1"/>
+            </a:lvl3pPr>
+            <a:lvl4pPr marL="1371600" indent="0">
+              <a:buNone/>
+              <a:defRPr sz="1600" b="1"/>
+            </a:lvl4pPr>
+            <a:lvl5pPr marL="1828800" indent="0">
+              <a:buNone/>
+              <a:defRPr sz="1600" b="1"/>
+            </a:lvl5pPr>
+            <a:lvl6pPr marL="2286000" indent="0">
+              <a:buNone/>
+              <a:defRPr sz="1600" b="1"/>
+            </a:lvl6pPr>
+            <a:lvl7pPr marL="2743200" indent="0">
+              <a:buNone/>
+              <a:defRPr sz="1600" b="1"/>
+            </a:lvl7pPr>
+            <a:lvl8pPr marL="3200400" indent="0">
+              <a:buNone/>
+              <a:defRPr sz="1600" b="1"/>
+            </a:lvl8pPr>
+            <a:lvl9pPr marL="3657600" indent="0">
+              <a:buNone/>
+              <a:defRPr sz="1600" b="1"/>
+            </a:lvl9pPr>
+          </a:lstStyle>
+          <a:p>
+            <a:pPr lvl="0"/>
+            <a:r>
+              <a:rPr lang="es-ES"/>
+              <a:t>Haga clic para modificar los estilos de texto del patrón</a:t>
+            </a:r>
+          </a:p>
+        </p:txBody>
+      </p:sp>
+      <p:sp>
+        <p:nvSpPr>
+          <p:cNvPr id="4" name="Content Placeholder 3"/>
+          <p:cNvSpPr>
+            <a:spLocks noGrp="1"/>
+          </p:cNvSpPr>
+          <p:nvPr>
+            <p:ph sz="half" idx="2"/>
+          </p:nvPr>
+        </p:nvSpPr>
+        <p:spPr>
+          <a:xfrm>
+            <a:off x="1097280" y="2582334"/>
+            <a:ext cx="4937760" cy="3378200"/>
+          </a:xfrm>
+        </p:spPr>
+        <p:txBody>
+          <a:bodyPr/>
+          <a:lstStyle/>
+          <a:p>
+            <a:pPr lvl="0"/>
+            <a:r>
+              <a:rPr lang="es-ES"/>
+              <a:t>Haga clic para modificar los estilos de texto del patrón</a:t>
+            </a:r>
+          </a:p>
+          <a:p>
+            <a:pPr lvl="1"/>
+            <a:r>
+              <a:rPr lang="es-ES"/>
+              <a:t>Segundo nivel</a:t>
+            </a:r>
+          </a:p>
+          <a:p>
+            <a:pPr lvl="2"/>
+            <a:r>
+              <a:rPr lang="es-ES"/>
+              <a:t>Tercer nivel</a:t>
+            </a:r>
+          </a:p>
+          <a:p>
+            <a:pPr lvl="3"/>
+            <a:r>
+              <a:rPr lang="es-ES"/>
+              <a:t>Cuarto nivel</a:t>
+            </a:r>
+          </a:p>
+          <a:p>
+            <a:pPr lvl="4"/>
+            <a:r>
+              <a:rPr lang="es-ES"/>
+              <a:t>Quinto nivel</a:t>
+            </a:r>
+            <a:endParaRPr lang="en-US" dirty="0"/>
+          </a:p>
+        </p:txBody>
+      </p:sp>
+      <p:sp>
+        <p:nvSpPr>
+          <p:cNvPr id="5" name="Text Placeholder 4"/>
+          <p:cNvSpPr>
+            <a:spLocks noGrp="1"/>
+          </p:cNvSpPr>
+          <p:nvPr>
+            <p:ph type="body" sz="quarter" idx="3"/>
+          </p:nvPr>
+        </p:nvSpPr>
+        <p:spPr>
+          <a:xfrm>
+            <a:off x="6217920" y="1846052"/>
+            <a:ext cx="4937760" cy="736282"/>
+          </a:xfrm>
+        </p:spPr>
+        <p:txBody>
+          <a:bodyPr lIns="91440" rIns="91440" anchor="ctr">
+            <a:normAutofit/>
+          </a:bodyPr>
+          <a:lstStyle>
+            <a:lvl1pPr marL="0" indent="0">
+              <a:buNone/>
+              <a:defRPr sz="2000" b="0" cap="all" baseline="0">
+                <a:solidFill>
+                  <a:schemeClr val="tx2"/>
+                </a:solidFill>
+              </a:defRPr>
+            </a:lvl1pPr>
+            <a:lvl2pPr marL="457200" indent="0">
+              <a:buNone/>
+              <a:defRPr sz="2000" b="1"/>
+            </a:lvl2pPr>
+            <a:lvl3pPr marL="914400" indent="0">
+              <a:buNone/>
+              <a:defRPr sz="1800" b="1"/>
+            </a:lvl3pPr>
+            <a:lvl4pPr marL="1371600" indent="0">
+              <a:buNone/>
+              <a:defRPr sz="1600" b="1"/>
+            </a:lvl4pPr>
+            <a:lvl5pPr marL="1828800" indent="0">
+              <a:buNone/>
+              <a:defRPr sz="1600" b="1"/>
+            </a:lvl5pPr>
+            <a:lvl6pPr marL="2286000" indent="0">
+              <a:buNone/>
+              <a:defRPr sz="1600" b="1"/>
+            </a:lvl6pPr>
+            <a:lvl7pPr marL="2743200" indent="0">
+              <a:buNone/>
+              <a:defRPr sz="1600" b="1"/>
+            </a:lvl7pPr>
+            <a:lvl8pPr marL="3200400" indent="0">
+              <a:buNone/>
+              <a:defRPr sz="1600" b="1"/>
+            </a:lvl8pPr>
+            <a:lvl9pPr marL="3657600" indent="0">
+              <a:buNone/>
+              <a:defRPr sz="1600" b="1"/>
+            </a:lvl9pPr>
+          </a:lstStyle>
+          <a:p>
+            <a:pPr lvl="0"/>
+            <a:r>
+              <a:rPr lang="es-ES"/>
+              <a:t>Haga clic para modificar los estilos de texto del patrón</a:t>
+            </a:r>
+          </a:p>
+        </p:txBody>
+      </p:sp>
+      <p:sp>
+        <p:nvSpPr>
+          <p:cNvPr id="6" name="Content Placeholder 5"/>
+          <p:cNvSpPr>
+            <a:spLocks noGrp="1"/>
+          </p:cNvSpPr>
+          <p:nvPr>
+            <p:ph sz="quarter" idx="4"/>
+          </p:nvPr>
+        </p:nvSpPr>
+        <p:spPr>
+          <a:xfrm>
+            <a:off x="6217920" y="2582334"/>
+            <a:ext cx="4937760" cy="3378200"/>
+          </a:xfrm>
+        </p:spPr>
+        <p:txBody>
+          <a:bodyPr/>
+          <a:lstStyle/>
+          <a:p>
+            <a:pPr lvl="0"/>
+            <a:r>
+              <a:rPr lang="es-ES"/>
+              <a:t>Haga clic para modificar los estilos de texto del patrón</a:t>
+            </a:r>
+          </a:p>
+          <a:p>
+            <a:pPr lvl="1"/>
+            <a:r>
+              <a:rPr lang="es-ES"/>
+              <a:t>Segundo nivel</a:t>
+            </a:r>
+          </a:p>
+          <a:p>
+            <a:pPr lvl="2"/>
+            <a:r>
+              <a:rPr lang="es-ES"/>
+              <a:t>Tercer nivel</a:t>
+            </a:r>
+          </a:p>
+          <a:p>
+            <a:pPr lvl="3"/>
+            <a:r>
+              <a:rPr lang="es-ES"/>
+              <a:t>Cuarto nivel</a:t>
+            </a:r>
+          </a:p>
+          <a:p>
+            <a:pPr lvl="4"/>
+            <a:r>
+              <a:rPr lang="es-ES"/>
+              <a:t>Quinto nivel</a:t>
+            </a:r>
+            <a:endParaRPr lang="en-US" dirty="0"/>
+          </a:p>
+        </p:txBody>
+      </p:sp>
+      <p:sp>
+        <p:nvSpPr>
+          <p:cNvPr id="7" name="Date Placeholder 6"/>
+          <p:cNvSpPr>
+            <a:spLocks noGrp="1"/>
+          </p:cNvSpPr>
+          <p:nvPr>
+            <p:ph type="dt" sz="half" idx="10"/>
+          </p:nvPr>
+        </p:nvSpPr>
+        <p:spPr/>
+        <p:txBody>
+          <a:bodyPr/>
+          <a:lstStyle/>
+          <a:p>
+            <a:fld id="{E6426E2C-56C1-4E0D-A793-0088A7FDD37E}" type="datetimeFigureOut">
+              <a:rPr lang="en-US" dirty="0"/>
+              <a:t>11/12/2024</a:t>
+            </a:fld>
+            <a:endParaRPr lang="en-US" dirty="0"/>
+          </a:p>
+        </p:txBody>
+      </p:sp>
+      <p:sp>
+        <p:nvSpPr>
+          <p:cNvPr id="8" name="Footer Placeholder 7"/>
+          <p:cNvSpPr>
+            <a:spLocks noGrp="1"/>
+          </p:cNvSpPr>
+          <p:nvPr>
+            <p:ph type="ftr" sz="quarter" idx="11"/>
+          </p:nvPr>
+        </p:nvSpPr>
+        <p:spPr/>
+        <p:txBody>
+          <a:bodyPr/>
+          <a:lstStyle/>
+          <a:p>
+            <a:endParaRPr lang="en-US" dirty="0"/>
+          </a:p>
+        </p:txBody>
+      </p:sp>
+      <p:sp>
+        <p:nvSpPr>
+          <p:cNvPr id="9" name="Slide Number Placeholder 8"/>
+          <p:cNvSpPr>
+            <a:spLocks noGrp="1"/>
+          </p:cNvSpPr>
+          <p:nvPr>
+            <p:ph type="sldNum" sz="quarter" idx="12"/>
+          </p:nvPr>
+        </p:nvSpPr>
+        <p:spPr/>
+        <p:txBody>
+          <a:bodyPr/>
+          <a:lstStyle/>
+          <a:p>
+            <a:fld id="{4FAB73BC-B049-4115-A692-8D63A059BFB8}" type="slidenum">
+              <a:rPr lang="en-US" dirty="0"/>
+              <a:t>‹Nº›</a:t>
+            </a:fld>
+            <a:endParaRPr lang="en-US" dirty="0"/>
+          </a:p>
+        </p:txBody>
+      </p:sp>
+    </p:spTree>
+    <p:extLst>
+      <p:ext uri="{BB962C8B-B14F-4D97-AF65-F5344CB8AC3E}">
+        <p14:creationId xmlns:p14="http://schemas.microsoft.com/office/powerpoint/2010/main" val="4275983933"/>
+      </p:ext>
+    </p:extLst>
+  </p:cSld>
+  <p:clrMapOvr>
+    <a:masterClrMapping/>
+  </p:clrMapOvr>
+</p:sldLayout>
+</file>
+
+<file path=ppt/slideLayouts/slideLayout17.xml><?xml version="1.0" encoding="utf-8"?>
+<p:sldLayout xmlns:a="http://schemas.openxmlformats.org/drawingml/2006/main" xmlns:r="http://schemas.openxmlformats.org/officeDocument/2006/relationships" xmlns:p="http://schemas.openxmlformats.org/presentationml/2006/main" type="titleOnly" preserve="1">
+  <p:cSld name="Solo el título">
+    <p:spTree>
+      <p:nvGrpSpPr>
+        <p:cNvPr id="1" name=""/>
+        <p:cNvGrpSpPr/>
+        <p:nvPr/>
+      </p:nvGrpSpPr>
+      <p:grpSpPr>
+        <a:xfrm>
+          <a:off x="0" y="0"/>
+          <a:ext cx="0" cy="0"/>
+          <a:chOff x="0" y="0"/>
+          <a:chExt cx="0" cy="0"/>
+        </a:xfrm>
+      </p:grpSpPr>
+      <p:sp>
+        <p:nvSpPr>
+          <p:cNvPr id="2" name="Title 1"/>
+          <p:cNvSpPr>
+            <a:spLocks noGrp="1"/>
+          </p:cNvSpPr>
+          <p:nvPr>
+            <p:ph type="title"/>
+          </p:nvPr>
+        </p:nvSpPr>
+        <p:spPr/>
+        <p:txBody>
+          <a:bodyPr/>
+          <a:lstStyle/>
+          <a:p>
+            <a:r>
+              <a:rPr lang="es-ES"/>
+              <a:t>Haga clic para modificar el estilo de título del patrón</a:t>
+            </a:r>
+            <a:endParaRPr lang="en-US" dirty="0"/>
+          </a:p>
+        </p:txBody>
+      </p:sp>
+      <p:sp>
+        <p:nvSpPr>
+          <p:cNvPr id="3" name="Date Placeholder 2"/>
+          <p:cNvSpPr>
+            <a:spLocks noGrp="1"/>
+          </p:cNvSpPr>
+          <p:nvPr>
+            <p:ph type="dt" sz="half" idx="10"/>
+          </p:nvPr>
+        </p:nvSpPr>
+        <p:spPr/>
+        <p:txBody>
+          <a:bodyPr/>
+          <a:lstStyle/>
+          <a:p>
+            <a:fld id="{C8C39B41-D8B5-4052-B551-9B5525EAA8B6}" type="datetimeFigureOut">
+              <a:rPr lang="en-US" dirty="0"/>
+              <a:t>11/12/2024</a:t>
+            </a:fld>
+            <a:endParaRPr lang="en-US" dirty="0"/>
+          </a:p>
+        </p:txBody>
+      </p:sp>
+      <p:sp>
+        <p:nvSpPr>
+          <p:cNvPr id="4" name="Footer Placeholder 3"/>
+          <p:cNvSpPr>
+            <a:spLocks noGrp="1"/>
+          </p:cNvSpPr>
+          <p:nvPr>
+            <p:ph type="ftr" sz="quarter" idx="11"/>
+          </p:nvPr>
+        </p:nvSpPr>
+        <p:spPr/>
+        <p:txBody>
+          <a:bodyPr/>
+          <a:lstStyle/>
+          <a:p>
+            <a:endParaRPr lang="en-US" dirty="0"/>
+          </a:p>
+        </p:txBody>
+      </p:sp>
+      <p:sp>
+        <p:nvSpPr>
+          <p:cNvPr id="5" name="Slide Number Placeholder 4"/>
+          <p:cNvSpPr>
+            <a:spLocks noGrp="1"/>
+          </p:cNvSpPr>
+          <p:nvPr>
+            <p:ph type="sldNum" sz="quarter" idx="12"/>
+          </p:nvPr>
+        </p:nvSpPr>
+        <p:spPr/>
+        <p:txBody>
+          <a:bodyPr/>
+          <a:lstStyle/>
+          <a:p>
+            <a:fld id="{4FAB73BC-B049-4115-A692-8D63A059BFB8}" type="slidenum">
+              <a:rPr lang="en-US" dirty="0"/>
+              <a:t>‹Nº›</a:t>
+            </a:fld>
+            <a:endParaRPr lang="en-US" dirty="0"/>
+          </a:p>
+        </p:txBody>
+      </p:sp>
+    </p:spTree>
+    <p:extLst>
+      <p:ext uri="{BB962C8B-B14F-4D97-AF65-F5344CB8AC3E}">
+        <p14:creationId xmlns:p14="http://schemas.microsoft.com/office/powerpoint/2010/main" val="93984670"/>
+      </p:ext>
+    </p:extLst>
+  </p:cSld>
+  <p:clrMapOvr>
+    <a:masterClrMapping/>
+  </p:clrMapOvr>
+</p:sldLayout>
+</file>
+
+<file path=ppt/slideLayouts/slideLayout18.xml><?xml version="1.0" encoding="utf-8"?>
+<p:sldLayout xmlns:a="http://schemas.openxmlformats.org/drawingml/2006/main" xmlns:r="http://schemas.openxmlformats.org/officeDocument/2006/relationships" xmlns:p="http://schemas.openxmlformats.org/presentationml/2006/main" showMasterSp="0" type="blank" preserve="1">
+  <p:cSld name="En blanco">
+    <p:spTree>
+      <p:nvGrpSpPr>
+        <p:cNvPr id="1" name=""/>
+        <p:cNvGrpSpPr/>
+        <p:nvPr/>
+      </p:nvGrpSpPr>
+      <p:grpSpPr>
+        <a:xfrm>
+          <a:off x="0" y="0"/>
+          <a:ext cx="0" cy="0"/>
+          <a:chOff x="0" y="0"/>
+          <a:chExt cx="0" cy="0"/>
+        </a:xfrm>
+      </p:grpSpPr>
+      <p:sp>
+        <p:nvSpPr>
+          <p:cNvPr id="5" name="Rectangle 4"/>
+          <p:cNvSpPr/>
+          <p:nvPr/>
+        </p:nvSpPr>
+        <p:spPr>
+          <a:xfrm>
+            <a:off x="3175" y="6400800"/>
+            <a:ext cx="12188825" cy="457200"/>
+          </a:xfrm>
+          <a:prstGeom prst="rect">
+            <a:avLst/>
+          </a:prstGeom>
+          <a:solidFill>
+            <a:schemeClr val="accent2"/>
+          </a:solidFill>
+          <a:ln>
+            <a:noFill/>
+          </a:ln>
+        </p:spPr>
+        <p:style>
+          <a:lnRef idx="2">
+            <a:schemeClr val="accent1">
+              <a:shade val="50000"/>
+            </a:schemeClr>
+          </a:lnRef>
+          <a:fillRef idx="1">
+            <a:schemeClr val="accent1"/>
+          </a:fillRef>
+          <a:effectRef idx="0">
+            <a:schemeClr val="accent1"/>
+          </a:effectRef>
+          <a:fontRef idx="minor">
+            <a:schemeClr val="lt1"/>
+          </a:fontRef>
+        </p:style>
+      </p:sp>
+      <p:sp>
+        <p:nvSpPr>
+          <p:cNvPr id="6" name="Rectangle 5"/>
+          <p:cNvSpPr/>
+          <p:nvPr/>
+        </p:nvSpPr>
+        <p:spPr>
+          <a:xfrm>
+            <a:off x="15" y="6334316"/>
+            <a:ext cx="12188825" cy="64008"/>
+          </a:xfrm>
+          <a:prstGeom prst="rect">
+            <a:avLst/>
+          </a:prstGeom>
+          <a:solidFill>
+            <a:schemeClr val="accent1"/>
+          </a:solidFill>
+          <a:ln>
+            <a:noFill/>
+          </a:ln>
+        </p:spPr>
+        <p:style>
+          <a:lnRef idx="2">
+            <a:schemeClr val="accent1">
+              <a:shade val="50000"/>
+            </a:schemeClr>
+          </a:lnRef>
+          <a:fillRef idx="1">
+            <a:schemeClr val="accent1"/>
+          </a:fillRef>
+          <a:effectRef idx="0">
+            <a:schemeClr val="accent1"/>
+          </a:effectRef>
+          <a:fontRef idx="minor">
+            <a:schemeClr val="lt1"/>
+          </a:fontRef>
+        </p:style>
+      </p:sp>
+      <p:sp>
+        <p:nvSpPr>
+          <p:cNvPr id="7" name="Date Placeholder 6"/>
+          <p:cNvSpPr>
+            <a:spLocks noGrp="1"/>
+          </p:cNvSpPr>
+          <p:nvPr>
+            <p:ph type="dt" sz="half" idx="10"/>
+          </p:nvPr>
+        </p:nvSpPr>
+        <p:spPr/>
+        <p:txBody>
+          <a:bodyPr/>
+          <a:lstStyle/>
+          <a:p>
+            <a:fld id="{4D94136C-8742-45B2-AF27-D93DF72833A9}" type="datetimeFigureOut">
+              <a:rPr lang="en-US" dirty="0"/>
+              <a:t>11/12/2024</a:t>
+            </a:fld>
+            <a:endParaRPr lang="en-US" dirty="0"/>
+          </a:p>
+        </p:txBody>
+      </p:sp>
+      <p:sp>
+        <p:nvSpPr>
+          <p:cNvPr id="8" name="Footer Placeholder 7"/>
+          <p:cNvSpPr>
+            <a:spLocks noGrp="1"/>
+          </p:cNvSpPr>
+          <p:nvPr>
+            <p:ph type="ftr" sz="quarter" idx="11"/>
+          </p:nvPr>
+        </p:nvSpPr>
+        <p:spPr/>
+        <p:txBody>
+          <a:bodyPr/>
+          <a:lstStyle>
+            <a:lvl1pPr>
+              <a:defRPr>
+                <a:solidFill>
+                  <a:srgbClr val="FFFFFF"/>
+                </a:solidFill>
+              </a:defRPr>
+            </a:lvl1pPr>
+          </a:lstStyle>
+          <a:p>
+            <a:endParaRPr lang="en-US" dirty="0"/>
+          </a:p>
+        </p:txBody>
+      </p:sp>
+      <p:sp>
+        <p:nvSpPr>
+          <p:cNvPr id="9" name="Slide Number Placeholder 8"/>
+          <p:cNvSpPr>
+            <a:spLocks noGrp="1"/>
+          </p:cNvSpPr>
+          <p:nvPr>
+            <p:ph type="sldNum" sz="quarter" idx="12"/>
+          </p:nvPr>
+        </p:nvSpPr>
+        <p:spPr/>
+        <p:txBody>
+          <a:bodyPr/>
+          <a:lstStyle/>
+          <a:p>
+            <a:fld id="{4FAB73BC-B049-4115-A692-8D63A059BFB8}" type="slidenum">
+              <a:rPr lang="en-US" dirty="0"/>
+              <a:pPr/>
+              <a:t>‹Nº›</a:t>
+            </a:fld>
+            <a:endParaRPr lang="en-US" dirty="0"/>
+          </a:p>
+        </p:txBody>
+      </p:sp>
+    </p:spTree>
+    <p:extLst>
+      <p:ext uri="{BB962C8B-B14F-4D97-AF65-F5344CB8AC3E}">
+        <p14:creationId xmlns:p14="http://schemas.microsoft.com/office/powerpoint/2010/main" val="847119030"/>
+      </p:ext>
+    </p:extLst>
+  </p:cSld>
+  <p:clrMapOvr>
+    <a:masterClrMapping/>
+  </p:clrMapOvr>
+</p:sldLayout>
+</file>
+
+<file path=ppt/slideLayouts/slideLayout19.xml><?xml version="1.0" encoding="utf-8"?>
+<p:sldLayout xmlns:a="http://schemas.openxmlformats.org/drawingml/2006/main" xmlns:r="http://schemas.openxmlformats.org/officeDocument/2006/relationships" xmlns:p="http://schemas.openxmlformats.org/presentationml/2006/main" showMasterSp="0" type="objTx" preserve="1">
+  <p:cSld name="Contenido con título">
+    <p:spTree>
+      <p:nvGrpSpPr>
+        <p:cNvPr id="1" name=""/>
+        <p:cNvGrpSpPr/>
+        <p:nvPr/>
+      </p:nvGrpSpPr>
+      <p:grpSpPr>
+        <a:xfrm>
+          <a:off x="0" y="0"/>
+          <a:ext cx="0" cy="0"/>
+          <a:chOff x="0" y="0"/>
+          <a:chExt cx="0" cy="0"/>
+        </a:xfrm>
+      </p:grpSpPr>
+      <p:sp>
+        <p:nvSpPr>
+          <p:cNvPr id="8" name="Rectangle 7"/>
+          <p:cNvSpPr/>
+          <p:nvPr/>
+        </p:nvSpPr>
+        <p:spPr>
+          <a:xfrm>
+            <a:off x="16" y="0"/>
+            <a:ext cx="4050791" cy="6858000"/>
+          </a:xfrm>
+          <a:prstGeom prst="rect">
+            <a:avLst/>
+          </a:prstGeom>
+          <a:solidFill>
+            <a:schemeClr val="accent2"/>
+          </a:solidFill>
+          <a:ln>
+            <a:noFill/>
+          </a:ln>
+        </p:spPr>
+        <p:style>
+          <a:lnRef idx="2">
+            <a:schemeClr val="accent1">
+              <a:shade val="50000"/>
+            </a:schemeClr>
+          </a:lnRef>
+          <a:fillRef idx="1">
+            <a:schemeClr val="accent1"/>
+          </a:fillRef>
+          <a:effectRef idx="0">
+            <a:schemeClr val="accent1"/>
+          </a:effectRef>
+          <a:fontRef idx="minor">
+            <a:schemeClr val="lt1"/>
+          </a:fontRef>
+        </p:style>
+      </p:sp>
+      <p:sp>
+        <p:nvSpPr>
+          <p:cNvPr id="9" name="Rectangle 8"/>
+          <p:cNvSpPr/>
+          <p:nvPr/>
+        </p:nvSpPr>
+        <p:spPr>
+          <a:xfrm>
+            <a:off x="4040071" y="0"/>
+            <a:ext cx="64008" cy="6858000"/>
+          </a:xfrm>
+          <a:prstGeom prst="rect">
+            <a:avLst/>
+          </a:prstGeom>
+          <a:solidFill>
+            <a:schemeClr val="accent1"/>
+          </a:solidFill>
+          <a:ln>
+            <a:noFill/>
+          </a:ln>
+        </p:spPr>
+        <p:style>
+          <a:lnRef idx="2">
+            <a:schemeClr val="accent1">
+              <a:shade val="50000"/>
+            </a:schemeClr>
+          </a:lnRef>
+          <a:fillRef idx="1">
+            <a:schemeClr val="accent1"/>
+          </a:fillRef>
+          <a:effectRef idx="0">
+            <a:schemeClr val="accent1"/>
+          </a:effectRef>
+          <a:fontRef idx="minor">
+            <a:schemeClr val="lt1"/>
+          </a:fontRef>
+        </p:style>
+      </p:sp>
+      <p:sp>
+        <p:nvSpPr>
+          <p:cNvPr id="2" name="Title 1"/>
+          <p:cNvSpPr>
+            <a:spLocks noGrp="1"/>
+          </p:cNvSpPr>
+          <p:nvPr>
+            <p:ph type="title"/>
+          </p:nvPr>
+        </p:nvSpPr>
+        <p:spPr>
+          <a:xfrm>
+            <a:off x="457200" y="594359"/>
+            <a:ext cx="3200400" cy="2286000"/>
+          </a:xfrm>
+        </p:spPr>
+        <p:txBody>
+          <a:bodyPr anchor="b">
+            <a:normAutofit/>
+          </a:bodyPr>
+          <a:lstStyle>
+            <a:lvl1pPr>
+              <a:defRPr sz="3600" b="0">
+                <a:solidFill>
+                  <a:srgbClr val="FFFFFF"/>
+                </a:solidFill>
+              </a:defRPr>
+            </a:lvl1pPr>
+          </a:lstStyle>
+          <a:p>
+            <a:r>
+              <a:rPr lang="es-ES"/>
+              <a:t>Haga clic para modificar el estilo de título del patrón</a:t>
+            </a:r>
+            <a:endParaRPr lang="en-US" dirty="0"/>
+          </a:p>
+        </p:txBody>
+      </p:sp>
+      <p:sp>
+        <p:nvSpPr>
+          <p:cNvPr id="3" name="Content Placeholder 2"/>
+          <p:cNvSpPr>
+            <a:spLocks noGrp="1"/>
+          </p:cNvSpPr>
+          <p:nvPr>
+            <p:ph idx="1"/>
+          </p:nvPr>
+        </p:nvSpPr>
+        <p:spPr>
+          <a:xfrm>
+            <a:off x="4800600" y="731520"/>
+            <a:ext cx="6492240" cy="5257800"/>
+          </a:xfrm>
+        </p:spPr>
+        <p:txBody>
+          <a:bodyPr/>
+          <a:lstStyle/>
+          <a:p>
+            <a:pPr lvl="0"/>
+            <a:r>
+              <a:rPr lang="es-ES"/>
+              <a:t>Haga clic para modificar los estilos de texto del patrón</a:t>
+            </a:r>
+          </a:p>
+          <a:p>
+            <a:pPr lvl="1"/>
+            <a:r>
+              <a:rPr lang="es-ES"/>
+              <a:t>Segundo nivel</a:t>
+            </a:r>
+          </a:p>
+          <a:p>
+            <a:pPr lvl="2"/>
+            <a:r>
+              <a:rPr lang="es-ES"/>
+              <a:t>Tercer nivel</a:t>
+            </a:r>
+          </a:p>
+          <a:p>
+            <a:pPr lvl="3"/>
+            <a:r>
+              <a:rPr lang="es-ES"/>
+              <a:t>Cuarto nivel</a:t>
+            </a:r>
+          </a:p>
+          <a:p>
+            <a:pPr lvl="4"/>
+            <a:r>
+              <a:rPr lang="es-ES"/>
+              <a:t>Quinto nivel</a:t>
+            </a:r>
+            <a:endParaRPr lang="en-US" dirty="0"/>
+          </a:p>
+        </p:txBody>
+      </p:sp>
+      <p:sp>
+        <p:nvSpPr>
+          <p:cNvPr id="4" name="Text Placeholder 3"/>
+          <p:cNvSpPr>
+            <a:spLocks noGrp="1"/>
+          </p:cNvSpPr>
+          <p:nvPr>
+            <p:ph type="body" sz="half" idx="2"/>
+          </p:nvPr>
+        </p:nvSpPr>
+        <p:spPr>
+          <a:xfrm>
+            <a:off x="457200" y="2926080"/>
+            <a:ext cx="3200400" cy="3379124"/>
+          </a:xfrm>
+        </p:spPr>
+        <p:txBody>
+          <a:bodyPr lIns="91440" rIns="91440">
+            <a:normAutofit/>
+          </a:bodyPr>
+          <a:lstStyle>
+            <a:lvl1pPr marL="0" indent="0">
+              <a:buNone/>
+              <a:defRPr sz="1500">
+                <a:solidFill>
+                  <a:srgbClr val="FFFFFF"/>
+                </a:solidFill>
+              </a:defRPr>
+            </a:lvl1pPr>
+            <a:lvl2pPr marL="457200" indent="0">
+              <a:buNone/>
+              <a:defRPr sz="1200"/>
+            </a:lvl2pPr>
+            <a:lvl3pPr marL="914400" indent="0">
+              <a:buNone/>
+              <a:defRPr sz="1000"/>
+            </a:lvl3pPr>
+            <a:lvl4pPr marL="1371600" indent="0">
+              <a:buNone/>
+              <a:defRPr sz="900"/>
+            </a:lvl4pPr>
+            <a:lvl5pPr marL="1828800" indent="0">
+              <a:buNone/>
+              <a:defRPr sz="900"/>
+            </a:lvl5pPr>
+            <a:lvl6pPr marL="2286000" indent="0">
+              <a:buNone/>
+              <a:defRPr sz="900"/>
+            </a:lvl6pPr>
+            <a:lvl7pPr marL="2743200" indent="0">
+              <a:buNone/>
+              <a:defRPr sz="900"/>
+            </a:lvl7pPr>
+            <a:lvl8pPr marL="3200400" indent="0">
+              <a:buNone/>
+              <a:defRPr sz="900"/>
+            </a:lvl8pPr>
+            <a:lvl9pPr marL="3657600" indent="0">
+              <a:buNone/>
+              <a:defRPr sz="900"/>
+            </a:lvl9pPr>
+          </a:lstStyle>
+          <a:p>
+            <a:pPr lvl="0"/>
+            <a:r>
+              <a:rPr lang="es-ES"/>
+              <a:t>Haga clic para modificar los estilos de texto del patrón</a:t>
+            </a:r>
+          </a:p>
+        </p:txBody>
+      </p:sp>
+      <p:sp>
+        <p:nvSpPr>
+          <p:cNvPr id="5" name="Date Placeholder 4"/>
+          <p:cNvSpPr>
+            <a:spLocks noGrp="1"/>
+          </p:cNvSpPr>
+          <p:nvPr>
+            <p:ph type="dt" sz="half" idx="10"/>
+          </p:nvPr>
+        </p:nvSpPr>
+        <p:spPr>
+          <a:xfrm>
+            <a:off x="465512" y="6459785"/>
+            <a:ext cx="2618510" cy="365125"/>
+          </a:xfrm>
+        </p:spPr>
+        <p:txBody>
+          <a:bodyPr/>
+          <a:lstStyle>
+            <a:lvl1pPr algn="l">
+              <a:defRPr/>
+            </a:lvl1pPr>
+          </a:lstStyle>
+          <a:p>
+            <a:fld id="{32ABBEA6-7C60-4B02-AE87-00D78D8422AF}" type="datetimeFigureOut">
+              <a:rPr lang="en-US" dirty="0"/>
+              <a:t>11/12/2024</a:t>
+            </a:fld>
+            <a:endParaRPr lang="en-US" dirty="0"/>
+          </a:p>
+        </p:txBody>
+      </p:sp>
+      <p:sp>
+        <p:nvSpPr>
+          <p:cNvPr id="6" name="Footer Placeholder 5"/>
+          <p:cNvSpPr>
+            <a:spLocks noGrp="1"/>
+          </p:cNvSpPr>
+          <p:nvPr>
+            <p:ph type="ftr" sz="quarter" idx="11"/>
+          </p:nvPr>
+        </p:nvSpPr>
+        <p:spPr>
+          <a:xfrm>
+            <a:off x="4800600" y="6459785"/>
+            <a:ext cx="4648200" cy="365125"/>
+          </a:xfrm>
+        </p:spPr>
+        <p:txBody>
+          <a:bodyPr/>
+          <a:lstStyle>
+            <a:lvl1pPr algn="l">
+              <a:defRPr>
+                <a:solidFill>
+                  <a:schemeClr val="tx2"/>
+                </a:solidFill>
+              </a:defRPr>
+            </a:lvl1pPr>
+          </a:lstStyle>
+          <a:p>
+            <a:endParaRPr lang="en-US" dirty="0"/>
+          </a:p>
+        </p:txBody>
+      </p:sp>
+      <p:sp>
+        <p:nvSpPr>
+          <p:cNvPr id="7" name="Slide Number Placeholder 6"/>
+          <p:cNvSpPr>
+            <a:spLocks noGrp="1"/>
+          </p:cNvSpPr>
+          <p:nvPr>
+            <p:ph type="sldNum" sz="quarter" idx="12"/>
+          </p:nvPr>
+        </p:nvSpPr>
+        <p:spPr/>
+        <p:txBody>
+          <a:bodyPr/>
+          <a:lstStyle>
+            <a:lvl1pPr>
+              <a:defRPr>
+                <a:solidFill>
+                  <a:schemeClr val="tx2"/>
+                </a:solidFill>
+              </a:defRPr>
+            </a:lvl1pPr>
+          </a:lstStyle>
+          <a:p>
+            <a:fld id="{4FAB73BC-B049-4115-A692-8D63A059BFB8}" type="slidenum">
+              <a:rPr lang="en-US" dirty="0"/>
+              <a:pPr/>
+              <a:t>‹Nº›</a:t>
+            </a:fld>
+            <a:endParaRPr lang="en-US" dirty="0"/>
+          </a:p>
+        </p:txBody>
+      </p:sp>
+    </p:spTree>
+    <p:extLst>
+      <p:ext uri="{BB962C8B-B14F-4D97-AF65-F5344CB8AC3E}">
+        <p14:creationId xmlns:p14="http://schemas.microsoft.com/office/powerpoint/2010/main" val="2059857632"/>
       </p:ext>
     </p:extLst>
   </p:cSld>
@@ -1055,7 +3224,7 @@
           <a:p>
             <a:fld id="{528FC5F6-F338-4AE4-BB23-26385BCFC423}" type="datetimeFigureOut">
               <a:rPr lang="en-US" smtClean="0"/>
-              <a:t>11/6/2024</a:t>
+              <a:t>11/12/2024</a:t>
             </a:fld>
             <a:endParaRPr lang="en-US" dirty="0"/>
           </a:p>
@@ -1107,6 +3276,793 @@
     <p:extLst>
       <p:ext uri="{BB962C8B-B14F-4D97-AF65-F5344CB8AC3E}">
         <p14:creationId xmlns:p14="http://schemas.microsoft.com/office/powerpoint/2010/main" val="3250984380"/>
+      </p:ext>
+    </p:extLst>
+  </p:cSld>
+  <p:clrMapOvr>
+    <a:masterClrMapping/>
+  </p:clrMapOvr>
+</p:sldLayout>
+</file>
+
+<file path=ppt/slideLayouts/slideLayout20.xml><?xml version="1.0" encoding="utf-8"?>
+<p:sldLayout xmlns:a="http://schemas.openxmlformats.org/drawingml/2006/main" xmlns:r="http://schemas.openxmlformats.org/officeDocument/2006/relationships" xmlns:p="http://schemas.openxmlformats.org/presentationml/2006/main" showMasterSp="0" type="picTx" preserve="1">
+  <p:cSld name="Imagen con título">
+    <p:spTree>
+      <p:nvGrpSpPr>
+        <p:cNvPr id="1" name=""/>
+        <p:cNvGrpSpPr/>
+        <p:nvPr/>
+      </p:nvGrpSpPr>
+      <p:grpSpPr>
+        <a:xfrm>
+          <a:off x="0" y="0"/>
+          <a:ext cx="0" cy="0"/>
+          <a:chOff x="0" y="0"/>
+          <a:chExt cx="0" cy="0"/>
+        </a:xfrm>
+      </p:grpSpPr>
+      <p:sp>
+        <p:nvSpPr>
+          <p:cNvPr id="8" name="Rectangle 7"/>
+          <p:cNvSpPr/>
+          <p:nvPr/>
+        </p:nvSpPr>
+        <p:spPr>
+          <a:xfrm>
+            <a:off x="0" y="4953000"/>
+            <a:ext cx="12188825" cy="1905000"/>
+          </a:xfrm>
+          <a:prstGeom prst="rect">
+            <a:avLst/>
+          </a:prstGeom>
+          <a:solidFill>
+            <a:schemeClr val="accent2"/>
+          </a:solidFill>
+          <a:ln>
+            <a:noFill/>
+          </a:ln>
+        </p:spPr>
+        <p:style>
+          <a:lnRef idx="2">
+            <a:schemeClr val="accent1">
+              <a:shade val="50000"/>
+            </a:schemeClr>
+          </a:lnRef>
+          <a:fillRef idx="1">
+            <a:schemeClr val="accent1"/>
+          </a:fillRef>
+          <a:effectRef idx="0">
+            <a:schemeClr val="accent1"/>
+          </a:effectRef>
+          <a:fontRef idx="minor">
+            <a:schemeClr val="lt1"/>
+          </a:fontRef>
+        </p:style>
+      </p:sp>
+      <p:sp>
+        <p:nvSpPr>
+          <p:cNvPr id="9" name="Rectangle 8"/>
+          <p:cNvSpPr/>
+          <p:nvPr/>
+        </p:nvSpPr>
+        <p:spPr>
+          <a:xfrm>
+            <a:off x="15" y="4915076"/>
+            <a:ext cx="12188825" cy="64008"/>
+          </a:xfrm>
+          <a:prstGeom prst="rect">
+            <a:avLst/>
+          </a:prstGeom>
+          <a:solidFill>
+            <a:schemeClr val="accent1"/>
+          </a:solidFill>
+          <a:ln>
+            <a:noFill/>
+          </a:ln>
+        </p:spPr>
+        <p:style>
+          <a:lnRef idx="2">
+            <a:schemeClr val="accent1">
+              <a:shade val="50000"/>
+            </a:schemeClr>
+          </a:lnRef>
+          <a:fillRef idx="1">
+            <a:schemeClr val="accent1"/>
+          </a:fillRef>
+          <a:effectRef idx="0">
+            <a:schemeClr val="accent1"/>
+          </a:effectRef>
+          <a:fontRef idx="minor">
+            <a:schemeClr val="lt1"/>
+          </a:fontRef>
+        </p:style>
+      </p:sp>
+      <p:sp>
+        <p:nvSpPr>
+          <p:cNvPr id="2" name="Title 1"/>
+          <p:cNvSpPr>
+            <a:spLocks noGrp="1"/>
+          </p:cNvSpPr>
+          <p:nvPr>
+            <p:ph type="title"/>
+          </p:nvPr>
+        </p:nvSpPr>
+        <p:spPr>
+          <a:xfrm>
+            <a:off x="1097280" y="5074920"/>
+            <a:ext cx="10113264" cy="822960"/>
+          </a:xfrm>
+        </p:spPr>
+        <p:txBody>
+          <a:bodyPr lIns="91440" tIns="0" rIns="91440" bIns="0" anchor="b">
+            <a:noAutofit/>
+          </a:bodyPr>
+          <a:lstStyle>
+            <a:lvl1pPr>
+              <a:defRPr sz="3600" b="0">
+                <a:solidFill>
+                  <a:srgbClr val="FFFFFF"/>
+                </a:solidFill>
+              </a:defRPr>
+            </a:lvl1pPr>
+          </a:lstStyle>
+          <a:p>
+            <a:r>
+              <a:rPr lang="es-ES"/>
+              <a:t>Haga clic para modificar el estilo de título del patrón</a:t>
+            </a:r>
+            <a:endParaRPr lang="en-US" dirty="0"/>
+          </a:p>
+        </p:txBody>
+      </p:sp>
+      <p:sp>
+        <p:nvSpPr>
+          <p:cNvPr id="3" name="Picture Placeholder 2"/>
+          <p:cNvSpPr>
+            <a:spLocks noGrp="1" noChangeAspect="1"/>
+          </p:cNvSpPr>
+          <p:nvPr>
+            <p:ph type="pic" idx="1"/>
+          </p:nvPr>
+        </p:nvSpPr>
+        <p:spPr>
+          <a:xfrm>
+            <a:off x="15" y="0"/>
+            <a:ext cx="12191985" cy="4915076"/>
+          </a:xfrm>
+          <a:blipFill>
+            <a:blip r:embed="rId2"/>
+            <a:stretch>
+              <a:fillRect/>
+            </a:stretch>
+          </a:blipFill>
+        </p:spPr>
+        <p:txBody>
+          <a:bodyPr lIns="457200" tIns="457200" anchor="t"/>
+          <a:lstStyle>
+            <a:lvl1pPr marL="0" indent="0">
+              <a:buNone/>
+              <a:defRPr sz="3200">
+                <a:solidFill>
+                  <a:schemeClr val="bg1"/>
+                </a:solidFill>
+              </a:defRPr>
+            </a:lvl1pPr>
+            <a:lvl2pPr marL="457200" indent="0">
+              <a:buNone/>
+              <a:defRPr sz="2800"/>
+            </a:lvl2pPr>
+            <a:lvl3pPr marL="914400" indent="0">
+              <a:buNone/>
+              <a:defRPr sz="2400"/>
+            </a:lvl3pPr>
+            <a:lvl4pPr marL="1371600" indent="0">
+              <a:buNone/>
+              <a:defRPr sz="2000"/>
+            </a:lvl4pPr>
+            <a:lvl5pPr marL="1828800" indent="0">
+              <a:buNone/>
+              <a:defRPr sz="2000"/>
+            </a:lvl5pPr>
+            <a:lvl6pPr marL="2286000" indent="0">
+              <a:buNone/>
+              <a:defRPr sz="2000"/>
+            </a:lvl6pPr>
+            <a:lvl7pPr marL="2743200" indent="0">
+              <a:buNone/>
+              <a:defRPr sz="2000"/>
+            </a:lvl7pPr>
+            <a:lvl8pPr marL="3200400" indent="0">
+              <a:buNone/>
+              <a:defRPr sz="2000"/>
+            </a:lvl8pPr>
+            <a:lvl9pPr marL="3657600" indent="0">
+              <a:buNone/>
+              <a:defRPr sz="2000"/>
+            </a:lvl9pPr>
+          </a:lstStyle>
+          <a:p>
+            <a:r>
+              <a:rPr lang="es-ES"/>
+              <a:t>Haga clic en el icono para agregar una imagen</a:t>
+            </a:r>
+            <a:endParaRPr lang="en-US" dirty="0"/>
+          </a:p>
+        </p:txBody>
+      </p:sp>
+      <p:sp>
+        <p:nvSpPr>
+          <p:cNvPr id="4" name="Text Placeholder 3"/>
+          <p:cNvSpPr>
+            <a:spLocks noGrp="1"/>
+          </p:cNvSpPr>
+          <p:nvPr>
+            <p:ph type="body" sz="half" idx="2"/>
+          </p:nvPr>
+        </p:nvSpPr>
+        <p:spPr>
+          <a:xfrm>
+            <a:off x="1097280" y="5907023"/>
+            <a:ext cx="10113264" cy="594360"/>
+          </a:xfrm>
+        </p:spPr>
+        <p:txBody>
+          <a:bodyPr lIns="91440" tIns="0" rIns="91440" bIns="0">
+            <a:normAutofit/>
+          </a:bodyPr>
+          <a:lstStyle>
+            <a:lvl1pPr marL="0" indent="0">
+              <a:spcBef>
+                <a:spcPts val="0"/>
+              </a:spcBef>
+              <a:spcAft>
+                <a:spcPts val="600"/>
+              </a:spcAft>
+              <a:buNone/>
+              <a:defRPr sz="1500">
+                <a:solidFill>
+                  <a:srgbClr val="FFFFFF"/>
+                </a:solidFill>
+              </a:defRPr>
+            </a:lvl1pPr>
+            <a:lvl2pPr marL="457200" indent="0">
+              <a:buNone/>
+              <a:defRPr sz="1200"/>
+            </a:lvl2pPr>
+            <a:lvl3pPr marL="914400" indent="0">
+              <a:buNone/>
+              <a:defRPr sz="1000"/>
+            </a:lvl3pPr>
+            <a:lvl4pPr marL="1371600" indent="0">
+              <a:buNone/>
+              <a:defRPr sz="900"/>
+            </a:lvl4pPr>
+            <a:lvl5pPr marL="1828800" indent="0">
+              <a:buNone/>
+              <a:defRPr sz="900"/>
+            </a:lvl5pPr>
+            <a:lvl6pPr marL="2286000" indent="0">
+              <a:buNone/>
+              <a:defRPr sz="900"/>
+            </a:lvl6pPr>
+            <a:lvl7pPr marL="2743200" indent="0">
+              <a:buNone/>
+              <a:defRPr sz="900"/>
+            </a:lvl7pPr>
+            <a:lvl8pPr marL="3200400" indent="0">
+              <a:buNone/>
+              <a:defRPr sz="900"/>
+            </a:lvl8pPr>
+            <a:lvl9pPr marL="3657600" indent="0">
+              <a:buNone/>
+              <a:defRPr sz="900"/>
+            </a:lvl9pPr>
+          </a:lstStyle>
+          <a:p>
+            <a:pPr lvl="0"/>
+            <a:r>
+              <a:rPr lang="es-ES"/>
+              <a:t>Haga clic para modificar los estilos de texto del patrón</a:t>
+            </a:r>
+          </a:p>
+        </p:txBody>
+      </p:sp>
+      <p:sp>
+        <p:nvSpPr>
+          <p:cNvPr id="5" name="Date Placeholder 4"/>
+          <p:cNvSpPr>
+            <a:spLocks noGrp="1"/>
+          </p:cNvSpPr>
+          <p:nvPr>
+            <p:ph type="dt" sz="half" idx="10"/>
+          </p:nvPr>
+        </p:nvSpPr>
+        <p:spPr/>
+        <p:txBody>
+          <a:bodyPr/>
+          <a:lstStyle/>
+          <a:p>
+            <a:fld id="{C9CAD897-D46E-4AD2-BD9B-49DD3E640873}" type="datetimeFigureOut">
+              <a:rPr lang="en-US" dirty="0"/>
+              <a:t>11/12/2024</a:t>
+            </a:fld>
+            <a:endParaRPr lang="en-US" dirty="0"/>
+          </a:p>
+        </p:txBody>
+      </p:sp>
+      <p:sp>
+        <p:nvSpPr>
+          <p:cNvPr id="6" name="Footer Placeholder 5"/>
+          <p:cNvSpPr>
+            <a:spLocks noGrp="1"/>
+          </p:cNvSpPr>
+          <p:nvPr>
+            <p:ph type="ftr" sz="quarter" idx="11"/>
+          </p:nvPr>
+        </p:nvSpPr>
+        <p:spPr/>
+        <p:txBody>
+          <a:bodyPr/>
+          <a:lstStyle/>
+          <a:p>
+            <a:endParaRPr lang="en-US" dirty="0"/>
+          </a:p>
+        </p:txBody>
+      </p:sp>
+      <p:sp>
+        <p:nvSpPr>
+          <p:cNvPr id="7" name="Slide Number Placeholder 6"/>
+          <p:cNvSpPr>
+            <a:spLocks noGrp="1"/>
+          </p:cNvSpPr>
+          <p:nvPr>
+            <p:ph type="sldNum" sz="quarter" idx="12"/>
+          </p:nvPr>
+        </p:nvSpPr>
+        <p:spPr/>
+        <p:txBody>
+          <a:bodyPr/>
+          <a:lstStyle/>
+          <a:p>
+            <a:fld id="{4FAB73BC-B049-4115-A692-8D63A059BFB8}" type="slidenum">
+              <a:rPr lang="en-US" dirty="0"/>
+              <a:t>‹Nº›</a:t>
+            </a:fld>
+            <a:endParaRPr lang="en-US" dirty="0"/>
+          </a:p>
+        </p:txBody>
+      </p:sp>
+    </p:spTree>
+    <p:extLst>
+      <p:ext uri="{BB962C8B-B14F-4D97-AF65-F5344CB8AC3E}">
+        <p14:creationId xmlns:p14="http://schemas.microsoft.com/office/powerpoint/2010/main" val="1606809839"/>
+      </p:ext>
+    </p:extLst>
+  </p:cSld>
+  <p:clrMapOvr>
+    <a:masterClrMapping/>
+  </p:clrMapOvr>
+</p:sldLayout>
+</file>
+
+<file path=ppt/slideLayouts/slideLayout21.xml><?xml version="1.0" encoding="utf-8"?>
+<p:sldLayout xmlns:a="http://schemas.openxmlformats.org/drawingml/2006/main" xmlns:r="http://schemas.openxmlformats.org/officeDocument/2006/relationships" xmlns:p="http://schemas.openxmlformats.org/presentationml/2006/main" type="vertTx" preserve="1">
+  <p:cSld name="Título y texto vertical">
+    <p:spTree>
+      <p:nvGrpSpPr>
+        <p:cNvPr id="1" name=""/>
+        <p:cNvGrpSpPr/>
+        <p:nvPr/>
+      </p:nvGrpSpPr>
+      <p:grpSpPr>
+        <a:xfrm>
+          <a:off x="0" y="0"/>
+          <a:ext cx="0" cy="0"/>
+          <a:chOff x="0" y="0"/>
+          <a:chExt cx="0" cy="0"/>
+        </a:xfrm>
+      </p:grpSpPr>
+      <p:sp>
+        <p:nvSpPr>
+          <p:cNvPr id="2" name="Title 1"/>
+          <p:cNvSpPr>
+            <a:spLocks noGrp="1"/>
+          </p:cNvSpPr>
+          <p:nvPr>
+            <p:ph type="title"/>
+          </p:nvPr>
+        </p:nvSpPr>
+        <p:spPr/>
+        <p:txBody>
+          <a:bodyPr/>
+          <a:lstStyle/>
+          <a:p>
+            <a:r>
+              <a:rPr lang="es-ES"/>
+              <a:t>Haga clic para modificar el estilo de título del patrón</a:t>
+            </a:r>
+            <a:endParaRPr lang="en-US" dirty="0"/>
+          </a:p>
+        </p:txBody>
+      </p:sp>
+      <p:sp>
+        <p:nvSpPr>
+          <p:cNvPr id="3" name="Vertical Text Placeholder 2"/>
+          <p:cNvSpPr>
+            <a:spLocks noGrp="1"/>
+          </p:cNvSpPr>
+          <p:nvPr>
+            <p:ph type="body" orient="vert" idx="1"/>
+          </p:nvPr>
+        </p:nvSpPr>
+        <p:spPr/>
+        <p:txBody>
+          <a:bodyPr vert="eaVert" lIns="45720" tIns="0" rIns="45720" bIns="0"/>
+          <a:lstStyle/>
+          <a:p>
+            <a:pPr lvl="0"/>
+            <a:r>
+              <a:rPr lang="es-ES"/>
+              <a:t>Haga clic para modificar los estilos de texto del patrón</a:t>
+            </a:r>
+          </a:p>
+          <a:p>
+            <a:pPr lvl="1"/>
+            <a:r>
+              <a:rPr lang="es-ES"/>
+              <a:t>Segundo nivel</a:t>
+            </a:r>
+          </a:p>
+          <a:p>
+            <a:pPr lvl="2"/>
+            <a:r>
+              <a:rPr lang="es-ES"/>
+              <a:t>Tercer nivel</a:t>
+            </a:r>
+          </a:p>
+          <a:p>
+            <a:pPr lvl="3"/>
+            <a:r>
+              <a:rPr lang="es-ES"/>
+              <a:t>Cuarto nivel</a:t>
+            </a:r>
+          </a:p>
+          <a:p>
+            <a:pPr lvl="4"/>
+            <a:r>
+              <a:rPr lang="es-ES"/>
+              <a:t>Quinto nivel</a:t>
+            </a:r>
+            <a:endParaRPr lang="en-US" dirty="0"/>
+          </a:p>
+        </p:txBody>
+      </p:sp>
+      <p:sp>
+        <p:nvSpPr>
+          <p:cNvPr id="4" name="Date Placeholder 3"/>
+          <p:cNvSpPr>
+            <a:spLocks noGrp="1"/>
+          </p:cNvSpPr>
+          <p:nvPr>
+            <p:ph type="dt" sz="half" idx="10"/>
+          </p:nvPr>
+        </p:nvSpPr>
+        <p:spPr/>
+        <p:txBody>
+          <a:bodyPr/>
+          <a:lstStyle/>
+          <a:p>
+            <a:fld id="{2E2D6473-DF6D-4702-B328-E0DD40540A4E}" type="datetimeFigureOut">
+              <a:rPr lang="en-US" dirty="0"/>
+              <a:t>11/12/2024</a:t>
+            </a:fld>
+            <a:endParaRPr lang="en-US" dirty="0"/>
+          </a:p>
+        </p:txBody>
+      </p:sp>
+      <p:sp>
+        <p:nvSpPr>
+          <p:cNvPr id="5" name="Footer Placeholder 4"/>
+          <p:cNvSpPr>
+            <a:spLocks noGrp="1"/>
+          </p:cNvSpPr>
+          <p:nvPr>
+            <p:ph type="ftr" sz="quarter" idx="11"/>
+          </p:nvPr>
+        </p:nvSpPr>
+        <p:spPr/>
+        <p:txBody>
+          <a:bodyPr/>
+          <a:lstStyle/>
+          <a:p>
+            <a:endParaRPr lang="en-US" dirty="0"/>
+          </a:p>
+        </p:txBody>
+      </p:sp>
+      <p:sp>
+        <p:nvSpPr>
+          <p:cNvPr id="6" name="Slide Number Placeholder 5"/>
+          <p:cNvSpPr>
+            <a:spLocks noGrp="1"/>
+          </p:cNvSpPr>
+          <p:nvPr>
+            <p:ph type="sldNum" sz="quarter" idx="12"/>
+          </p:nvPr>
+        </p:nvSpPr>
+        <p:spPr/>
+        <p:txBody>
+          <a:bodyPr/>
+          <a:lstStyle/>
+          <a:p>
+            <a:fld id="{4FAB73BC-B049-4115-A692-8D63A059BFB8}" type="slidenum">
+              <a:rPr lang="en-US" dirty="0"/>
+              <a:t>‹Nº›</a:t>
+            </a:fld>
+            <a:endParaRPr lang="en-US" dirty="0"/>
+          </a:p>
+        </p:txBody>
+      </p:sp>
+    </p:spTree>
+    <p:extLst>
+      <p:ext uri="{BB962C8B-B14F-4D97-AF65-F5344CB8AC3E}">
+        <p14:creationId xmlns:p14="http://schemas.microsoft.com/office/powerpoint/2010/main" val="4243735758"/>
+      </p:ext>
+    </p:extLst>
+  </p:cSld>
+  <p:clrMapOvr>
+    <a:masterClrMapping/>
+  </p:clrMapOvr>
+</p:sldLayout>
+</file>
+
+<file path=ppt/slideLayouts/slideLayout22.xml><?xml version="1.0" encoding="utf-8"?>
+<p:sldLayout xmlns:a="http://schemas.openxmlformats.org/drawingml/2006/main" xmlns:r="http://schemas.openxmlformats.org/officeDocument/2006/relationships" xmlns:p="http://schemas.openxmlformats.org/presentationml/2006/main" showMasterSp="0" type="vertTitleAndTx" preserve="1">
+  <p:cSld name="Título vertical y texto">
+    <p:spTree>
+      <p:nvGrpSpPr>
+        <p:cNvPr id="1" name=""/>
+        <p:cNvGrpSpPr/>
+        <p:nvPr/>
+      </p:nvGrpSpPr>
+      <p:grpSpPr>
+        <a:xfrm>
+          <a:off x="0" y="0"/>
+          <a:ext cx="0" cy="0"/>
+          <a:chOff x="0" y="0"/>
+          <a:chExt cx="0" cy="0"/>
+        </a:xfrm>
+      </p:grpSpPr>
+      <p:sp>
+        <p:nvSpPr>
+          <p:cNvPr id="7" name="Rectangle 6"/>
+          <p:cNvSpPr/>
+          <p:nvPr/>
+        </p:nvSpPr>
+        <p:spPr>
+          <a:xfrm>
+            <a:off x="3175" y="6400800"/>
+            <a:ext cx="12188825" cy="457200"/>
+          </a:xfrm>
+          <a:prstGeom prst="rect">
+            <a:avLst/>
+          </a:prstGeom>
+          <a:solidFill>
+            <a:schemeClr val="accent2"/>
+          </a:solidFill>
+          <a:ln>
+            <a:noFill/>
+          </a:ln>
+        </p:spPr>
+        <p:style>
+          <a:lnRef idx="2">
+            <a:schemeClr val="accent1">
+              <a:shade val="50000"/>
+            </a:schemeClr>
+          </a:lnRef>
+          <a:fillRef idx="1">
+            <a:schemeClr val="accent1"/>
+          </a:fillRef>
+          <a:effectRef idx="0">
+            <a:schemeClr val="accent1"/>
+          </a:effectRef>
+          <a:fontRef idx="minor">
+            <a:schemeClr val="lt1"/>
+          </a:fontRef>
+        </p:style>
+      </p:sp>
+      <p:sp>
+        <p:nvSpPr>
+          <p:cNvPr id="8" name="Rectangle 7"/>
+          <p:cNvSpPr/>
+          <p:nvPr/>
+        </p:nvSpPr>
+        <p:spPr>
+          <a:xfrm>
+            <a:off x="15" y="6334316"/>
+            <a:ext cx="12188825" cy="64008"/>
+          </a:xfrm>
+          <a:prstGeom prst="rect">
+            <a:avLst/>
+          </a:prstGeom>
+          <a:solidFill>
+            <a:schemeClr val="accent1"/>
+          </a:solidFill>
+          <a:ln>
+            <a:noFill/>
+          </a:ln>
+        </p:spPr>
+        <p:style>
+          <a:lnRef idx="2">
+            <a:schemeClr val="accent1">
+              <a:shade val="50000"/>
+            </a:schemeClr>
+          </a:lnRef>
+          <a:fillRef idx="1">
+            <a:schemeClr val="accent1"/>
+          </a:fillRef>
+          <a:effectRef idx="0">
+            <a:schemeClr val="accent1"/>
+          </a:effectRef>
+          <a:fontRef idx="minor">
+            <a:schemeClr val="lt1"/>
+          </a:fontRef>
+        </p:style>
+      </p:sp>
+      <p:sp>
+        <p:nvSpPr>
+          <p:cNvPr id="2" name="Vertical Title 1"/>
+          <p:cNvSpPr>
+            <a:spLocks noGrp="1"/>
+          </p:cNvSpPr>
+          <p:nvPr>
+            <p:ph type="title" orient="vert"/>
+          </p:nvPr>
+        </p:nvSpPr>
+        <p:spPr>
+          <a:xfrm>
+            <a:off x="8724900" y="414778"/>
+            <a:ext cx="2628900" cy="5757421"/>
+          </a:xfrm>
+        </p:spPr>
+        <p:txBody>
+          <a:bodyPr vert="eaVert"/>
+          <a:lstStyle/>
+          <a:p>
+            <a:r>
+              <a:rPr lang="es-ES"/>
+              <a:t>Haga clic para modificar el estilo de título del patrón</a:t>
+            </a:r>
+            <a:endParaRPr lang="en-US" dirty="0"/>
+          </a:p>
+        </p:txBody>
+      </p:sp>
+      <p:sp>
+        <p:nvSpPr>
+          <p:cNvPr id="3" name="Vertical Text Placeholder 2"/>
+          <p:cNvSpPr>
+            <a:spLocks noGrp="1"/>
+          </p:cNvSpPr>
+          <p:nvPr>
+            <p:ph type="body" orient="vert" idx="1"/>
+          </p:nvPr>
+        </p:nvSpPr>
+        <p:spPr>
+          <a:xfrm>
+            <a:off x="838200" y="414778"/>
+            <a:ext cx="7734300" cy="5757422"/>
+          </a:xfrm>
+        </p:spPr>
+        <p:txBody>
+          <a:bodyPr vert="eaVert" lIns="45720" tIns="0" rIns="45720" bIns="0"/>
+          <a:lstStyle/>
+          <a:p>
+            <a:pPr lvl="0"/>
+            <a:r>
+              <a:rPr lang="es-ES"/>
+              <a:t>Haga clic para modificar los estilos de texto del patrón</a:t>
+            </a:r>
+          </a:p>
+          <a:p>
+            <a:pPr lvl="1"/>
+            <a:r>
+              <a:rPr lang="es-ES"/>
+              <a:t>Segundo nivel</a:t>
+            </a:r>
+          </a:p>
+          <a:p>
+            <a:pPr lvl="2"/>
+            <a:r>
+              <a:rPr lang="es-ES"/>
+              <a:t>Tercer nivel</a:t>
+            </a:r>
+          </a:p>
+          <a:p>
+            <a:pPr lvl="3"/>
+            <a:r>
+              <a:rPr lang="es-ES"/>
+              <a:t>Cuarto nivel</a:t>
+            </a:r>
+          </a:p>
+          <a:p>
+            <a:pPr lvl="4"/>
+            <a:r>
+              <a:rPr lang="es-ES"/>
+              <a:t>Quinto nivel</a:t>
+            </a:r>
+            <a:endParaRPr lang="en-US" dirty="0"/>
+          </a:p>
+        </p:txBody>
+      </p:sp>
+      <p:sp>
+        <p:nvSpPr>
+          <p:cNvPr id="4" name="Date Placeholder 3"/>
+          <p:cNvSpPr>
+            <a:spLocks noGrp="1"/>
+          </p:cNvSpPr>
+          <p:nvPr>
+            <p:ph type="dt" sz="half" idx="10"/>
+          </p:nvPr>
+        </p:nvSpPr>
+        <p:spPr/>
+        <p:txBody>
+          <a:bodyPr/>
+          <a:lstStyle/>
+          <a:p>
+            <a:fld id="{E26F7E3A-B166-407D-9866-32884E7D5B37}" type="datetimeFigureOut">
+              <a:rPr lang="en-US" dirty="0"/>
+              <a:t>11/12/2024</a:t>
+            </a:fld>
+            <a:endParaRPr lang="en-US" dirty="0"/>
+          </a:p>
+        </p:txBody>
+      </p:sp>
+      <p:sp>
+        <p:nvSpPr>
+          <p:cNvPr id="5" name="Footer Placeholder 4"/>
+          <p:cNvSpPr>
+            <a:spLocks noGrp="1"/>
+          </p:cNvSpPr>
+          <p:nvPr>
+            <p:ph type="ftr" sz="quarter" idx="11"/>
+          </p:nvPr>
+        </p:nvSpPr>
+        <p:spPr/>
+        <p:txBody>
+          <a:bodyPr/>
+          <a:lstStyle/>
+          <a:p>
+            <a:endParaRPr lang="en-US" dirty="0"/>
+          </a:p>
+        </p:txBody>
+      </p:sp>
+      <p:sp>
+        <p:nvSpPr>
+          <p:cNvPr id="6" name="Slide Number Placeholder 5"/>
+          <p:cNvSpPr>
+            <a:spLocks noGrp="1"/>
+          </p:cNvSpPr>
+          <p:nvPr>
+            <p:ph type="sldNum" sz="quarter" idx="12"/>
+          </p:nvPr>
+        </p:nvSpPr>
+        <p:spPr/>
+        <p:txBody>
+          <a:bodyPr/>
+          <a:lstStyle/>
+          <a:p>
+            <a:fld id="{4FAB73BC-B049-4115-A692-8D63A059BFB8}" type="slidenum">
+              <a:rPr lang="en-US" dirty="0"/>
+              <a:t>‹Nº›</a:t>
+            </a:fld>
+            <a:endParaRPr lang="en-US" dirty="0"/>
+          </a:p>
+        </p:txBody>
+      </p:sp>
+    </p:spTree>
+    <p:extLst>
+      <p:ext uri="{BB962C8B-B14F-4D97-AF65-F5344CB8AC3E}">
+        <p14:creationId xmlns:p14="http://schemas.microsoft.com/office/powerpoint/2010/main" val="242819769"/>
       </p:ext>
     </p:extLst>
   </p:cSld>
@@ -1368,7 +4324,7 @@
           <a:p>
             <a:fld id="{20EBB0C4-6273-4C6E-B9BD-2EDC30F1CD52}" type="datetimeFigureOut">
               <a:rPr lang="en-US" smtClean="0"/>
-              <a:t>11/6/2024</a:t>
+              <a:t>11/12/2024</a:t>
             </a:fld>
             <a:endParaRPr lang="en-US" dirty="0"/>
           </a:p>
@@ -1754,7 +4710,7 @@
           <a:p>
             <a:fld id="{19AB4D41-86C1-4908-B66A-0B50CEB3BF29}" type="datetimeFigureOut">
               <a:rPr lang="en-US" smtClean="0"/>
-              <a:t>11/6/2024</a:t>
+              <a:t>11/12/2024</a:t>
             </a:fld>
             <a:endParaRPr lang="en-US" dirty="0"/>
           </a:p>
@@ -2188,7 +5144,7 @@
           <a:p>
             <a:fld id="{E6426E2C-56C1-4E0D-A793-0088A7FDD37E}" type="datetimeFigureOut">
               <a:rPr lang="en-US" smtClean="0"/>
-              <a:t>11/6/2024</a:t>
+              <a:t>11/12/2024</a:t>
             </a:fld>
             <a:endParaRPr lang="en-US" dirty="0"/>
           </a:p>
@@ -2306,7 +5262,7 @@
           <a:p>
             <a:fld id="{C8C39B41-D8B5-4052-B551-9B5525EAA8B6}" type="datetimeFigureOut">
               <a:rPr lang="en-US" smtClean="0"/>
-              <a:t>11/6/2024</a:t>
+              <a:t>11/12/2024</a:t>
             </a:fld>
             <a:endParaRPr lang="en-US" dirty="0"/>
           </a:p>
@@ -2401,7 +5357,7 @@
           <a:p>
             <a:fld id="{4D94136C-8742-45B2-AF27-D93DF72833A9}" type="datetimeFigureOut">
               <a:rPr lang="en-US" smtClean="0"/>
-              <a:t>11/6/2024</a:t>
+              <a:t>11/12/2024</a:t>
             </a:fld>
             <a:endParaRPr lang="en-US" dirty="0"/>
           </a:p>
@@ -2752,7 +5708,7 @@
           <a:p>
             <a:fld id="{32ABBEA6-7C60-4B02-AE87-00D78D8422AF}" type="datetimeFigureOut">
               <a:rPr lang="en-US" smtClean="0"/>
-              <a:t>11/6/2024</a:t>
+              <a:t>11/12/2024</a:t>
             </a:fld>
             <a:endParaRPr lang="en-US" dirty="0"/>
           </a:p>
@@ -3178,7 +6134,7 @@
           <a:p>
             <a:fld id="{C9CAD897-D46E-4AD2-BD9B-49DD3E640873}" type="datetimeFigureOut">
               <a:rPr lang="en-US" smtClean="0"/>
-              <a:t>11/6/2024</a:t>
+              <a:t>11/12/2024</a:t>
             </a:fld>
             <a:endParaRPr lang="en-US" dirty="0"/>
           </a:p>
@@ -3459,7 +6415,7 @@
           <a:p>
             <a:fld id="{98624D31-43A5-475A-80CF-332C9F6DCF35}" type="datetimeFigureOut">
               <a:rPr lang="en-US" smtClean="0"/>
-              <a:t>11/6/2024</a:t>
+              <a:t>11/12/2024</a:t>
             </a:fld>
             <a:endParaRPr lang="en-US" dirty="0"/>
           </a:p>
@@ -4020,6 +6976,741 @@
 </p:sldMaster>
 </file>
 
+<file path=ppt/slideMasters/slideMaster2.xml><?xml version="1.0" encoding="utf-8"?>
+<p:sldMaster xmlns:a="http://schemas.openxmlformats.org/drawingml/2006/main" xmlns:r="http://schemas.openxmlformats.org/officeDocument/2006/relationships" xmlns:p="http://schemas.openxmlformats.org/presentationml/2006/main">
+  <p:cSld>
+    <p:bg>
+      <p:bgRef idx="1001">
+        <a:schemeClr val="bg1"/>
+      </p:bgRef>
+    </p:bg>
+    <p:spTree>
+      <p:nvGrpSpPr>
+        <p:cNvPr id="1" name=""/>
+        <p:cNvGrpSpPr/>
+        <p:nvPr/>
+      </p:nvGrpSpPr>
+      <p:grpSpPr>
+        <a:xfrm>
+          <a:off x="0" y="0"/>
+          <a:ext cx="0" cy="0"/>
+          <a:chOff x="0" y="0"/>
+          <a:chExt cx="0" cy="0"/>
+        </a:xfrm>
+      </p:grpSpPr>
+      <p:sp>
+        <p:nvSpPr>
+          <p:cNvPr id="7" name="Rectangle 6"/>
+          <p:cNvSpPr/>
+          <p:nvPr/>
+        </p:nvSpPr>
+        <p:spPr>
+          <a:xfrm>
+            <a:off x="1" y="6400800"/>
+            <a:ext cx="12192000" cy="457200"/>
+          </a:xfrm>
+          <a:prstGeom prst="rect">
+            <a:avLst/>
+          </a:prstGeom>
+          <a:solidFill>
+            <a:schemeClr val="accent2"/>
+          </a:solidFill>
+          <a:ln>
+            <a:noFill/>
+          </a:ln>
+        </p:spPr>
+        <p:style>
+          <a:lnRef idx="2">
+            <a:schemeClr val="accent1">
+              <a:shade val="50000"/>
+            </a:schemeClr>
+          </a:lnRef>
+          <a:fillRef idx="1">
+            <a:schemeClr val="accent1"/>
+          </a:fillRef>
+          <a:effectRef idx="0">
+            <a:schemeClr val="accent1"/>
+          </a:effectRef>
+          <a:fontRef idx="minor">
+            <a:schemeClr val="lt1"/>
+          </a:fontRef>
+        </p:style>
+      </p:sp>
+      <p:sp>
+        <p:nvSpPr>
+          <p:cNvPr id="9" name="Rectangle 8"/>
+          <p:cNvSpPr/>
+          <p:nvPr/>
+        </p:nvSpPr>
+        <p:spPr>
+          <a:xfrm>
+            <a:off x="0" y="6334316"/>
+            <a:ext cx="12192001" cy="65998"/>
+          </a:xfrm>
+          <a:prstGeom prst="rect">
+            <a:avLst/>
+          </a:prstGeom>
+          <a:solidFill>
+            <a:schemeClr val="accent1"/>
+          </a:solidFill>
+          <a:ln>
+            <a:noFill/>
+          </a:ln>
+        </p:spPr>
+        <p:style>
+          <a:lnRef idx="2">
+            <a:schemeClr val="accent1">
+              <a:shade val="50000"/>
+            </a:schemeClr>
+          </a:lnRef>
+          <a:fillRef idx="1">
+            <a:schemeClr val="accent1"/>
+          </a:fillRef>
+          <a:effectRef idx="0">
+            <a:schemeClr val="accent1"/>
+          </a:effectRef>
+          <a:fontRef idx="minor">
+            <a:schemeClr val="lt1"/>
+          </a:fontRef>
+        </p:style>
+      </p:sp>
+      <p:sp>
+        <p:nvSpPr>
+          <p:cNvPr id="2" name="Title Placeholder 1"/>
+          <p:cNvSpPr>
+            <a:spLocks noGrp="1"/>
+          </p:cNvSpPr>
+          <p:nvPr>
+            <p:ph type="title"/>
+          </p:nvPr>
+        </p:nvSpPr>
+        <p:spPr>
+          <a:xfrm>
+            <a:off x="1097280" y="286603"/>
+            <a:ext cx="10058400" cy="1450757"/>
+          </a:xfrm>
+          <a:prstGeom prst="rect">
+            <a:avLst/>
+          </a:prstGeom>
+        </p:spPr>
+        <p:txBody>
+          <a:bodyPr vert="horz" lIns="91440" tIns="45720" rIns="91440" bIns="45720" rtlCol="0" anchor="b">
+            <a:normAutofit/>
+          </a:bodyPr>
+          <a:lstStyle/>
+          <a:p>
+            <a:r>
+              <a:rPr lang="es-ES"/>
+              <a:t>Haga clic para modificar el estilo de título del patrón</a:t>
+            </a:r>
+            <a:endParaRPr lang="en-US" dirty="0"/>
+          </a:p>
+        </p:txBody>
+      </p:sp>
+      <p:sp>
+        <p:nvSpPr>
+          <p:cNvPr id="3" name="Text Placeholder 2"/>
+          <p:cNvSpPr>
+            <a:spLocks noGrp="1"/>
+          </p:cNvSpPr>
+          <p:nvPr>
+            <p:ph type="body" idx="1"/>
+          </p:nvPr>
+        </p:nvSpPr>
+        <p:spPr>
+          <a:xfrm>
+            <a:off x="1097280" y="1845734"/>
+            <a:ext cx="10058400" cy="4023360"/>
+          </a:xfrm>
+          <a:prstGeom prst="rect">
+            <a:avLst/>
+          </a:prstGeom>
+        </p:spPr>
+        <p:txBody>
+          <a:bodyPr vert="horz" lIns="0" tIns="45720" rIns="0" bIns="45720" rtlCol="0">
+            <a:normAutofit/>
+          </a:bodyPr>
+          <a:lstStyle/>
+          <a:p>
+            <a:pPr lvl="0"/>
+            <a:r>
+              <a:rPr lang="es-ES"/>
+              <a:t>Haga clic para modificar los estilos de texto del patrón</a:t>
+            </a:r>
+          </a:p>
+          <a:p>
+            <a:pPr lvl="1"/>
+            <a:r>
+              <a:rPr lang="es-ES"/>
+              <a:t>Segundo nivel</a:t>
+            </a:r>
+          </a:p>
+          <a:p>
+            <a:pPr lvl="2"/>
+            <a:r>
+              <a:rPr lang="es-ES"/>
+              <a:t>Tercer nivel</a:t>
+            </a:r>
+          </a:p>
+          <a:p>
+            <a:pPr lvl="3"/>
+            <a:r>
+              <a:rPr lang="es-ES"/>
+              <a:t>Cuarto nivel</a:t>
+            </a:r>
+          </a:p>
+          <a:p>
+            <a:pPr lvl="4"/>
+            <a:r>
+              <a:rPr lang="es-ES"/>
+              <a:t>Quinto nivel</a:t>
+            </a:r>
+            <a:endParaRPr lang="en-US" dirty="0"/>
+          </a:p>
+        </p:txBody>
+      </p:sp>
+      <p:sp>
+        <p:nvSpPr>
+          <p:cNvPr id="4" name="Date Placeholder 3"/>
+          <p:cNvSpPr>
+            <a:spLocks noGrp="1"/>
+          </p:cNvSpPr>
+          <p:nvPr>
+            <p:ph type="dt" sz="half" idx="2"/>
+          </p:nvPr>
+        </p:nvSpPr>
+        <p:spPr>
+          <a:xfrm>
+            <a:off x="1097280" y="6459785"/>
+            <a:ext cx="2472271" cy="365125"/>
+          </a:xfrm>
+          <a:prstGeom prst="rect">
+            <a:avLst/>
+          </a:prstGeom>
+        </p:spPr>
+        <p:txBody>
+          <a:bodyPr vert="horz" lIns="91440" tIns="45720" rIns="91440" bIns="45720" rtlCol="0" anchor="ctr"/>
+          <a:lstStyle>
+            <a:lvl1pPr algn="l">
+              <a:defRPr sz="900">
+                <a:solidFill>
+                  <a:srgbClr val="FFFFFF"/>
+                </a:solidFill>
+              </a:defRPr>
+            </a:lvl1pPr>
+          </a:lstStyle>
+          <a:p>
+            <a:fld id="{98624D31-43A5-475A-80CF-332C9F6DCF35}" type="datetimeFigureOut">
+              <a:rPr lang="en-US" dirty="0"/>
+              <a:t>11/12/2024</a:t>
+            </a:fld>
+            <a:endParaRPr lang="en-US" dirty="0"/>
+          </a:p>
+        </p:txBody>
+      </p:sp>
+      <p:sp>
+        <p:nvSpPr>
+          <p:cNvPr id="5" name="Footer Placeholder 4"/>
+          <p:cNvSpPr>
+            <a:spLocks noGrp="1"/>
+          </p:cNvSpPr>
+          <p:nvPr>
+            <p:ph type="ftr" sz="quarter" idx="3"/>
+          </p:nvPr>
+        </p:nvSpPr>
+        <p:spPr>
+          <a:xfrm>
+            <a:off x="3686185" y="6459785"/>
+            <a:ext cx="4822804" cy="365125"/>
+          </a:xfrm>
+          <a:prstGeom prst="rect">
+            <a:avLst/>
+          </a:prstGeom>
+        </p:spPr>
+        <p:txBody>
+          <a:bodyPr vert="horz" lIns="91440" tIns="45720" rIns="91440" bIns="45720" rtlCol="0" anchor="ctr"/>
+          <a:lstStyle>
+            <a:lvl1pPr algn="ctr">
+              <a:defRPr sz="900" cap="all" baseline="0">
+                <a:solidFill>
+                  <a:srgbClr val="FFFFFF"/>
+                </a:solidFill>
+              </a:defRPr>
+            </a:lvl1pPr>
+          </a:lstStyle>
+          <a:p>
+            <a:endParaRPr lang="en-US" dirty="0"/>
+          </a:p>
+        </p:txBody>
+      </p:sp>
+      <p:sp>
+        <p:nvSpPr>
+          <p:cNvPr id="6" name="Slide Number Placeholder 5"/>
+          <p:cNvSpPr>
+            <a:spLocks noGrp="1"/>
+          </p:cNvSpPr>
+          <p:nvPr>
+            <p:ph type="sldNum" sz="quarter" idx="4"/>
+          </p:nvPr>
+        </p:nvSpPr>
+        <p:spPr>
+          <a:xfrm>
+            <a:off x="9900458" y="6459785"/>
+            <a:ext cx="1312025" cy="365125"/>
+          </a:xfrm>
+          <a:prstGeom prst="rect">
+            <a:avLst/>
+          </a:prstGeom>
+        </p:spPr>
+        <p:txBody>
+          <a:bodyPr vert="horz" lIns="91440" tIns="45720" rIns="91440" bIns="45720" rtlCol="0" anchor="ctr"/>
+          <a:lstStyle>
+            <a:lvl1pPr algn="r">
+              <a:defRPr sz="1050">
+                <a:solidFill>
+                  <a:srgbClr val="FFFFFF"/>
+                </a:solidFill>
+              </a:defRPr>
+            </a:lvl1pPr>
+          </a:lstStyle>
+          <a:p>
+            <a:fld id="{4FAB73BC-B049-4115-A692-8D63A059BFB8}" type="slidenum">
+              <a:rPr lang="en-US" dirty="0"/>
+              <a:pPr/>
+              <a:t>‹Nº›</a:t>
+            </a:fld>
+            <a:endParaRPr lang="en-US" dirty="0"/>
+          </a:p>
+        </p:txBody>
+      </p:sp>
+      <p:cxnSp>
+        <p:nvCxnSpPr>
+          <p:cNvPr id="10" name="Straight Connector 9"/>
+          <p:cNvCxnSpPr/>
+          <p:nvPr/>
+        </p:nvCxnSpPr>
+        <p:spPr>
+          <a:xfrm>
+            <a:off x="1193532" y="1737845"/>
+            <a:ext cx="9966960" cy="0"/>
+          </a:xfrm>
+          <a:prstGeom prst="line">
+            <a:avLst/>
+          </a:prstGeom>
+          <a:ln w="6350">
+            <a:solidFill>
+              <a:schemeClr val="tx1">
+                <a:lumMod val="50000"/>
+                <a:lumOff val="50000"/>
+              </a:schemeClr>
+            </a:solidFill>
+          </a:ln>
+        </p:spPr>
+        <p:style>
+          <a:lnRef idx="1">
+            <a:schemeClr val="accent1"/>
+          </a:lnRef>
+          <a:fillRef idx="0">
+            <a:schemeClr val="accent1"/>
+          </a:fillRef>
+          <a:effectRef idx="0">
+            <a:schemeClr val="accent1"/>
+          </a:effectRef>
+          <a:fontRef idx="minor">
+            <a:schemeClr val="tx1"/>
+          </a:fontRef>
+        </p:style>
+      </p:cxnSp>
+    </p:spTree>
+    <p:extLst>
+      <p:ext uri="{BB962C8B-B14F-4D97-AF65-F5344CB8AC3E}">
+        <p14:creationId xmlns:p14="http://schemas.microsoft.com/office/powerpoint/2010/main" val="33834433"/>
+      </p:ext>
+    </p:extLst>
+  </p:cSld>
+  <p:clrMap bg1="lt1" tx1="dk1" bg2="lt2" tx2="dk2" accent1="accent1" accent2="accent2" accent3="accent3" accent4="accent4" accent5="accent5" accent6="accent6" hlink="hlink" folHlink="folHlink"/>
+  <p:sldLayoutIdLst>
+    <p:sldLayoutId id="2147483686" r:id="rId1"/>
+    <p:sldLayoutId id="2147483687" r:id="rId2"/>
+    <p:sldLayoutId id="2147483688" r:id="rId3"/>
+    <p:sldLayoutId id="2147483689" r:id="rId4"/>
+    <p:sldLayoutId id="2147483690" r:id="rId5"/>
+    <p:sldLayoutId id="2147483691" r:id="rId6"/>
+    <p:sldLayoutId id="2147483692" r:id="rId7"/>
+    <p:sldLayoutId id="2147483693" r:id="rId8"/>
+    <p:sldLayoutId id="2147483694" r:id="rId9"/>
+    <p:sldLayoutId id="2147483695" r:id="rId10"/>
+    <p:sldLayoutId id="2147483696" r:id="rId11"/>
+  </p:sldLayoutIdLst>
+  <p:hf sldNum="0" hdr="0" ftr="0" dt="0"/>
+  <p:txStyles>
+    <p:titleStyle>
+      <a:lvl1pPr algn="l" defTabSz="914400" rtl="0" eaLnBrk="1" latinLnBrk="0" hangingPunct="1">
+        <a:lnSpc>
+          <a:spcPct val="85000"/>
+        </a:lnSpc>
+        <a:spcBef>
+          <a:spcPct val="0"/>
+        </a:spcBef>
+        <a:buNone/>
+        <a:defRPr sz="4800" kern="1200" spc="-50" baseline="0">
+          <a:solidFill>
+            <a:schemeClr val="tx1">
+              <a:lumMod val="75000"/>
+              <a:lumOff val="25000"/>
+            </a:schemeClr>
+          </a:solidFill>
+          <a:latin typeface="+mj-lt"/>
+          <a:ea typeface="+mj-ea"/>
+          <a:cs typeface="+mj-cs"/>
+        </a:defRPr>
+      </a:lvl1pPr>
+    </p:titleStyle>
+    <p:bodyStyle>
+      <a:lvl1pPr marL="91440" indent="-91440" algn="l" defTabSz="914400" rtl="0" eaLnBrk="1" latinLnBrk="0" hangingPunct="1">
+        <a:lnSpc>
+          <a:spcPct val="90000"/>
+        </a:lnSpc>
+        <a:spcBef>
+          <a:spcPts val="1200"/>
+        </a:spcBef>
+        <a:spcAft>
+          <a:spcPts val="200"/>
+        </a:spcAft>
+        <a:buClr>
+          <a:schemeClr val="accent1"/>
+        </a:buClr>
+        <a:buSzPct val="100000"/>
+        <a:buFont typeface="Calibri" panose="020F0502020204030204" pitchFamily="34" charset="0"/>
+        <a:buChar char=" "/>
+        <a:defRPr sz="2000" kern="1200">
+          <a:solidFill>
+            <a:schemeClr val="tx1">
+              <a:lumMod val="75000"/>
+              <a:lumOff val="25000"/>
+            </a:schemeClr>
+          </a:solidFill>
+          <a:latin typeface="+mn-lt"/>
+          <a:ea typeface="+mn-ea"/>
+          <a:cs typeface="+mn-cs"/>
+        </a:defRPr>
+      </a:lvl1pPr>
+      <a:lvl2pPr marL="384048" indent="-182880" algn="l" defTabSz="914400" rtl="0" eaLnBrk="1" latinLnBrk="0" hangingPunct="1">
+        <a:lnSpc>
+          <a:spcPct val="90000"/>
+        </a:lnSpc>
+        <a:spcBef>
+          <a:spcPts val="200"/>
+        </a:spcBef>
+        <a:spcAft>
+          <a:spcPts val="400"/>
+        </a:spcAft>
+        <a:buClr>
+          <a:schemeClr val="accent1"/>
+        </a:buClr>
+        <a:buFont typeface="Calibri" pitchFamily="34" charset="0"/>
+        <a:buChar char="◦"/>
+        <a:defRPr sz="1800" kern="1200">
+          <a:solidFill>
+            <a:schemeClr val="tx1">
+              <a:lumMod val="75000"/>
+              <a:lumOff val="25000"/>
+            </a:schemeClr>
+          </a:solidFill>
+          <a:latin typeface="+mn-lt"/>
+          <a:ea typeface="+mn-ea"/>
+          <a:cs typeface="+mn-cs"/>
+        </a:defRPr>
+      </a:lvl2pPr>
+      <a:lvl3pPr marL="566928" indent="-182880" algn="l" defTabSz="914400" rtl="0" eaLnBrk="1" latinLnBrk="0" hangingPunct="1">
+        <a:lnSpc>
+          <a:spcPct val="90000"/>
+        </a:lnSpc>
+        <a:spcBef>
+          <a:spcPts val="200"/>
+        </a:spcBef>
+        <a:spcAft>
+          <a:spcPts val="400"/>
+        </a:spcAft>
+        <a:buClr>
+          <a:schemeClr val="accent1"/>
+        </a:buClr>
+        <a:buFont typeface="Calibri" pitchFamily="34" charset="0"/>
+        <a:buChar char="◦"/>
+        <a:defRPr sz="1400" kern="1200">
+          <a:solidFill>
+            <a:schemeClr val="tx1">
+              <a:lumMod val="75000"/>
+              <a:lumOff val="25000"/>
+            </a:schemeClr>
+          </a:solidFill>
+          <a:latin typeface="+mn-lt"/>
+          <a:ea typeface="+mn-ea"/>
+          <a:cs typeface="+mn-cs"/>
+        </a:defRPr>
+      </a:lvl3pPr>
+      <a:lvl4pPr marL="749808" indent="-182880" algn="l" defTabSz="914400" rtl="0" eaLnBrk="1" latinLnBrk="0" hangingPunct="1">
+        <a:lnSpc>
+          <a:spcPct val="90000"/>
+        </a:lnSpc>
+        <a:spcBef>
+          <a:spcPts val="200"/>
+        </a:spcBef>
+        <a:spcAft>
+          <a:spcPts val="400"/>
+        </a:spcAft>
+        <a:buClr>
+          <a:schemeClr val="accent1"/>
+        </a:buClr>
+        <a:buFont typeface="Calibri" pitchFamily="34" charset="0"/>
+        <a:buChar char="◦"/>
+        <a:defRPr sz="1400" kern="1200">
+          <a:solidFill>
+            <a:schemeClr val="tx1">
+              <a:lumMod val="75000"/>
+              <a:lumOff val="25000"/>
+            </a:schemeClr>
+          </a:solidFill>
+          <a:latin typeface="+mn-lt"/>
+          <a:ea typeface="+mn-ea"/>
+          <a:cs typeface="+mn-cs"/>
+        </a:defRPr>
+      </a:lvl4pPr>
+      <a:lvl5pPr marL="932688" indent="-182880" algn="l" defTabSz="914400" rtl="0" eaLnBrk="1" latinLnBrk="0" hangingPunct="1">
+        <a:lnSpc>
+          <a:spcPct val="90000"/>
+        </a:lnSpc>
+        <a:spcBef>
+          <a:spcPts val="200"/>
+        </a:spcBef>
+        <a:spcAft>
+          <a:spcPts val="400"/>
+        </a:spcAft>
+        <a:buClr>
+          <a:schemeClr val="accent1"/>
+        </a:buClr>
+        <a:buFont typeface="Calibri" pitchFamily="34" charset="0"/>
+        <a:buChar char="◦"/>
+        <a:defRPr sz="1400" kern="1200">
+          <a:solidFill>
+            <a:schemeClr val="tx1">
+              <a:lumMod val="75000"/>
+              <a:lumOff val="25000"/>
+            </a:schemeClr>
+          </a:solidFill>
+          <a:latin typeface="+mn-lt"/>
+          <a:ea typeface="+mn-ea"/>
+          <a:cs typeface="+mn-cs"/>
+        </a:defRPr>
+      </a:lvl5pPr>
+      <a:lvl6pPr marL="1100000" indent="-228600" algn="l" defTabSz="914400" rtl="0" eaLnBrk="1" latinLnBrk="0" hangingPunct="1">
+        <a:lnSpc>
+          <a:spcPct val="90000"/>
+        </a:lnSpc>
+        <a:spcBef>
+          <a:spcPts val="200"/>
+        </a:spcBef>
+        <a:spcAft>
+          <a:spcPts val="400"/>
+        </a:spcAft>
+        <a:buClr>
+          <a:schemeClr val="accent1"/>
+        </a:buClr>
+        <a:buFont typeface="Calibri" pitchFamily="34" charset="0"/>
+        <a:buChar char="◦"/>
+        <a:defRPr sz="1400" kern="1200">
+          <a:solidFill>
+            <a:schemeClr val="tx1">
+              <a:lumMod val="75000"/>
+              <a:lumOff val="25000"/>
+            </a:schemeClr>
+          </a:solidFill>
+          <a:latin typeface="+mn-lt"/>
+          <a:ea typeface="+mn-ea"/>
+          <a:cs typeface="+mn-cs"/>
+        </a:defRPr>
+      </a:lvl6pPr>
+      <a:lvl7pPr marL="1300000" indent="-228600" algn="l" defTabSz="914400" rtl="0" eaLnBrk="1" latinLnBrk="0" hangingPunct="1">
+        <a:lnSpc>
+          <a:spcPct val="90000"/>
+        </a:lnSpc>
+        <a:spcBef>
+          <a:spcPts val="200"/>
+        </a:spcBef>
+        <a:spcAft>
+          <a:spcPts val="400"/>
+        </a:spcAft>
+        <a:buClr>
+          <a:schemeClr val="accent1"/>
+        </a:buClr>
+        <a:buFont typeface="Calibri" pitchFamily="34" charset="0"/>
+        <a:buChar char="◦"/>
+        <a:defRPr sz="1400" kern="1200">
+          <a:solidFill>
+            <a:schemeClr val="tx1">
+              <a:lumMod val="75000"/>
+              <a:lumOff val="25000"/>
+            </a:schemeClr>
+          </a:solidFill>
+          <a:latin typeface="+mn-lt"/>
+          <a:ea typeface="+mn-ea"/>
+          <a:cs typeface="+mn-cs"/>
+        </a:defRPr>
+      </a:lvl7pPr>
+      <a:lvl8pPr marL="1500000" indent="-228600" algn="l" defTabSz="914400" rtl="0" eaLnBrk="1" latinLnBrk="0" hangingPunct="1">
+        <a:lnSpc>
+          <a:spcPct val="90000"/>
+        </a:lnSpc>
+        <a:spcBef>
+          <a:spcPts val="200"/>
+        </a:spcBef>
+        <a:spcAft>
+          <a:spcPts val="400"/>
+        </a:spcAft>
+        <a:buClr>
+          <a:schemeClr val="accent1"/>
+        </a:buClr>
+        <a:buFont typeface="Calibri" pitchFamily="34" charset="0"/>
+        <a:buChar char="◦"/>
+        <a:defRPr sz="1400" kern="1200">
+          <a:solidFill>
+            <a:schemeClr val="tx1">
+              <a:lumMod val="75000"/>
+              <a:lumOff val="25000"/>
+            </a:schemeClr>
+          </a:solidFill>
+          <a:latin typeface="+mn-lt"/>
+          <a:ea typeface="+mn-ea"/>
+          <a:cs typeface="+mn-cs"/>
+        </a:defRPr>
+      </a:lvl8pPr>
+      <a:lvl9pPr marL="1700000" indent="-228600" algn="l" defTabSz="914400" rtl="0" eaLnBrk="1" latinLnBrk="0" hangingPunct="1">
+        <a:lnSpc>
+          <a:spcPct val="90000"/>
+        </a:lnSpc>
+        <a:spcBef>
+          <a:spcPts val="200"/>
+        </a:spcBef>
+        <a:spcAft>
+          <a:spcPts val="400"/>
+        </a:spcAft>
+        <a:buClr>
+          <a:schemeClr val="accent1"/>
+        </a:buClr>
+        <a:buFont typeface="Calibri" pitchFamily="34" charset="0"/>
+        <a:buChar char="◦"/>
+        <a:defRPr sz="1400" kern="1200">
+          <a:solidFill>
+            <a:schemeClr val="tx1">
+              <a:lumMod val="75000"/>
+              <a:lumOff val="25000"/>
+            </a:schemeClr>
+          </a:solidFill>
+          <a:latin typeface="+mn-lt"/>
+          <a:ea typeface="+mn-ea"/>
+          <a:cs typeface="+mn-cs"/>
+        </a:defRPr>
+      </a:lvl9pPr>
+    </p:bodyStyle>
+    <p:otherStyle>
+      <a:defPPr>
+        <a:defRPr lang="en-US"/>
+      </a:defPPr>
+      <a:lvl1pPr marL="0" algn="l" defTabSz="914400" rtl="0" eaLnBrk="1" latinLnBrk="0" hangingPunct="1">
+        <a:defRPr sz="1800" kern="1200">
+          <a:solidFill>
+            <a:schemeClr val="tx1"/>
+          </a:solidFill>
+          <a:latin typeface="+mn-lt"/>
+          <a:ea typeface="+mn-ea"/>
+          <a:cs typeface="+mn-cs"/>
+        </a:defRPr>
+      </a:lvl1pPr>
+      <a:lvl2pPr marL="457200" algn="l" defTabSz="914400" rtl="0" eaLnBrk="1" latinLnBrk="0" hangingPunct="1">
+        <a:defRPr sz="1800" kern="1200">
+          <a:solidFill>
+            <a:schemeClr val="tx1"/>
+          </a:solidFill>
+          <a:latin typeface="+mn-lt"/>
+          <a:ea typeface="+mn-ea"/>
+          <a:cs typeface="+mn-cs"/>
+        </a:defRPr>
+      </a:lvl2pPr>
+      <a:lvl3pPr marL="914400" algn="l" defTabSz="914400" rtl="0" eaLnBrk="1" latinLnBrk="0" hangingPunct="1">
+        <a:defRPr sz="1800" kern="1200">
+          <a:solidFill>
+            <a:schemeClr val="tx1"/>
+          </a:solidFill>
+          <a:latin typeface="+mn-lt"/>
+          <a:ea typeface="+mn-ea"/>
+          <a:cs typeface="+mn-cs"/>
+        </a:defRPr>
+      </a:lvl3pPr>
+      <a:lvl4pPr marL="1371600" algn="l" defTabSz="914400" rtl="0" eaLnBrk="1" latinLnBrk="0" hangingPunct="1">
+        <a:defRPr sz="1800" kern="1200">
+          <a:solidFill>
+            <a:schemeClr val="tx1"/>
+          </a:solidFill>
+          <a:latin typeface="+mn-lt"/>
+          <a:ea typeface="+mn-ea"/>
+          <a:cs typeface="+mn-cs"/>
+        </a:defRPr>
+      </a:lvl4pPr>
+      <a:lvl5pPr marL="1828800" algn="l" defTabSz="914400" rtl="0" eaLnBrk="1" latinLnBrk="0" hangingPunct="1">
+        <a:defRPr sz="1800" kern="1200">
+          <a:solidFill>
+            <a:schemeClr val="tx1"/>
+          </a:solidFill>
+          <a:latin typeface="+mn-lt"/>
+          <a:ea typeface="+mn-ea"/>
+          <a:cs typeface="+mn-cs"/>
+        </a:defRPr>
+      </a:lvl5pPr>
+      <a:lvl6pPr marL="2286000" algn="l" defTabSz="914400" rtl="0" eaLnBrk="1" latinLnBrk="0" hangingPunct="1">
+        <a:defRPr sz="1800" kern="1200">
+          <a:solidFill>
+            <a:schemeClr val="tx1"/>
+          </a:solidFill>
+          <a:latin typeface="+mn-lt"/>
+          <a:ea typeface="+mn-ea"/>
+          <a:cs typeface="+mn-cs"/>
+        </a:defRPr>
+      </a:lvl6pPr>
+      <a:lvl7pPr marL="2743200" algn="l" defTabSz="914400" rtl="0" eaLnBrk="1" latinLnBrk="0" hangingPunct="1">
+        <a:defRPr sz="1800" kern="1200">
+          <a:solidFill>
+            <a:schemeClr val="tx1"/>
+          </a:solidFill>
+          <a:latin typeface="+mn-lt"/>
+          <a:ea typeface="+mn-ea"/>
+          <a:cs typeface="+mn-cs"/>
+        </a:defRPr>
+      </a:lvl7pPr>
+      <a:lvl8pPr marL="3200400" algn="l" defTabSz="914400" rtl="0" eaLnBrk="1" latinLnBrk="0" hangingPunct="1">
+        <a:defRPr sz="1800" kern="1200">
+          <a:solidFill>
+            <a:schemeClr val="tx1"/>
+          </a:solidFill>
+          <a:latin typeface="+mn-lt"/>
+          <a:ea typeface="+mn-ea"/>
+          <a:cs typeface="+mn-cs"/>
+        </a:defRPr>
+      </a:lvl8pPr>
+      <a:lvl9pPr marL="3657600" algn="l" defTabSz="914400" rtl="0" eaLnBrk="1" latinLnBrk="0" hangingPunct="1">
+        <a:defRPr sz="1800" kern="1200">
+          <a:solidFill>
+            <a:schemeClr val="tx1"/>
+          </a:solidFill>
+          <a:latin typeface="+mn-lt"/>
+          <a:ea typeface="+mn-ea"/>
+          <a:cs typeface="+mn-cs"/>
+        </a:defRPr>
+      </a:lvl9pPr>
+    </p:otherStyle>
+  </p:txStyles>
+</p:sldMaster>
+</file>
+
 <file path=ppt/slides/slide1.xml><?xml version="1.0" encoding="utf-8"?>
 <p:sld xmlns:a="http://schemas.openxmlformats.org/drawingml/2006/main" xmlns:r="http://schemas.openxmlformats.org/officeDocument/2006/relationships" xmlns:p="http://schemas.openxmlformats.org/presentationml/2006/main">
   <p:cSld>
@@ -5017,6 +8708,1412 @@
     <p:extLst>
       <p:ext uri="{BB962C8B-B14F-4D97-AF65-F5344CB8AC3E}">
         <p14:creationId xmlns:p14="http://schemas.microsoft.com/office/powerpoint/2010/main" val="2885285034"/>
+      </p:ext>
+    </p:extLst>
+  </p:cSld>
+  <p:clrMapOvr>
+    <a:masterClrMapping/>
+  </p:clrMapOvr>
+</p:sld>
+</file>
+
+<file path=ppt/slides/slide13.xml><?xml version="1.0" encoding="utf-8"?>
+<p:sld xmlns:a="http://schemas.openxmlformats.org/drawingml/2006/main" xmlns:r="http://schemas.openxmlformats.org/officeDocument/2006/relationships" xmlns:p="http://schemas.openxmlformats.org/presentationml/2006/main">
+  <p:cSld>
+    <p:spTree>
+      <p:nvGrpSpPr>
+        <p:cNvPr id="1" name="">
+          <a:extLst>
+            <a:ext uri="{FF2B5EF4-FFF2-40B4-BE49-F238E27FC236}">
+              <a16:creationId xmlns:a16="http://schemas.microsoft.com/office/drawing/2014/main" id="{B2949FFC-035D-C79B-2ADB-38499254EDE7}"/>
+            </a:ext>
+          </a:extLst>
+        </p:cNvPr>
+        <p:cNvGrpSpPr/>
+        <p:nvPr/>
+      </p:nvGrpSpPr>
+      <p:grpSpPr>
+        <a:xfrm>
+          <a:off x="0" y="0"/>
+          <a:ext cx="0" cy="0"/>
+          <a:chOff x="0" y="0"/>
+          <a:chExt cx="0" cy="0"/>
+        </a:xfrm>
+      </p:grpSpPr>
+      <p:sp>
+        <p:nvSpPr>
+          <p:cNvPr id="2" name="CuadroTexto 1">
+            <a:extLst>
+              <a:ext uri="{FF2B5EF4-FFF2-40B4-BE49-F238E27FC236}">
+                <a16:creationId xmlns:a16="http://schemas.microsoft.com/office/drawing/2014/main" id="{6422DA04-4C2A-ACBA-2AC0-CFEB21891FAD}"/>
+              </a:ext>
+            </a:extLst>
+          </p:cNvPr>
+          <p:cNvSpPr txBox="1"/>
+          <p:nvPr/>
+        </p:nvSpPr>
+        <p:spPr>
+          <a:xfrm>
+            <a:off x="93305" y="550506"/>
+            <a:ext cx="1985287" cy="400110"/>
+          </a:xfrm>
+          <a:prstGeom prst="rect">
+            <a:avLst/>
+          </a:prstGeom>
+          <a:noFill/>
+        </p:spPr>
+        <p:txBody>
+          <a:bodyPr wrap="none" rtlCol="0">
+            <a:spAutoFit/>
+          </a:bodyPr>
+          <a:lstStyle/>
+          <a:p>
+            <a:r>
+              <a:rPr lang="es-PE" sz="2000" b="1" dirty="0">
+                <a:latin typeface="Times New Roman" panose="02020603050405020304" pitchFamily="18" charset="0"/>
+                <a:cs typeface="Times New Roman" panose="02020603050405020304" pitchFamily="18" charset="0"/>
+              </a:rPr>
+              <a:t>SISTEMA WEB</a:t>
+            </a:r>
+          </a:p>
+        </p:txBody>
+      </p:sp>
+      <p:sp>
+        <p:nvSpPr>
+          <p:cNvPr id="10" name="CuadroTexto 9">
+            <a:extLst>
+              <a:ext uri="{FF2B5EF4-FFF2-40B4-BE49-F238E27FC236}">
+                <a16:creationId xmlns:a16="http://schemas.microsoft.com/office/drawing/2014/main" id="{8FFFEF28-1277-3C1D-68F6-FB3BAD94726A}"/>
+              </a:ext>
+            </a:extLst>
+          </p:cNvPr>
+          <p:cNvSpPr txBox="1"/>
+          <p:nvPr/>
+        </p:nvSpPr>
+        <p:spPr>
+          <a:xfrm>
+            <a:off x="4304922" y="6271969"/>
+            <a:ext cx="2710999" cy="369332"/>
+          </a:xfrm>
+          <a:prstGeom prst="rect">
+            <a:avLst/>
+          </a:prstGeom>
+          <a:noFill/>
+        </p:spPr>
+        <p:txBody>
+          <a:bodyPr wrap="none" rtlCol="0">
+            <a:spAutoFit/>
+          </a:bodyPr>
+          <a:lstStyle/>
+          <a:p>
+            <a:r>
+              <a:rPr lang="es-PE" sz="1800" b="0" i="0" u="none" strike="noStrike" baseline="0" dirty="0">
+                <a:solidFill>
+                  <a:srgbClr val="000000"/>
+                </a:solidFill>
+                <a:latin typeface="Times New Roman" panose="02020603050405020304" pitchFamily="18" charset="0"/>
+                <a:cs typeface="Times New Roman" panose="02020603050405020304" pitchFamily="18" charset="0"/>
+              </a:rPr>
+              <a:t>Fuente: Elaboración Propia</a:t>
+            </a:r>
+            <a:endParaRPr lang="es-PE" dirty="0">
+              <a:latin typeface="Times New Roman" panose="02020603050405020304" pitchFamily="18" charset="0"/>
+              <a:cs typeface="Times New Roman" panose="02020603050405020304" pitchFamily="18" charset="0"/>
+            </a:endParaRPr>
+          </a:p>
+        </p:txBody>
+      </p:sp>
+      <p:pic>
+        <p:nvPicPr>
+          <p:cNvPr id="5" name="Imagen 4">
+            <a:extLst>
+              <a:ext uri="{FF2B5EF4-FFF2-40B4-BE49-F238E27FC236}">
+                <a16:creationId xmlns:a16="http://schemas.microsoft.com/office/drawing/2014/main" id="{5E5065FF-16F5-E429-23A2-9013B8830F16}"/>
+              </a:ext>
+            </a:extLst>
+          </p:cNvPr>
+          <p:cNvPicPr>
+            <a:picLocks noChangeAspect="1"/>
+          </p:cNvPicPr>
+          <p:nvPr/>
+        </p:nvPicPr>
+        <p:blipFill>
+          <a:blip r:embed="rId2"/>
+          <a:srcRect t="5987"/>
+          <a:stretch/>
+        </p:blipFill>
+        <p:spPr>
+          <a:xfrm>
+            <a:off x="93305" y="1772817"/>
+            <a:ext cx="3517641" cy="3418501"/>
+          </a:xfrm>
+          <a:prstGeom prst="rect">
+            <a:avLst/>
+          </a:prstGeom>
+        </p:spPr>
+      </p:pic>
+      <p:pic>
+        <p:nvPicPr>
+          <p:cNvPr id="7" name="Imagen 6">
+            <a:extLst>
+              <a:ext uri="{FF2B5EF4-FFF2-40B4-BE49-F238E27FC236}">
+                <a16:creationId xmlns:a16="http://schemas.microsoft.com/office/drawing/2014/main" id="{B7BAE764-B344-2EC3-E951-AD62B4C31F98}"/>
+              </a:ext>
+            </a:extLst>
+          </p:cNvPr>
+          <p:cNvPicPr>
+            <a:picLocks noChangeAspect="1"/>
+          </p:cNvPicPr>
+          <p:nvPr/>
+        </p:nvPicPr>
+        <p:blipFill>
+          <a:blip r:embed="rId3"/>
+          <a:stretch>
+            <a:fillRect/>
+          </a:stretch>
+        </p:blipFill>
+        <p:spPr>
+          <a:xfrm>
+            <a:off x="3852681" y="1772817"/>
+            <a:ext cx="4062992" cy="3418502"/>
+          </a:xfrm>
+          <a:prstGeom prst="rect">
+            <a:avLst/>
+          </a:prstGeom>
+        </p:spPr>
+      </p:pic>
+      <p:pic>
+        <p:nvPicPr>
+          <p:cNvPr id="9" name="Imagen 8">
+            <a:extLst>
+              <a:ext uri="{FF2B5EF4-FFF2-40B4-BE49-F238E27FC236}">
+                <a16:creationId xmlns:a16="http://schemas.microsoft.com/office/drawing/2014/main" id="{B8DA44FB-C3B2-8F50-CDD1-1B0D396EDA65}"/>
+              </a:ext>
+            </a:extLst>
+          </p:cNvPr>
+          <p:cNvPicPr>
+            <a:picLocks noChangeAspect="1"/>
+          </p:cNvPicPr>
+          <p:nvPr/>
+        </p:nvPicPr>
+        <p:blipFill>
+          <a:blip r:embed="rId4"/>
+          <a:stretch>
+            <a:fillRect/>
+          </a:stretch>
+        </p:blipFill>
+        <p:spPr>
+          <a:xfrm>
+            <a:off x="8157408" y="1772816"/>
+            <a:ext cx="3874852" cy="3418501"/>
+          </a:xfrm>
+          <a:prstGeom prst="rect">
+            <a:avLst/>
+          </a:prstGeom>
+        </p:spPr>
+      </p:pic>
+    </p:spTree>
+    <p:extLst>
+      <p:ext uri="{BB962C8B-B14F-4D97-AF65-F5344CB8AC3E}">
+        <p14:creationId xmlns:p14="http://schemas.microsoft.com/office/powerpoint/2010/main" val="76182120"/>
+      </p:ext>
+    </p:extLst>
+  </p:cSld>
+  <p:clrMapOvr>
+    <a:masterClrMapping/>
+  </p:clrMapOvr>
+</p:sld>
+</file>
+
+<file path=ppt/slides/slide14.xml><?xml version="1.0" encoding="utf-8"?>
+<p:sld xmlns:a="http://schemas.openxmlformats.org/drawingml/2006/main" xmlns:r="http://schemas.openxmlformats.org/officeDocument/2006/relationships" xmlns:p="http://schemas.openxmlformats.org/presentationml/2006/main">
+  <p:cSld>
+    <p:spTree>
+      <p:nvGrpSpPr>
+        <p:cNvPr id="1" name="">
+          <a:extLst>
+            <a:ext uri="{FF2B5EF4-FFF2-40B4-BE49-F238E27FC236}">
+              <a16:creationId xmlns:a16="http://schemas.microsoft.com/office/drawing/2014/main" id="{57CA6EC6-9DF1-8A5C-84AB-FF65DB9A6CBF}"/>
+            </a:ext>
+          </a:extLst>
+        </p:cNvPr>
+        <p:cNvGrpSpPr/>
+        <p:nvPr/>
+      </p:nvGrpSpPr>
+      <p:grpSpPr>
+        <a:xfrm>
+          <a:off x="0" y="0"/>
+          <a:ext cx="0" cy="0"/>
+          <a:chOff x="0" y="0"/>
+          <a:chExt cx="0" cy="0"/>
+        </a:xfrm>
+      </p:grpSpPr>
+      <p:sp>
+        <p:nvSpPr>
+          <p:cNvPr id="2" name="CuadroTexto 1">
+            <a:extLst>
+              <a:ext uri="{FF2B5EF4-FFF2-40B4-BE49-F238E27FC236}">
+                <a16:creationId xmlns:a16="http://schemas.microsoft.com/office/drawing/2014/main" id="{924D6A54-9614-3173-8185-C22547ED2DDD}"/>
+              </a:ext>
+            </a:extLst>
+          </p:cNvPr>
+          <p:cNvSpPr txBox="1"/>
+          <p:nvPr/>
+        </p:nvSpPr>
+        <p:spPr>
+          <a:xfrm>
+            <a:off x="4451492" y="1787425"/>
+            <a:ext cx="3574826" cy="1938992"/>
+          </a:xfrm>
+          <a:prstGeom prst="rect">
+            <a:avLst/>
+          </a:prstGeom>
+          <a:noFill/>
+        </p:spPr>
+        <p:txBody>
+          <a:bodyPr wrap="none" rtlCol="0" anchor="ctr">
+            <a:spAutoFit/>
+          </a:bodyPr>
+          <a:lstStyle/>
+          <a:p>
+            <a:pPr algn="ctr"/>
+            <a:r>
+              <a:rPr lang="es-PE" sz="4000" b="1" dirty="0">
+                <a:latin typeface="Times New Roman" panose="02020603050405020304" pitchFamily="18" charset="0"/>
+                <a:cs typeface="Times New Roman" panose="02020603050405020304" pitchFamily="18" charset="0"/>
+              </a:rPr>
+              <a:t>05</a:t>
+            </a:r>
+          </a:p>
+          <a:p>
+            <a:r>
+              <a:rPr lang="es-PE" sz="4000" dirty="0">
+                <a:latin typeface="Times New Roman" panose="02020603050405020304" pitchFamily="18" charset="0"/>
+                <a:cs typeface="Times New Roman" panose="02020603050405020304" pitchFamily="18" charset="0"/>
+              </a:rPr>
+              <a:t>_____________</a:t>
+            </a:r>
+          </a:p>
+          <a:p>
+            <a:pPr algn="ctr"/>
+            <a:r>
+              <a:rPr lang="es-PE" sz="4000" b="1" dirty="0">
+                <a:latin typeface="Times New Roman" panose="02020603050405020304" pitchFamily="18" charset="0"/>
+                <a:cs typeface="Times New Roman" panose="02020603050405020304" pitchFamily="18" charset="0"/>
+              </a:rPr>
+              <a:t>RESULTADOS</a:t>
+            </a:r>
+          </a:p>
+        </p:txBody>
+      </p:sp>
+    </p:spTree>
+    <p:extLst>
+      <p:ext uri="{BB962C8B-B14F-4D97-AF65-F5344CB8AC3E}">
+        <p14:creationId xmlns:p14="http://schemas.microsoft.com/office/powerpoint/2010/main" val="2498468107"/>
+      </p:ext>
+    </p:extLst>
+  </p:cSld>
+  <p:clrMapOvr>
+    <a:masterClrMapping/>
+  </p:clrMapOvr>
+</p:sld>
+</file>
+
+<file path=ppt/slides/slide15.xml><?xml version="1.0" encoding="utf-8"?>
+<p:sld xmlns:a="http://schemas.openxmlformats.org/drawingml/2006/main" xmlns:r="http://schemas.openxmlformats.org/officeDocument/2006/relationships" xmlns:p="http://schemas.openxmlformats.org/presentationml/2006/main">
+  <p:cSld>
+    <p:spTree>
+      <p:nvGrpSpPr>
+        <p:cNvPr id="1" name="">
+          <a:extLst>
+            <a:ext uri="{FF2B5EF4-FFF2-40B4-BE49-F238E27FC236}">
+              <a16:creationId xmlns:a16="http://schemas.microsoft.com/office/drawing/2014/main" id="{62FE31AA-0C31-659C-B470-9A144538109E}"/>
+            </a:ext>
+          </a:extLst>
+        </p:cNvPr>
+        <p:cNvGrpSpPr/>
+        <p:nvPr/>
+      </p:nvGrpSpPr>
+      <p:grpSpPr>
+        <a:xfrm>
+          <a:off x="0" y="0"/>
+          <a:ext cx="0" cy="0"/>
+          <a:chOff x="0" y="0"/>
+          <a:chExt cx="0" cy="0"/>
+        </a:xfrm>
+      </p:grpSpPr>
+      <p:sp>
+        <p:nvSpPr>
+          <p:cNvPr id="2" name="CuadroTexto 1">
+            <a:extLst>
+              <a:ext uri="{FF2B5EF4-FFF2-40B4-BE49-F238E27FC236}">
+                <a16:creationId xmlns:a16="http://schemas.microsoft.com/office/drawing/2014/main" id="{78F952BC-C69C-E370-746E-6B7F1AF20407}"/>
+              </a:ext>
+            </a:extLst>
+          </p:cNvPr>
+          <p:cNvSpPr txBox="1"/>
+          <p:nvPr/>
+        </p:nvSpPr>
+        <p:spPr>
+          <a:xfrm>
+            <a:off x="4094728" y="1787425"/>
+            <a:ext cx="4288354" cy="1938992"/>
+          </a:xfrm>
+          <a:prstGeom prst="rect">
+            <a:avLst/>
+          </a:prstGeom>
+          <a:noFill/>
+        </p:spPr>
+        <p:txBody>
+          <a:bodyPr wrap="none" rtlCol="0" anchor="ctr">
+            <a:spAutoFit/>
+          </a:bodyPr>
+          <a:lstStyle/>
+          <a:p>
+            <a:pPr algn="ctr"/>
+            <a:r>
+              <a:rPr lang="es-PE" sz="4000" b="1" dirty="0">
+                <a:latin typeface="Times New Roman" panose="02020603050405020304" pitchFamily="18" charset="0"/>
+                <a:cs typeface="Times New Roman" panose="02020603050405020304" pitchFamily="18" charset="0"/>
+              </a:rPr>
+              <a:t>06</a:t>
+            </a:r>
+          </a:p>
+          <a:p>
+            <a:r>
+              <a:rPr lang="es-PE" sz="4000" dirty="0">
+                <a:latin typeface="Times New Roman" panose="02020603050405020304" pitchFamily="18" charset="0"/>
+                <a:cs typeface="Times New Roman" panose="02020603050405020304" pitchFamily="18" charset="0"/>
+              </a:rPr>
+              <a:t>________________</a:t>
+            </a:r>
+          </a:p>
+          <a:p>
+            <a:pPr algn="ctr"/>
+            <a:r>
+              <a:rPr lang="es-PE" sz="4000" b="1" dirty="0">
+                <a:latin typeface="Times New Roman" panose="02020603050405020304" pitchFamily="18" charset="0"/>
+                <a:cs typeface="Times New Roman" panose="02020603050405020304" pitchFamily="18" charset="0"/>
+              </a:rPr>
+              <a:t>CONCLUSIONES</a:t>
+            </a:r>
+          </a:p>
+        </p:txBody>
+      </p:sp>
+    </p:spTree>
+    <p:extLst>
+      <p:ext uri="{BB962C8B-B14F-4D97-AF65-F5344CB8AC3E}">
+        <p14:creationId xmlns:p14="http://schemas.microsoft.com/office/powerpoint/2010/main" val="4292044246"/>
+      </p:ext>
+    </p:extLst>
+  </p:cSld>
+  <p:clrMapOvr>
+    <a:masterClrMapping/>
+  </p:clrMapOvr>
+</p:sld>
+</file>
+
+<file path=ppt/slides/slide16.xml><?xml version="1.0" encoding="utf-8"?>
+<p:sld xmlns:a="http://schemas.openxmlformats.org/drawingml/2006/main" xmlns:r="http://schemas.openxmlformats.org/officeDocument/2006/relationships" xmlns:p="http://schemas.openxmlformats.org/presentationml/2006/main">
+  <p:cSld>
+    <p:spTree>
+      <p:nvGrpSpPr>
+        <p:cNvPr id="1" name=""/>
+        <p:cNvGrpSpPr/>
+        <p:nvPr/>
+      </p:nvGrpSpPr>
+      <p:grpSpPr>
+        <a:xfrm>
+          <a:off x="0" y="0"/>
+          <a:ext cx="0" cy="0"/>
+          <a:chOff x="0" y="0"/>
+          <a:chExt cx="0" cy="0"/>
+        </a:xfrm>
+      </p:grpSpPr>
+      <p:sp>
+        <p:nvSpPr>
+          <p:cNvPr id="2" name="CuadroTexto 1">
+            <a:extLst>
+              <a:ext uri="{FF2B5EF4-FFF2-40B4-BE49-F238E27FC236}">
+                <a16:creationId xmlns:a16="http://schemas.microsoft.com/office/drawing/2014/main" id="{6023E162-2671-D893-F50F-50F57C15E98D}"/>
+              </a:ext>
+            </a:extLst>
+          </p:cNvPr>
+          <p:cNvSpPr txBox="1"/>
+          <p:nvPr/>
+        </p:nvSpPr>
+        <p:spPr>
+          <a:xfrm>
+            <a:off x="698740" y="319177"/>
+            <a:ext cx="2239716" cy="400110"/>
+          </a:xfrm>
+          <a:prstGeom prst="rect">
+            <a:avLst/>
+          </a:prstGeom>
+          <a:noFill/>
+        </p:spPr>
+        <p:txBody>
+          <a:bodyPr wrap="none" rtlCol="0">
+            <a:spAutoFit/>
+          </a:bodyPr>
+          <a:lstStyle/>
+          <a:p>
+            <a:pPr marL="0" marR="0" lvl="0" indent="0" algn="l" defTabSz="457200" rtl="0" eaLnBrk="1" fontAlgn="auto" latinLnBrk="0" hangingPunct="1">
+              <a:lnSpc>
+                <a:spcPct val="100000"/>
+              </a:lnSpc>
+              <a:spcBef>
+                <a:spcPts val="0"/>
+              </a:spcBef>
+              <a:spcAft>
+                <a:spcPts val="0"/>
+              </a:spcAft>
+              <a:buClrTx/>
+              <a:buSzTx/>
+              <a:buFontTx/>
+              <a:buNone/>
+              <a:tabLst/>
+              <a:defRPr/>
+            </a:pPr>
+            <a:r>
+              <a:rPr kumimoji="0" lang="es-PE" sz="2000" b="1" i="0" u="none" strike="noStrike" kern="1200" cap="none" spc="0" normalizeH="0" baseline="0" noProof="0" dirty="0">
+                <a:ln>
+                  <a:noFill/>
+                </a:ln>
+                <a:solidFill>
+                  <a:srgbClr val="000000"/>
+                </a:solidFill>
+                <a:effectLst/>
+                <a:uLnTx/>
+                <a:uFillTx/>
+                <a:latin typeface="Times New Roman" panose="02020603050405020304" pitchFamily="18" charset="0"/>
+                <a:ea typeface="+mn-ea"/>
+                <a:cs typeface="Times New Roman" panose="02020603050405020304" pitchFamily="18" charset="0"/>
+              </a:rPr>
+              <a:t>CONCLUSIONES</a:t>
+            </a:r>
+          </a:p>
+        </p:txBody>
+      </p:sp>
+      <p:sp>
+        <p:nvSpPr>
+          <p:cNvPr id="4" name="CuadroTexto 3">
+            <a:extLst>
+              <a:ext uri="{FF2B5EF4-FFF2-40B4-BE49-F238E27FC236}">
+                <a16:creationId xmlns:a16="http://schemas.microsoft.com/office/drawing/2014/main" id="{DBEDB908-1DB7-0758-3BE2-00C313D21B0B}"/>
+              </a:ext>
+            </a:extLst>
+          </p:cNvPr>
+          <p:cNvSpPr txBox="1"/>
+          <p:nvPr/>
+        </p:nvSpPr>
+        <p:spPr>
+          <a:xfrm>
+            <a:off x="1002228" y="1988190"/>
+            <a:ext cx="3081500" cy="2031325"/>
+          </a:xfrm>
+          <a:prstGeom prst="rect">
+            <a:avLst/>
+          </a:prstGeom>
+        </p:spPr>
+        <p:style>
+          <a:lnRef idx="1">
+            <a:schemeClr val="accent5"/>
+          </a:lnRef>
+          <a:fillRef idx="2">
+            <a:schemeClr val="accent5"/>
+          </a:fillRef>
+          <a:effectRef idx="1">
+            <a:schemeClr val="accent5"/>
+          </a:effectRef>
+          <a:fontRef idx="minor">
+            <a:schemeClr val="dk1"/>
+          </a:fontRef>
+        </p:style>
+        <p:txBody>
+          <a:bodyPr wrap="square" rtlCol="0">
+            <a:spAutoFit/>
+          </a:bodyPr>
+          <a:lstStyle/>
+          <a:p>
+            <a:pPr algn="just"/>
+            <a:r>
+              <a:rPr lang="es-ES" b="0" i="0" dirty="0">
+                <a:solidFill>
+                  <a:schemeClr val="tx1"/>
+                </a:solidFill>
+                <a:effectLst/>
+                <a:latin typeface="ui-sans-serif"/>
+              </a:rPr>
+              <a:t>El modelo VGG19 alcanzó una precisión del 94.11% en el diagnóstico del cáncer de próstata, superando a VGG16 y ResNet50, demostrando ser una herramienta eficiente y precisa para el apoyo clínico.</a:t>
+            </a:r>
+          </a:p>
+        </p:txBody>
+      </p:sp>
+      <p:sp>
+        <p:nvSpPr>
+          <p:cNvPr id="5" name="CuadroTexto 4">
+            <a:extLst>
+              <a:ext uri="{FF2B5EF4-FFF2-40B4-BE49-F238E27FC236}">
+                <a16:creationId xmlns:a16="http://schemas.microsoft.com/office/drawing/2014/main" id="{32DB1F87-0AEE-A6DE-DCF6-06CB0C16CFDC}"/>
+              </a:ext>
+            </a:extLst>
+          </p:cNvPr>
+          <p:cNvSpPr txBox="1"/>
+          <p:nvPr/>
+        </p:nvSpPr>
+        <p:spPr>
+          <a:xfrm>
+            <a:off x="8742080" y="1988190"/>
+            <a:ext cx="2910978" cy="2308324"/>
+          </a:xfrm>
+          <a:prstGeom prst="rect">
+            <a:avLst/>
+          </a:prstGeom>
+        </p:spPr>
+        <p:style>
+          <a:lnRef idx="1">
+            <a:schemeClr val="accent5"/>
+          </a:lnRef>
+          <a:fillRef idx="2">
+            <a:schemeClr val="accent5"/>
+          </a:fillRef>
+          <a:effectRef idx="1">
+            <a:schemeClr val="accent5"/>
+          </a:effectRef>
+          <a:fontRef idx="minor">
+            <a:schemeClr val="dk1"/>
+          </a:fontRef>
+        </p:style>
+        <p:txBody>
+          <a:bodyPr wrap="square" rtlCol="0">
+            <a:spAutoFit/>
+          </a:bodyPr>
+          <a:lstStyle/>
+          <a:p>
+            <a:pPr algn="just"/>
+            <a:r>
+              <a:rPr lang="es-ES" b="0" i="0" dirty="0">
+                <a:solidFill>
+                  <a:schemeClr val="tx1"/>
+                </a:solidFill>
+                <a:effectLst/>
+                <a:latin typeface="ui-sans-serif"/>
+              </a:rPr>
+              <a:t>La implementación de este sistema inteligente en entornos hospitalarios podría transformar los procesos de diagnóstico, mejorando la atención al paciente y optimizando los recursos médicos.</a:t>
+            </a:r>
+          </a:p>
+        </p:txBody>
+      </p:sp>
+      <p:sp>
+        <p:nvSpPr>
+          <p:cNvPr id="3" name="CuadroTexto 2">
+            <a:extLst>
+              <a:ext uri="{FF2B5EF4-FFF2-40B4-BE49-F238E27FC236}">
+                <a16:creationId xmlns:a16="http://schemas.microsoft.com/office/drawing/2014/main" id="{845FF764-D6B4-4953-814E-AB1CF90E183C}"/>
+              </a:ext>
+            </a:extLst>
+          </p:cNvPr>
+          <p:cNvSpPr txBox="1"/>
+          <p:nvPr/>
+        </p:nvSpPr>
+        <p:spPr>
+          <a:xfrm>
+            <a:off x="1002228" y="1280304"/>
+            <a:ext cx="704039" cy="707886"/>
+          </a:xfrm>
+          <a:prstGeom prst="rect">
+            <a:avLst/>
+          </a:prstGeom>
+          <a:noFill/>
+        </p:spPr>
+        <p:txBody>
+          <a:bodyPr wrap="none" rtlCol="0">
+            <a:spAutoFit/>
+          </a:bodyPr>
+          <a:lstStyle/>
+          <a:p>
+            <a:pPr marL="0" marR="0" lvl="0" indent="0" algn="l" defTabSz="457200" rtl="0" eaLnBrk="1" fontAlgn="auto" latinLnBrk="0" hangingPunct="1">
+              <a:lnSpc>
+                <a:spcPct val="100000"/>
+              </a:lnSpc>
+              <a:spcBef>
+                <a:spcPts val="0"/>
+              </a:spcBef>
+              <a:spcAft>
+                <a:spcPts val="0"/>
+              </a:spcAft>
+              <a:buClrTx/>
+              <a:buSzTx/>
+              <a:buFontTx/>
+              <a:buNone/>
+              <a:tabLst/>
+              <a:defRPr/>
+            </a:pPr>
+            <a:r>
+              <a:rPr kumimoji="0" lang="es-PE" sz="4000" b="1" i="0" u="none" strike="noStrike" kern="1200" cap="none" spc="0" normalizeH="0" baseline="0" noProof="0" dirty="0">
+                <a:ln>
+                  <a:noFill/>
+                </a:ln>
+                <a:solidFill>
+                  <a:srgbClr val="000000"/>
+                </a:solidFill>
+                <a:effectLst/>
+                <a:uLnTx/>
+                <a:uFillTx/>
+                <a:latin typeface="Times New Roman" panose="02020603050405020304" pitchFamily="18" charset="0"/>
+                <a:ea typeface="+mn-ea"/>
+                <a:cs typeface="Times New Roman" panose="02020603050405020304" pitchFamily="18" charset="0"/>
+              </a:rPr>
+              <a:t>01</a:t>
+            </a:r>
+          </a:p>
+        </p:txBody>
+      </p:sp>
+      <p:sp>
+        <p:nvSpPr>
+          <p:cNvPr id="6" name="CuadroTexto 5">
+            <a:extLst>
+              <a:ext uri="{FF2B5EF4-FFF2-40B4-BE49-F238E27FC236}">
+                <a16:creationId xmlns:a16="http://schemas.microsoft.com/office/drawing/2014/main" id="{6CFB98D8-2625-18F8-81CA-7A6077A313AC}"/>
+              </a:ext>
+            </a:extLst>
+          </p:cNvPr>
+          <p:cNvSpPr txBox="1"/>
+          <p:nvPr/>
+        </p:nvSpPr>
+        <p:spPr>
+          <a:xfrm>
+            <a:off x="4872154" y="1978904"/>
+            <a:ext cx="3081500" cy="2308324"/>
+          </a:xfrm>
+          <a:prstGeom prst="rect">
+            <a:avLst/>
+          </a:prstGeom>
+        </p:spPr>
+        <p:style>
+          <a:lnRef idx="1">
+            <a:schemeClr val="accent5"/>
+          </a:lnRef>
+          <a:fillRef idx="2">
+            <a:schemeClr val="accent5"/>
+          </a:fillRef>
+          <a:effectRef idx="1">
+            <a:schemeClr val="accent5"/>
+          </a:effectRef>
+          <a:fontRef idx="minor">
+            <a:schemeClr val="dk1"/>
+          </a:fontRef>
+        </p:style>
+        <p:txBody>
+          <a:bodyPr wrap="square" rtlCol="0">
+            <a:spAutoFit/>
+          </a:bodyPr>
+          <a:lstStyle/>
+          <a:p>
+            <a:pPr algn="just"/>
+            <a:r>
+              <a:rPr lang="es-ES" b="0" i="0" dirty="0">
+                <a:solidFill>
+                  <a:schemeClr val="tx1"/>
+                </a:solidFill>
+                <a:effectLst/>
+                <a:latin typeface="ui-sans-serif"/>
+              </a:rPr>
+              <a:t>La integración de Deep Learning en el diagnóstico médico optimiza la detección temprana de cáncer, mejorando la precisión y reduciendo el margen de error en la clasificación de imágenes.</a:t>
+            </a:r>
+          </a:p>
+        </p:txBody>
+      </p:sp>
+      <p:sp>
+        <p:nvSpPr>
+          <p:cNvPr id="7" name="CuadroTexto 6">
+            <a:extLst>
+              <a:ext uri="{FF2B5EF4-FFF2-40B4-BE49-F238E27FC236}">
+                <a16:creationId xmlns:a16="http://schemas.microsoft.com/office/drawing/2014/main" id="{9EE1D5B4-D8CE-4BDF-5678-EF30DD78E957}"/>
+              </a:ext>
+            </a:extLst>
+          </p:cNvPr>
+          <p:cNvSpPr txBox="1"/>
+          <p:nvPr/>
+        </p:nvSpPr>
+        <p:spPr>
+          <a:xfrm>
+            <a:off x="8735668" y="1280304"/>
+            <a:ext cx="697627" cy="707886"/>
+          </a:xfrm>
+          <a:prstGeom prst="rect">
+            <a:avLst/>
+          </a:prstGeom>
+          <a:noFill/>
+        </p:spPr>
+        <p:txBody>
+          <a:bodyPr wrap="none" rtlCol="0">
+            <a:spAutoFit/>
+          </a:bodyPr>
+          <a:lstStyle/>
+          <a:p>
+            <a:pPr marL="0" marR="0" lvl="0" indent="0" algn="l" defTabSz="457200" rtl="0" eaLnBrk="1" fontAlgn="auto" latinLnBrk="0" hangingPunct="1">
+              <a:lnSpc>
+                <a:spcPct val="100000"/>
+              </a:lnSpc>
+              <a:spcBef>
+                <a:spcPts val="0"/>
+              </a:spcBef>
+              <a:spcAft>
+                <a:spcPts val="0"/>
+              </a:spcAft>
+              <a:buClrTx/>
+              <a:buSzTx/>
+              <a:buFontTx/>
+              <a:buNone/>
+              <a:tabLst/>
+              <a:defRPr/>
+            </a:pPr>
+            <a:r>
+              <a:rPr kumimoji="0" lang="es-PE" sz="4000" b="1" i="0" u="none" strike="noStrike" kern="1200" cap="none" spc="0" normalizeH="0" baseline="0" noProof="0" dirty="0">
+                <a:ln>
+                  <a:noFill/>
+                </a:ln>
+                <a:solidFill>
+                  <a:srgbClr val="000000"/>
+                </a:solidFill>
+                <a:effectLst/>
+                <a:uLnTx/>
+                <a:uFillTx/>
+                <a:latin typeface="Times New Roman" panose="02020603050405020304" pitchFamily="18" charset="0"/>
+                <a:ea typeface="+mn-ea"/>
+                <a:cs typeface="Times New Roman" panose="02020603050405020304" pitchFamily="18" charset="0"/>
+              </a:rPr>
+              <a:t>03</a:t>
+            </a:r>
+          </a:p>
+        </p:txBody>
+      </p:sp>
+      <p:sp>
+        <p:nvSpPr>
+          <p:cNvPr id="8" name="CuadroTexto 7">
+            <a:extLst>
+              <a:ext uri="{FF2B5EF4-FFF2-40B4-BE49-F238E27FC236}">
+                <a16:creationId xmlns:a16="http://schemas.microsoft.com/office/drawing/2014/main" id="{05D451B1-AB14-C9D2-2063-ED8384758DA3}"/>
+              </a:ext>
+            </a:extLst>
+          </p:cNvPr>
+          <p:cNvSpPr txBox="1"/>
+          <p:nvPr/>
+        </p:nvSpPr>
+        <p:spPr>
+          <a:xfrm>
+            <a:off x="4872154" y="1203364"/>
+            <a:ext cx="697627" cy="707886"/>
+          </a:xfrm>
+          <a:prstGeom prst="rect">
+            <a:avLst/>
+          </a:prstGeom>
+          <a:noFill/>
+        </p:spPr>
+        <p:txBody>
+          <a:bodyPr wrap="none" rtlCol="0">
+            <a:spAutoFit/>
+          </a:bodyPr>
+          <a:lstStyle/>
+          <a:p>
+            <a:pPr marL="0" marR="0" lvl="0" indent="0" algn="l" defTabSz="457200" rtl="0" eaLnBrk="1" fontAlgn="auto" latinLnBrk="0" hangingPunct="1">
+              <a:lnSpc>
+                <a:spcPct val="100000"/>
+              </a:lnSpc>
+              <a:spcBef>
+                <a:spcPts val="0"/>
+              </a:spcBef>
+              <a:spcAft>
+                <a:spcPts val="0"/>
+              </a:spcAft>
+              <a:buClrTx/>
+              <a:buSzTx/>
+              <a:buFontTx/>
+              <a:buNone/>
+              <a:tabLst/>
+              <a:defRPr/>
+            </a:pPr>
+            <a:r>
+              <a:rPr kumimoji="0" lang="es-PE" sz="4000" b="1" i="0" u="none" strike="noStrike" kern="1200" cap="none" spc="0" normalizeH="0" baseline="0" noProof="0" dirty="0">
+                <a:ln>
+                  <a:noFill/>
+                </a:ln>
+                <a:solidFill>
+                  <a:srgbClr val="000000"/>
+                </a:solidFill>
+                <a:effectLst/>
+                <a:uLnTx/>
+                <a:uFillTx/>
+                <a:latin typeface="Times New Roman" panose="02020603050405020304" pitchFamily="18" charset="0"/>
+                <a:ea typeface="+mn-ea"/>
+                <a:cs typeface="Times New Roman" panose="02020603050405020304" pitchFamily="18" charset="0"/>
+              </a:rPr>
+              <a:t>02</a:t>
+            </a:r>
+          </a:p>
+        </p:txBody>
+      </p:sp>
+    </p:spTree>
+    <p:extLst>
+      <p:ext uri="{BB962C8B-B14F-4D97-AF65-F5344CB8AC3E}">
+        <p14:creationId xmlns:p14="http://schemas.microsoft.com/office/powerpoint/2010/main" val="3910448740"/>
+      </p:ext>
+    </p:extLst>
+  </p:cSld>
+  <p:clrMapOvr>
+    <a:masterClrMapping/>
+  </p:clrMapOvr>
+</p:sld>
+</file>
+
+<file path=ppt/slides/slide17.xml><?xml version="1.0" encoding="utf-8"?>
+<p:sld xmlns:a="http://schemas.openxmlformats.org/drawingml/2006/main" xmlns:r="http://schemas.openxmlformats.org/officeDocument/2006/relationships" xmlns:p="http://schemas.openxmlformats.org/presentationml/2006/main">
+  <p:cSld>
+    <p:spTree>
+      <p:nvGrpSpPr>
+        <p:cNvPr id="1" name="">
+          <a:extLst>
+            <a:ext uri="{FF2B5EF4-FFF2-40B4-BE49-F238E27FC236}">
+              <a16:creationId xmlns:a16="http://schemas.microsoft.com/office/drawing/2014/main" id="{B4CF8A84-9182-FDD3-AD6F-C6F34D7E6393}"/>
+            </a:ext>
+          </a:extLst>
+        </p:cNvPr>
+        <p:cNvGrpSpPr/>
+        <p:nvPr/>
+      </p:nvGrpSpPr>
+      <p:grpSpPr>
+        <a:xfrm>
+          <a:off x="0" y="0"/>
+          <a:ext cx="0" cy="0"/>
+          <a:chOff x="0" y="0"/>
+          <a:chExt cx="0" cy="0"/>
+        </a:xfrm>
+      </p:grpSpPr>
+      <p:sp>
+        <p:nvSpPr>
+          <p:cNvPr id="2" name="CuadroTexto 1">
+            <a:extLst>
+              <a:ext uri="{FF2B5EF4-FFF2-40B4-BE49-F238E27FC236}">
+                <a16:creationId xmlns:a16="http://schemas.microsoft.com/office/drawing/2014/main" id="{82A5D2BA-9192-91B1-566A-47560E6686AF}"/>
+              </a:ext>
+            </a:extLst>
+          </p:cNvPr>
+          <p:cNvSpPr txBox="1"/>
+          <p:nvPr/>
+        </p:nvSpPr>
+        <p:spPr>
+          <a:xfrm>
+            <a:off x="3454329" y="1787425"/>
+            <a:ext cx="5569153" cy="1938992"/>
+          </a:xfrm>
+          <a:prstGeom prst="rect">
+            <a:avLst/>
+          </a:prstGeom>
+          <a:noFill/>
+        </p:spPr>
+        <p:txBody>
+          <a:bodyPr wrap="none" rtlCol="0" anchor="ctr">
+            <a:spAutoFit/>
+          </a:bodyPr>
+          <a:lstStyle/>
+          <a:p>
+            <a:pPr algn="ctr"/>
+            <a:r>
+              <a:rPr lang="es-PE" sz="4000" b="1" dirty="0">
+                <a:latin typeface="Times New Roman" panose="02020603050405020304" pitchFamily="18" charset="0"/>
+                <a:cs typeface="Times New Roman" panose="02020603050405020304" pitchFamily="18" charset="0"/>
+              </a:rPr>
+              <a:t>07</a:t>
+            </a:r>
+          </a:p>
+          <a:p>
+            <a:r>
+              <a:rPr lang="es-PE" sz="4000" dirty="0">
+                <a:latin typeface="Times New Roman" panose="02020603050405020304" pitchFamily="18" charset="0"/>
+                <a:cs typeface="Times New Roman" panose="02020603050405020304" pitchFamily="18" charset="0"/>
+              </a:rPr>
+              <a:t>_____________________</a:t>
+            </a:r>
+          </a:p>
+          <a:p>
+            <a:pPr algn="ctr"/>
+            <a:r>
+              <a:rPr lang="es-PE" sz="4000" b="1" dirty="0">
+                <a:latin typeface="Times New Roman" panose="02020603050405020304" pitchFamily="18" charset="0"/>
+                <a:cs typeface="Times New Roman" panose="02020603050405020304" pitchFamily="18" charset="0"/>
+              </a:rPr>
+              <a:t>RECOMENDACIONES</a:t>
+            </a:r>
+          </a:p>
+        </p:txBody>
+      </p:sp>
+    </p:spTree>
+    <p:extLst>
+      <p:ext uri="{BB962C8B-B14F-4D97-AF65-F5344CB8AC3E}">
+        <p14:creationId xmlns:p14="http://schemas.microsoft.com/office/powerpoint/2010/main" val="2330986351"/>
+      </p:ext>
+    </p:extLst>
+  </p:cSld>
+  <p:clrMapOvr>
+    <a:masterClrMapping/>
+  </p:clrMapOvr>
+</p:sld>
+</file>
+
+<file path=ppt/slides/slide18.xml><?xml version="1.0" encoding="utf-8"?>
+<p:sld xmlns:a="http://schemas.openxmlformats.org/drawingml/2006/main" xmlns:r="http://schemas.openxmlformats.org/officeDocument/2006/relationships" xmlns:p="http://schemas.openxmlformats.org/presentationml/2006/main">
+  <p:cSld>
+    <p:spTree>
+      <p:nvGrpSpPr>
+        <p:cNvPr id="1" name="">
+          <a:extLst>
+            <a:ext uri="{FF2B5EF4-FFF2-40B4-BE49-F238E27FC236}">
+              <a16:creationId xmlns:a16="http://schemas.microsoft.com/office/drawing/2014/main" id="{37B4EB04-9D16-B84A-F751-E0ACDAF0D804}"/>
+            </a:ext>
+          </a:extLst>
+        </p:cNvPr>
+        <p:cNvGrpSpPr/>
+        <p:nvPr/>
+      </p:nvGrpSpPr>
+      <p:grpSpPr>
+        <a:xfrm>
+          <a:off x="0" y="0"/>
+          <a:ext cx="0" cy="0"/>
+          <a:chOff x="0" y="0"/>
+          <a:chExt cx="0" cy="0"/>
+        </a:xfrm>
+      </p:grpSpPr>
+      <p:sp>
+        <p:nvSpPr>
+          <p:cNvPr id="2" name="CuadroTexto 1">
+            <a:extLst>
+              <a:ext uri="{FF2B5EF4-FFF2-40B4-BE49-F238E27FC236}">
+                <a16:creationId xmlns:a16="http://schemas.microsoft.com/office/drawing/2014/main" id="{15A71C45-C6A6-CEB9-92E0-9C24D1FFF6BE}"/>
+              </a:ext>
+            </a:extLst>
+          </p:cNvPr>
+          <p:cNvSpPr txBox="1"/>
+          <p:nvPr/>
+        </p:nvSpPr>
+        <p:spPr>
+          <a:xfrm>
+            <a:off x="698740" y="319177"/>
+            <a:ext cx="2882520" cy="400110"/>
+          </a:xfrm>
+          <a:prstGeom prst="rect">
+            <a:avLst/>
+          </a:prstGeom>
+          <a:noFill/>
+        </p:spPr>
+        <p:txBody>
+          <a:bodyPr wrap="none" rtlCol="0">
+            <a:spAutoFit/>
+          </a:bodyPr>
+          <a:lstStyle/>
+          <a:p>
+            <a:pPr marL="0" marR="0" lvl="0" indent="0" algn="l" defTabSz="457200" rtl="0" eaLnBrk="1" fontAlgn="auto" latinLnBrk="0" hangingPunct="1">
+              <a:lnSpc>
+                <a:spcPct val="100000"/>
+              </a:lnSpc>
+              <a:spcBef>
+                <a:spcPts val="0"/>
+              </a:spcBef>
+              <a:spcAft>
+                <a:spcPts val="0"/>
+              </a:spcAft>
+              <a:buClrTx/>
+              <a:buSzTx/>
+              <a:buFontTx/>
+              <a:buNone/>
+              <a:tabLst/>
+              <a:defRPr/>
+            </a:pPr>
+            <a:r>
+              <a:rPr kumimoji="0" lang="es-PE" sz="2000" b="1" i="0" u="none" strike="noStrike" kern="1200" cap="none" spc="0" normalizeH="0" baseline="0" noProof="0" dirty="0">
+                <a:ln>
+                  <a:noFill/>
+                </a:ln>
+                <a:solidFill>
+                  <a:srgbClr val="000000"/>
+                </a:solidFill>
+                <a:effectLst/>
+                <a:uLnTx/>
+                <a:uFillTx/>
+                <a:latin typeface="Times New Roman" panose="02020603050405020304" pitchFamily="18" charset="0"/>
+                <a:ea typeface="+mn-ea"/>
+                <a:cs typeface="Times New Roman" panose="02020603050405020304" pitchFamily="18" charset="0"/>
+              </a:rPr>
+              <a:t>RECOMENDACIONES</a:t>
+            </a:r>
+          </a:p>
+        </p:txBody>
+      </p:sp>
+      <p:sp>
+        <p:nvSpPr>
+          <p:cNvPr id="4" name="CuadroTexto 3">
+            <a:extLst>
+              <a:ext uri="{FF2B5EF4-FFF2-40B4-BE49-F238E27FC236}">
+                <a16:creationId xmlns:a16="http://schemas.microsoft.com/office/drawing/2014/main" id="{2819454C-5269-7E8D-F63A-95D9B67EDF63}"/>
+              </a:ext>
+            </a:extLst>
+          </p:cNvPr>
+          <p:cNvSpPr txBox="1"/>
+          <p:nvPr/>
+        </p:nvSpPr>
+        <p:spPr>
+          <a:xfrm>
+            <a:off x="1002228" y="1988190"/>
+            <a:ext cx="3205878" cy="2031325"/>
+          </a:xfrm>
+          <a:prstGeom prst="rect">
+            <a:avLst/>
+          </a:prstGeom>
+        </p:spPr>
+        <p:style>
+          <a:lnRef idx="1">
+            <a:schemeClr val="accent5"/>
+          </a:lnRef>
+          <a:fillRef idx="2">
+            <a:schemeClr val="accent5"/>
+          </a:fillRef>
+          <a:effectRef idx="1">
+            <a:schemeClr val="accent5"/>
+          </a:effectRef>
+          <a:fontRef idx="minor">
+            <a:schemeClr val="dk1"/>
+          </a:fontRef>
+        </p:style>
+        <p:txBody>
+          <a:bodyPr wrap="square" rtlCol="0">
+            <a:spAutoFit/>
+          </a:bodyPr>
+          <a:lstStyle/>
+          <a:p>
+            <a:pPr algn="just"/>
+            <a:r>
+              <a:rPr lang="es-ES" b="0" i="0" dirty="0">
+                <a:solidFill>
+                  <a:schemeClr val="tx1"/>
+                </a:solidFill>
+                <a:effectLst/>
+                <a:latin typeface="ui-sans-serif"/>
+              </a:rPr>
+              <a:t>Se recomienda integrar datos clínicos adicionales (edad, antecedentes familiares, marcadores biológicos) junto con las imágenes médicas para mejorar la precisión y personalización del diagnóstico.</a:t>
+            </a:r>
+          </a:p>
+        </p:txBody>
+      </p:sp>
+      <p:sp>
+        <p:nvSpPr>
+          <p:cNvPr id="5" name="CuadroTexto 4">
+            <a:extLst>
+              <a:ext uri="{FF2B5EF4-FFF2-40B4-BE49-F238E27FC236}">
+                <a16:creationId xmlns:a16="http://schemas.microsoft.com/office/drawing/2014/main" id="{CF7967DB-9B47-8853-927E-E44FC8359F19}"/>
+              </a:ext>
+            </a:extLst>
+          </p:cNvPr>
+          <p:cNvSpPr txBox="1"/>
+          <p:nvPr/>
+        </p:nvSpPr>
+        <p:spPr>
+          <a:xfrm>
+            <a:off x="8742080" y="1988190"/>
+            <a:ext cx="3173112" cy="2031325"/>
+          </a:xfrm>
+          <a:prstGeom prst="rect">
+            <a:avLst/>
+          </a:prstGeom>
+        </p:spPr>
+        <p:style>
+          <a:lnRef idx="1">
+            <a:schemeClr val="accent5"/>
+          </a:lnRef>
+          <a:fillRef idx="2">
+            <a:schemeClr val="accent5"/>
+          </a:fillRef>
+          <a:effectRef idx="1">
+            <a:schemeClr val="accent5"/>
+          </a:effectRef>
+          <a:fontRef idx="minor">
+            <a:schemeClr val="dk1"/>
+          </a:fontRef>
+        </p:style>
+        <p:txBody>
+          <a:bodyPr wrap="square" rtlCol="0">
+            <a:spAutoFit/>
+          </a:bodyPr>
+          <a:lstStyle/>
+          <a:p>
+            <a:pPr algn="just"/>
+            <a:r>
+              <a:rPr lang="es-ES" b="0" i="0" dirty="0">
+                <a:solidFill>
+                  <a:schemeClr val="tx1"/>
+                </a:solidFill>
+                <a:effectLst/>
+                <a:latin typeface="ui-sans-serif"/>
+              </a:rPr>
+              <a:t>Futuras investigaciones deben explorar nuevas arquitecturas de redes neuronales o enfoques híbridos, buscando mejorar aún más la precisión diagnóstica alcanzada con el modelo VGG19.</a:t>
+            </a:r>
+          </a:p>
+        </p:txBody>
+      </p:sp>
+      <p:sp>
+        <p:nvSpPr>
+          <p:cNvPr id="3" name="CuadroTexto 2">
+            <a:extLst>
+              <a:ext uri="{FF2B5EF4-FFF2-40B4-BE49-F238E27FC236}">
+                <a16:creationId xmlns:a16="http://schemas.microsoft.com/office/drawing/2014/main" id="{27E00B9D-27CE-AE51-88CE-8027AE2A64E2}"/>
+              </a:ext>
+            </a:extLst>
+          </p:cNvPr>
+          <p:cNvSpPr txBox="1"/>
+          <p:nvPr/>
+        </p:nvSpPr>
+        <p:spPr>
+          <a:xfrm>
+            <a:off x="1002228" y="1280304"/>
+            <a:ext cx="704039" cy="707886"/>
+          </a:xfrm>
+          <a:prstGeom prst="rect">
+            <a:avLst/>
+          </a:prstGeom>
+          <a:noFill/>
+        </p:spPr>
+        <p:txBody>
+          <a:bodyPr wrap="none" rtlCol="0">
+            <a:spAutoFit/>
+          </a:bodyPr>
+          <a:lstStyle/>
+          <a:p>
+            <a:pPr marL="0" marR="0" lvl="0" indent="0" algn="l" defTabSz="457200" rtl="0" eaLnBrk="1" fontAlgn="auto" latinLnBrk="0" hangingPunct="1">
+              <a:lnSpc>
+                <a:spcPct val="100000"/>
+              </a:lnSpc>
+              <a:spcBef>
+                <a:spcPts val="0"/>
+              </a:spcBef>
+              <a:spcAft>
+                <a:spcPts val="0"/>
+              </a:spcAft>
+              <a:buClrTx/>
+              <a:buSzTx/>
+              <a:buFontTx/>
+              <a:buNone/>
+              <a:tabLst/>
+              <a:defRPr/>
+            </a:pPr>
+            <a:r>
+              <a:rPr kumimoji="0" lang="es-PE" sz="4000" b="1" i="0" u="none" strike="noStrike" kern="1200" cap="none" spc="0" normalizeH="0" baseline="0" noProof="0" dirty="0">
+                <a:ln>
+                  <a:noFill/>
+                </a:ln>
+                <a:solidFill>
+                  <a:srgbClr val="000000"/>
+                </a:solidFill>
+                <a:effectLst/>
+                <a:uLnTx/>
+                <a:uFillTx/>
+                <a:latin typeface="Times New Roman" panose="02020603050405020304" pitchFamily="18" charset="0"/>
+                <a:ea typeface="+mn-ea"/>
+                <a:cs typeface="Times New Roman" panose="02020603050405020304" pitchFamily="18" charset="0"/>
+              </a:rPr>
+              <a:t>01</a:t>
+            </a:r>
+          </a:p>
+        </p:txBody>
+      </p:sp>
+      <p:sp>
+        <p:nvSpPr>
+          <p:cNvPr id="6" name="CuadroTexto 5">
+            <a:extLst>
+              <a:ext uri="{FF2B5EF4-FFF2-40B4-BE49-F238E27FC236}">
+                <a16:creationId xmlns:a16="http://schemas.microsoft.com/office/drawing/2014/main" id="{0DB15BD2-6E9E-F6C1-16EB-F869DA76CDCE}"/>
+              </a:ext>
+            </a:extLst>
+          </p:cNvPr>
+          <p:cNvSpPr txBox="1"/>
+          <p:nvPr/>
+        </p:nvSpPr>
+        <p:spPr>
+          <a:xfrm>
+            <a:off x="4872154" y="1978904"/>
+            <a:ext cx="3329454" cy="2061251"/>
+          </a:xfrm>
+          <a:prstGeom prst="rect">
+            <a:avLst/>
+          </a:prstGeom>
+        </p:spPr>
+        <p:style>
+          <a:lnRef idx="1">
+            <a:schemeClr val="accent5"/>
+          </a:lnRef>
+          <a:fillRef idx="2">
+            <a:schemeClr val="accent5"/>
+          </a:fillRef>
+          <a:effectRef idx="1">
+            <a:schemeClr val="accent5"/>
+          </a:effectRef>
+          <a:fontRef idx="minor">
+            <a:schemeClr val="dk1"/>
+          </a:fontRef>
+        </p:style>
+        <p:txBody>
+          <a:bodyPr wrap="square" rtlCol="0">
+            <a:spAutoFit/>
+          </a:bodyPr>
+          <a:lstStyle/>
+          <a:p>
+            <a:pPr algn="just"/>
+            <a:r>
+              <a:rPr lang="es-ES" b="0" i="0" dirty="0">
+                <a:solidFill>
+                  <a:schemeClr val="tx1"/>
+                </a:solidFill>
+                <a:effectLst/>
+                <a:latin typeface="ui-sans-serif"/>
+              </a:rPr>
+              <a:t>Es esencial establecer protocolos estandarizados para la captura de imágenes médicas, garantizando consistencia y calidad, lo que aumentará la fiabilidad y reproducibilidad de los resultados.</a:t>
+            </a:r>
+          </a:p>
+        </p:txBody>
+      </p:sp>
+      <p:sp>
+        <p:nvSpPr>
+          <p:cNvPr id="7" name="CuadroTexto 6">
+            <a:extLst>
+              <a:ext uri="{FF2B5EF4-FFF2-40B4-BE49-F238E27FC236}">
+                <a16:creationId xmlns:a16="http://schemas.microsoft.com/office/drawing/2014/main" id="{711E53B5-F144-5454-285C-8552119D6E26}"/>
+              </a:ext>
+            </a:extLst>
+          </p:cNvPr>
+          <p:cNvSpPr txBox="1"/>
+          <p:nvPr/>
+        </p:nvSpPr>
+        <p:spPr>
+          <a:xfrm>
+            <a:off x="8735668" y="1280304"/>
+            <a:ext cx="697627" cy="707886"/>
+          </a:xfrm>
+          <a:prstGeom prst="rect">
+            <a:avLst/>
+          </a:prstGeom>
+          <a:noFill/>
+        </p:spPr>
+        <p:txBody>
+          <a:bodyPr wrap="none" rtlCol="0">
+            <a:spAutoFit/>
+          </a:bodyPr>
+          <a:lstStyle/>
+          <a:p>
+            <a:pPr marL="0" marR="0" lvl="0" indent="0" algn="l" defTabSz="457200" rtl="0" eaLnBrk="1" fontAlgn="auto" latinLnBrk="0" hangingPunct="1">
+              <a:lnSpc>
+                <a:spcPct val="100000"/>
+              </a:lnSpc>
+              <a:spcBef>
+                <a:spcPts val="0"/>
+              </a:spcBef>
+              <a:spcAft>
+                <a:spcPts val="0"/>
+              </a:spcAft>
+              <a:buClrTx/>
+              <a:buSzTx/>
+              <a:buFontTx/>
+              <a:buNone/>
+              <a:tabLst/>
+              <a:defRPr/>
+            </a:pPr>
+            <a:r>
+              <a:rPr kumimoji="0" lang="es-PE" sz="4000" b="1" i="0" u="none" strike="noStrike" kern="1200" cap="none" spc="0" normalizeH="0" baseline="0" noProof="0" dirty="0">
+                <a:ln>
+                  <a:noFill/>
+                </a:ln>
+                <a:solidFill>
+                  <a:srgbClr val="000000"/>
+                </a:solidFill>
+                <a:effectLst/>
+                <a:uLnTx/>
+                <a:uFillTx/>
+                <a:latin typeface="Times New Roman" panose="02020603050405020304" pitchFamily="18" charset="0"/>
+                <a:ea typeface="+mn-ea"/>
+                <a:cs typeface="Times New Roman" panose="02020603050405020304" pitchFamily="18" charset="0"/>
+              </a:rPr>
+              <a:t>03</a:t>
+            </a:r>
+          </a:p>
+        </p:txBody>
+      </p:sp>
+      <p:sp>
+        <p:nvSpPr>
+          <p:cNvPr id="8" name="CuadroTexto 7">
+            <a:extLst>
+              <a:ext uri="{FF2B5EF4-FFF2-40B4-BE49-F238E27FC236}">
+                <a16:creationId xmlns:a16="http://schemas.microsoft.com/office/drawing/2014/main" id="{A535A58E-3577-2D7D-28F2-9F22938945AC}"/>
+              </a:ext>
+            </a:extLst>
+          </p:cNvPr>
+          <p:cNvSpPr txBox="1"/>
+          <p:nvPr/>
+        </p:nvSpPr>
+        <p:spPr>
+          <a:xfrm>
+            <a:off x="4872154" y="1203364"/>
+            <a:ext cx="697627" cy="707886"/>
+          </a:xfrm>
+          <a:prstGeom prst="rect">
+            <a:avLst/>
+          </a:prstGeom>
+          <a:noFill/>
+        </p:spPr>
+        <p:txBody>
+          <a:bodyPr wrap="none" rtlCol="0">
+            <a:spAutoFit/>
+          </a:bodyPr>
+          <a:lstStyle/>
+          <a:p>
+            <a:pPr marL="0" marR="0" lvl="0" indent="0" algn="l" defTabSz="457200" rtl="0" eaLnBrk="1" fontAlgn="auto" latinLnBrk="0" hangingPunct="1">
+              <a:lnSpc>
+                <a:spcPct val="100000"/>
+              </a:lnSpc>
+              <a:spcBef>
+                <a:spcPts val="0"/>
+              </a:spcBef>
+              <a:spcAft>
+                <a:spcPts val="0"/>
+              </a:spcAft>
+              <a:buClrTx/>
+              <a:buSzTx/>
+              <a:buFontTx/>
+              <a:buNone/>
+              <a:tabLst/>
+              <a:defRPr/>
+            </a:pPr>
+            <a:r>
+              <a:rPr kumimoji="0" lang="es-PE" sz="4000" b="1" i="0" u="none" strike="noStrike" kern="1200" cap="none" spc="0" normalizeH="0" baseline="0" noProof="0" dirty="0">
+                <a:ln>
+                  <a:noFill/>
+                </a:ln>
+                <a:solidFill>
+                  <a:srgbClr val="000000"/>
+                </a:solidFill>
+                <a:effectLst/>
+                <a:uLnTx/>
+                <a:uFillTx/>
+                <a:latin typeface="Times New Roman" panose="02020603050405020304" pitchFamily="18" charset="0"/>
+                <a:ea typeface="+mn-ea"/>
+                <a:cs typeface="Times New Roman" panose="02020603050405020304" pitchFamily="18" charset="0"/>
+              </a:rPr>
+              <a:t>02</a:t>
+            </a:r>
+          </a:p>
+        </p:txBody>
+      </p:sp>
+    </p:spTree>
+    <p:extLst>
+      <p:ext uri="{BB962C8B-B14F-4D97-AF65-F5344CB8AC3E}">
+        <p14:creationId xmlns:p14="http://schemas.microsoft.com/office/powerpoint/2010/main" val="3176617751"/>
       </p:ext>
     </p:extLst>
   </p:cSld>
@@ -8973,4 +14070,287 @@
     </a:ext>
   </a:extLst>
 </a:theme>
+</file>
+
+<file path=ppt/theme/theme2.xml><?xml version="1.0" encoding="utf-8"?>
+<a:theme xmlns:a="http://schemas.openxmlformats.org/drawingml/2006/main" name="Retrospección">
+  <a:themeElements>
+    <a:clrScheme name="Retrospect">
+      <a:dk1>
+        <a:srgbClr val="000000"/>
+      </a:dk1>
+      <a:lt1>
+        <a:sysClr val="window" lastClr="FFFFFF"/>
+      </a:lt1>
+      <a:dk2>
+        <a:srgbClr val="637052"/>
+      </a:dk2>
+      <a:lt2>
+        <a:srgbClr val="CCDDEA"/>
+      </a:lt2>
+      <a:accent1>
+        <a:srgbClr val="E48312"/>
+      </a:accent1>
+      <a:accent2>
+        <a:srgbClr val="BD582C"/>
+      </a:accent2>
+      <a:accent3>
+        <a:srgbClr val="865640"/>
+      </a:accent3>
+      <a:accent4>
+        <a:srgbClr val="9B8357"/>
+      </a:accent4>
+      <a:accent5>
+        <a:srgbClr val="C2BC80"/>
+      </a:accent5>
+      <a:accent6>
+        <a:srgbClr val="94A088"/>
+      </a:accent6>
+      <a:hlink>
+        <a:srgbClr val="2998E3"/>
+      </a:hlink>
+      <a:folHlink>
+        <a:srgbClr val="8C8C8C"/>
+      </a:folHlink>
+    </a:clrScheme>
+    <a:fontScheme name="Retrospect">
+      <a:majorFont>
+        <a:latin typeface="Calibri Light" panose="020F0302020204030204"/>
+        <a:ea typeface=""/>
+        <a:cs typeface=""/>
+        <a:font script="Jpan" typeface="ＭＳ Ｐゴシック"/>
+        <a:font script="Hang" typeface="맑은 고딕"/>
+        <a:font script="Hans" typeface="宋体"/>
+        <a:font script="Hant" typeface="新細明體"/>
+        <a:font script="Arab" typeface="Times New Roman"/>
+        <a:font script="Hebr" typeface="Times New Roman"/>
+        <a:font script="Thai" typeface="Angsana New"/>
+        <a:font script="Ethi" typeface="Nyala"/>
+        <a:font script="Beng" typeface="Vrinda"/>
+        <a:font script="Gujr" typeface="Shruti"/>
+        <a:font script="Khmr" typeface="MoolBoran"/>
+        <a:font script="Knda" typeface="Tunga"/>
+        <a:font script="Guru" typeface="Raavi"/>
+        <a:font script="Cans" typeface="Euphemia"/>
+        <a:font script="Cher" typeface="Plantagenet Cherokee"/>
+        <a:font script="Yiii" typeface="Microsoft Yi Baiti"/>
+        <a:font script="Tibt" typeface="Microsoft Himalaya"/>
+        <a:font script="Thaa" typeface="MV Boli"/>
+        <a:font script="Deva" typeface="Mangal"/>
+        <a:font script="Telu" typeface="Gautami"/>
+        <a:font script="Taml" typeface="Latha"/>
+        <a:font script="Syrc" typeface="Estrangelo Edessa"/>
+        <a:font script="Orya" typeface="Kalinga"/>
+        <a:font script="Mlym" typeface="Kartika"/>
+        <a:font script="Laoo" typeface="DokChampa"/>
+        <a:font script="Sinh" typeface="Iskoola Pota"/>
+        <a:font script="Mong" typeface="Mongolian Baiti"/>
+        <a:font script="Viet" typeface="Times New Roman"/>
+        <a:font script="Uigh" typeface="Microsoft Uighur"/>
+        <a:font script="Geor" typeface="Sylfaen"/>
+      </a:majorFont>
+      <a:minorFont>
+        <a:latin typeface="Calibri" panose="020F0502020204030204"/>
+        <a:ea typeface=""/>
+        <a:cs typeface=""/>
+        <a:font script="Jpan" typeface="ＭＳ Ｐゴシック"/>
+        <a:font script="Hang" typeface="맑은 고딕"/>
+        <a:font script="Hans" typeface="宋体"/>
+        <a:font script="Hant" typeface="新細明體"/>
+        <a:font script="Arab" typeface="Arial"/>
+        <a:font script="Hebr" typeface="Arial"/>
+        <a:font script="Thai" typeface="Cordia New"/>
+        <a:font script="Ethi" typeface="Nyala"/>
+        <a:font script="Beng" typeface="Vrinda"/>
+        <a:font script="Gujr" typeface="Shruti"/>
+        <a:font script="Khmr" typeface="DaunPenh"/>
+        <a:font script="Knda" typeface="Tunga"/>
+        <a:font script="Guru" typeface="Raavi"/>
+        <a:font script="Cans" typeface="Euphemia"/>
+        <a:font script="Cher" typeface="Plantagenet Cherokee"/>
+        <a:font script="Yiii" typeface="Microsoft Yi Baiti"/>
+        <a:font script="Tibt" typeface="Microsoft Himalaya"/>
+        <a:font script="Thaa" typeface="MV Boli"/>
+        <a:font script="Deva" typeface="Mangal"/>
+        <a:font script="Telu" typeface="Gautami"/>
+        <a:font script="Taml" typeface="Latha"/>
+        <a:font script="Syrc" typeface="Estrangelo Edessa"/>
+        <a:font script="Orya" typeface="Kalinga"/>
+        <a:font script="Mlym" typeface="Kartika"/>
+        <a:font script="Laoo" typeface="DokChampa"/>
+        <a:font script="Sinh" typeface="Iskoola Pota"/>
+        <a:font script="Mong" typeface="Mongolian Baiti"/>
+        <a:font script="Viet" typeface="Arial"/>
+        <a:font script="Uigh" typeface="Microsoft Uighur"/>
+        <a:font script="Geor" typeface="Sylfaen"/>
+      </a:minorFont>
+    </a:fontScheme>
+    <a:fmtScheme name="Retrospect">
+      <a:fillStyleLst>
+        <a:solidFill>
+          <a:schemeClr val="phClr"/>
+        </a:solidFill>
+        <a:gradFill rotWithShape="1">
+          <a:gsLst>
+            <a:gs pos="0">
+              <a:schemeClr val="phClr">
+                <a:tint val="65000"/>
+                <a:shade val="92000"/>
+                <a:satMod val="130000"/>
+              </a:schemeClr>
+            </a:gs>
+            <a:gs pos="45000">
+              <a:schemeClr val="phClr">
+                <a:tint val="60000"/>
+                <a:shade val="99000"/>
+                <a:satMod val="120000"/>
+              </a:schemeClr>
+            </a:gs>
+            <a:gs pos="100000">
+              <a:schemeClr val="phClr">
+                <a:tint val="55000"/>
+                <a:satMod val="140000"/>
+              </a:schemeClr>
+            </a:gs>
+          </a:gsLst>
+          <a:path path="circle">
+            <a:fillToRect l="100000" t="100000" r="100000" b="100000"/>
+          </a:path>
+        </a:gradFill>
+        <a:gradFill rotWithShape="1">
+          <a:gsLst>
+            <a:gs pos="0">
+              <a:schemeClr val="phClr">
+                <a:shade val="85000"/>
+                <a:satMod val="130000"/>
+              </a:schemeClr>
+            </a:gs>
+            <a:gs pos="34000">
+              <a:schemeClr val="phClr">
+                <a:shade val="87000"/>
+                <a:satMod val="125000"/>
+              </a:schemeClr>
+            </a:gs>
+            <a:gs pos="70000">
+              <a:schemeClr val="phClr">
+                <a:tint val="100000"/>
+                <a:shade val="90000"/>
+                <a:satMod val="130000"/>
+              </a:schemeClr>
+            </a:gs>
+            <a:gs pos="100000">
+              <a:schemeClr val="phClr">
+                <a:tint val="100000"/>
+                <a:shade val="100000"/>
+                <a:satMod val="110000"/>
+              </a:schemeClr>
+            </a:gs>
+          </a:gsLst>
+          <a:path path="circle">
+            <a:fillToRect l="100000" t="100000" r="100000" b="100000"/>
+          </a:path>
+        </a:gradFill>
+      </a:fillStyleLst>
+      <a:lnStyleLst>
+        <a:ln w="12700" cap="flat" cmpd="sng" algn="ctr">
+          <a:solidFill>
+            <a:schemeClr val="phClr"/>
+          </a:solidFill>
+          <a:prstDash val="solid"/>
+        </a:ln>
+        <a:ln w="15875" cap="flat" cmpd="sng" algn="ctr">
+          <a:solidFill>
+            <a:schemeClr val="phClr"/>
+          </a:solidFill>
+          <a:prstDash val="solid"/>
+        </a:ln>
+        <a:ln w="25400" cap="flat" cmpd="sng" algn="ctr">
+          <a:solidFill>
+            <a:schemeClr val="phClr"/>
+          </a:solidFill>
+          <a:prstDash val="solid"/>
+        </a:ln>
+      </a:lnStyleLst>
+      <a:effectStyleLst>
+        <a:effectStyle>
+          <a:effectLst/>
+        </a:effectStyle>
+        <a:effectStyle>
+          <a:effectLst>
+            <a:outerShdw blurRad="38100" dist="25400" dir="2700000" algn="br" rotWithShape="0">
+              <a:srgbClr val="000000">
+                <a:alpha val="60000"/>
+              </a:srgbClr>
+            </a:outerShdw>
+          </a:effectLst>
+        </a:effectStyle>
+        <a:effectStyle>
+          <a:effectLst>
+            <a:outerShdw blurRad="44450" dist="25400" dir="2700000" algn="br" rotWithShape="0">
+              <a:srgbClr val="000000">
+                <a:alpha val="60000"/>
+              </a:srgbClr>
+            </a:outerShdw>
+          </a:effectLst>
+          <a:scene3d>
+            <a:camera prst="orthographicFront">
+              <a:rot lat="0" lon="0" rev="0"/>
+            </a:camera>
+            <a:lightRig rig="threePt" dir="t">
+              <a:rot lat="0" lon="0" rev="19800000"/>
+            </a:lightRig>
+          </a:scene3d>
+          <a:sp3d prstMaterial="flat">
+            <a:bevelT w="25400" h="31750"/>
+          </a:sp3d>
+        </a:effectStyle>
+      </a:effectStyleLst>
+      <a:bgFillStyleLst>
+        <a:solidFill>
+          <a:schemeClr val="phClr"/>
+        </a:solidFill>
+        <a:solidFill>
+          <a:schemeClr val="phClr">
+            <a:tint val="90000"/>
+            <a:shade val="97000"/>
+            <a:satMod val="130000"/>
+          </a:schemeClr>
+        </a:solidFill>
+        <a:gradFill rotWithShape="1">
+          <a:gsLst>
+            <a:gs pos="0">
+              <a:schemeClr val="phClr">
+                <a:tint val="96000"/>
+                <a:shade val="99000"/>
+                <a:satMod val="140000"/>
+              </a:schemeClr>
+            </a:gs>
+            <a:gs pos="65000">
+              <a:schemeClr val="phClr">
+                <a:tint val="100000"/>
+                <a:shade val="80000"/>
+                <a:satMod val="130000"/>
+              </a:schemeClr>
+            </a:gs>
+            <a:gs pos="100000">
+              <a:schemeClr val="phClr">
+                <a:tint val="100000"/>
+                <a:shade val="48000"/>
+                <a:satMod val="120000"/>
+              </a:schemeClr>
+            </a:gs>
+          </a:gsLst>
+          <a:lin ang="16200000" scaled="0"/>
+        </a:gradFill>
+      </a:bgFillStyleLst>
+    </a:fmtScheme>
+  </a:themeElements>
+  <a:objectDefaults/>
+  <a:extraClrSchemeLst/>
+  <a:extLst>
+    <a:ext uri="{05A4C25C-085E-4340-85A3-A5531E510DB2}">
+      <thm15:themeFamily xmlns:thm15="http://schemas.microsoft.com/office/thememl/2012/main" name="Retrospect" id="{5F128B03-DCCA-4EEB-AB3B-CF2899314A46}" vid="{3F1AAB62-24C6-49D2-8E01-B56FAC9A3DCD}"/>
+    </a:ext>
+  </a:extLst>
+</a:theme>
 </file>
--- a/informe/Proyecto_Final_Santamaria_Siesquen_Final.pptx
+++ b/informe/Proyecto_Final_Santamaria_Siesquen_Final.pptx
@@ -19,11 +19,12 @@
     <p:sldId id="268" r:id="rId13"/>
     <p:sldId id="266" r:id="rId14"/>
     <p:sldId id="293" r:id="rId15"/>
-    <p:sldId id="294" r:id="rId16"/>
-    <p:sldId id="295" r:id="rId17"/>
-    <p:sldId id="264" r:id="rId18"/>
-    <p:sldId id="296" r:id="rId19"/>
-    <p:sldId id="297" r:id="rId20"/>
+    <p:sldId id="298" r:id="rId16"/>
+    <p:sldId id="294" r:id="rId17"/>
+    <p:sldId id="295" r:id="rId18"/>
+    <p:sldId id="264" r:id="rId19"/>
+    <p:sldId id="296" r:id="rId20"/>
+    <p:sldId id="297" r:id="rId21"/>
   </p:sldIdLst>
   <p:sldSz cx="12192000" cy="6858000"/>
   <p:notesSz cx="6858000" cy="9144000"/>
@@ -8754,8 +8755,8 @@
         </p:nvSpPr>
         <p:spPr>
           <a:xfrm>
-            <a:off x="93305" y="550506"/>
-            <a:ext cx="1985287" cy="400110"/>
+            <a:off x="60647" y="550506"/>
+            <a:ext cx="4723729" cy="400110"/>
           </a:xfrm>
           <a:prstGeom prst="rect">
             <a:avLst/>
@@ -8773,7 +8774,7 @@
                 <a:latin typeface="Times New Roman" panose="02020603050405020304" pitchFamily="18" charset="0"/>
                 <a:cs typeface="Times New Roman" panose="02020603050405020304" pitchFamily="18" charset="0"/>
               </a:rPr>
-              <a:t>SISTEMA WEB</a:t>
+              <a:t>METODOLOGÍA DE LA APLICACIÓN</a:t>
             </a:r>
           </a:p>
         </p:txBody>
@@ -8792,6 +8793,1229 @@
         </p:nvSpPr>
         <p:spPr>
           <a:xfrm>
+            <a:off x="4354362" y="6342584"/>
+            <a:ext cx="2148345" cy="307777"/>
+          </a:xfrm>
+          <a:prstGeom prst="rect">
+            <a:avLst/>
+          </a:prstGeom>
+          <a:noFill/>
+        </p:spPr>
+        <p:txBody>
+          <a:bodyPr wrap="none" rtlCol="0">
+            <a:spAutoFit/>
+          </a:bodyPr>
+          <a:lstStyle/>
+          <a:p>
+            <a:r>
+              <a:rPr lang="es-PE" sz="1400" b="0" i="0" u="none" strike="noStrike" baseline="0" dirty="0">
+                <a:solidFill>
+                  <a:srgbClr val="000000"/>
+                </a:solidFill>
+                <a:latin typeface="Times New Roman" panose="02020603050405020304" pitchFamily="18" charset="0"/>
+                <a:cs typeface="Times New Roman" panose="02020603050405020304" pitchFamily="18" charset="0"/>
+              </a:rPr>
+              <a:t>Fuente: Elaboración Propia</a:t>
+            </a:r>
+            <a:endParaRPr lang="es-PE" sz="1400" dirty="0">
+              <a:latin typeface="Times New Roman" panose="02020603050405020304" pitchFamily="18" charset="0"/>
+              <a:cs typeface="Times New Roman" panose="02020603050405020304" pitchFamily="18" charset="0"/>
+            </a:endParaRPr>
+          </a:p>
+        </p:txBody>
+      </p:sp>
+      <p:cxnSp>
+        <p:nvCxnSpPr>
+          <p:cNvPr id="21" name="Conector recto de flecha 20">
+            <a:extLst>
+              <a:ext uri="{FF2B5EF4-FFF2-40B4-BE49-F238E27FC236}">
+                <a16:creationId xmlns:a16="http://schemas.microsoft.com/office/drawing/2014/main" id="{78ADA8B2-6CAB-F54E-E0EF-D243351BCDF4}"/>
+              </a:ext>
+            </a:extLst>
+          </p:cNvPr>
+          <p:cNvCxnSpPr>
+            <a:cxnSpLocks/>
+          </p:cNvCxnSpPr>
+          <p:nvPr/>
+        </p:nvCxnSpPr>
+        <p:spPr>
+          <a:xfrm>
+            <a:off x="2134568" y="3458951"/>
+            <a:ext cx="621370" cy="0"/>
+          </a:xfrm>
+          <a:prstGeom prst="straightConnector1">
+            <a:avLst/>
+          </a:prstGeom>
+          <a:ln>
+            <a:tailEnd type="triangle"/>
+          </a:ln>
+        </p:spPr>
+        <p:style>
+          <a:lnRef idx="1">
+            <a:schemeClr val="accent1"/>
+          </a:lnRef>
+          <a:fillRef idx="0">
+            <a:schemeClr val="accent1"/>
+          </a:fillRef>
+          <a:effectRef idx="0">
+            <a:schemeClr val="accent1"/>
+          </a:effectRef>
+          <a:fontRef idx="minor">
+            <a:schemeClr val="tx1"/>
+          </a:fontRef>
+        </p:style>
+      </p:cxnSp>
+      <p:grpSp>
+        <p:nvGrpSpPr>
+          <p:cNvPr id="34" name="Grupo 33">
+            <a:extLst>
+              <a:ext uri="{FF2B5EF4-FFF2-40B4-BE49-F238E27FC236}">
+                <a16:creationId xmlns:a16="http://schemas.microsoft.com/office/drawing/2014/main" id="{B6E8E295-09F6-9067-30B2-43D25FA88E6B}"/>
+              </a:ext>
+            </a:extLst>
+          </p:cNvPr>
+          <p:cNvGrpSpPr/>
+          <p:nvPr/>
+        </p:nvGrpSpPr>
+        <p:grpSpPr>
+          <a:xfrm>
+            <a:off x="1011961" y="2937650"/>
+            <a:ext cx="1265090" cy="959845"/>
+            <a:chOff x="668298" y="2114716"/>
+            <a:chExt cx="1265090" cy="959845"/>
+          </a:xfrm>
+        </p:grpSpPr>
+        <p:pic>
+          <p:nvPicPr>
+            <p:cNvPr id="26" name="Imagen 25" descr="Imagen que contiene tarjeta de presentación&#10;&#10;Descripción generada automáticamente">
+              <a:extLst>
+                <a:ext uri="{FF2B5EF4-FFF2-40B4-BE49-F238E27FC236}">
+                  <a16:creationId xmlns:a16="http://schemas.microsoft.com/office/drawing/2014/main" id="{F0870BC5-D8B4-3670-0512-7FF12B0CB810}"/>
+                </a:ext>
+              </a:extLst>
+            </p:cNvPr>
+            <p:cNvPicPr>
+              <a:picLocks noChangeAspect="1"/>
+            </p:cNvPicPr>
+            <p:nvPr/>
+          </p:nvPicPr>
+          <p:blipFill>
+            <a:blip r:embed="rId2"/>
+            <a:stretch>
+              <a:fillRect/>
+            </a:stretch>
+          </p:blipFill>
+          <p:spPr>
+            <a:xfrm>
+              <a:off x="968829" y="2283538"/>
+              <a:ext cx="664028" cy="664028"/>
+            </a:xfrm>
+            <a:prstGeom prst="rect">
+              <a:avLst/>
+            </a:prstGeom>
+          </p:spPr>
+        </p:pic>
+        <p:sp>
+          <p:nvSpPr>
+            <p:cNvPr id="27" name="CuadroTexto 26">
+              <a:extLst>
+                <a:ext uri="{FF2B5EF4-FFF2-40B4-BE49-F238E27FC236}">
+                  <a16:creationId xmlns:a16="http://schemas.microsoft.com/office/drawing/2014/main" id="{006F7821-3B17-23BE-D065-E4BF5554761D}"/>
+                </a:ext>
+              </a:extLst>
+            </p:cNvPr>
+            <p:cNvSpPr txBox="1"/>
+            <p:nvPr/>
+          </p:nvSpPr>
+          <p:spPr>
+            <a:xfrm>
+              <a:off x="865371" y="2114716"/>
+              <a:ext cx="870944" cy="276999"/>
+            </a:xfrm>
+            <a:prstGeom prst="rect">
+              <a:avLst/>
+            </a:prstGeom>
+            <a:noFill/>
+          </p:spPr>
+          <p:txBody>
+            <a:bodyPr wrap="none" rtlCol="0">
+              <a:spAutoFit/>
+            </a:bodyPr>
+            <a:lstStyle/>
+            <a:p>
+              <a:r>
+                <a:rPr lang="es-PE" sz="1200" b="1" dirty="0"/>
+                <a:t>Windows</a:t>
+              </a:r>
+              <a:endParaRPr lang="es-ES" b="1" dirty="0"/>
+            </a:p>
+          </p:txBody>
+        </p:sp>
+        <p:sp>
+          <p:nvSpPr>
+            <p:cNvPr id="28" name="CuadroTexto 27">
+              <a:extLst>
+                <a:ext uri="{FF2B5EF4-FFF2-40B4-BE49-F238E27FC236}">
+                  <a16:creationId xmlns:a16="http://schemas.microsoft.com/office/drawing/2014/main" id="{E8B8FFE2-6C2B-264D-1502-CCCE3B9B130C}"/>
+                </a:ext>
+              </a:extLst>
+            </p:cNvPr>
+            <p:cNvSpPr txBox="1"/>
+            <p:nvPr/>
+          </p:nvSpPr>
+          <p:spPr>
+            <a:xfrm>
+              <a:off x="668298" y="2828340"/>
+              <a:ext cx="1265090" cy="246221"/>
+            </a:xfrm>
+            <a:prstGeom prst="rect">
+              <a:avLst/>
+            </a:prstGeom>
+            <a:noFill/>
+          </p:spPr>
+          <p:txBody>
+            <a:bodyPr wrap="none" rtlCol="0">
+              <a:spAutoFit/>
+            </a:bodyPr>
+            <a:lstStyle/>
+            <a:p>
+              <a:r>
+                <a:rPr lang="es-PE" sz="1000" dirty="0"/>
+                <a:t>Sistema Operativo</a:t>
+              </a:r>
+              <a:endParaRPr lang="es-ES" sz="1000" dirty="0"/>
+            </a:p>
+          </p:txBody>
+        </p:sp>
+      </p:grpSp>
+      <p:grpSp>
+        <p:nvGrpSpPr>
+          <p:cNvPr id="33" name="Grupo 32">
+            <a:extLst>
+              <a:ext uri="{FF2B5EF4-FFF2-40B4-BE49-F238E27FC236}">
+                <a16:creationId xmlns:a16="http://schemas.microsoft.com/office/drawing/2014/main" id="{6F9F3B4E-5626-C029-4558-08F765268263}"/>
+              </a:ext>
+            </a:extLst>
+          </p:cNvPr>
+          <p:cNvGrpSpPr/>
+          <p:nvPr/>
+        </p:nvGrpSpPr>
+        <p:grpSpPr>
+          <a:xfrm>
+            <a:off x="2755938" y="2891256"/>
+            <a:ext cx="934871" cy="1094460"/>
+            <a:chOff x="2153754" y="1976216"/>
+            <a:chExt cx="934871" cy="1094460"/>
+          </a:xfrm>
+        </p:grpSpPr>
+        <p:pic>
+          <p:nvPicPr>
+            <p:cNvPr id="30" name="Imagen 29" descr="Icono&#10;&#10;Descripción generada automáticamente">
+              <a:extLst>
+                <a:ext uri="{FF2B5EF4-FFF2-40B4-BE49-F238E27FC236}">
+                  <a16:creationId xmlns:a16="http://schemas.microsoft.com/office/drawing/2014/main" id="{E9F3E86C-5133-291C-D38D-2CFE812E3E13}"/>
+                </a:ext>
+              </a:extLst>
+            </p:cNvPr>
+            <p:cNvPicPr>
+              <a:picLocks noChangeAspect="1"/>
+            </p:cNvPicPr>
+            <p:nvPr/>
+          </p:nvPicPr>
+          <p:blipFill>
+            <a:blip r:embed="rId3"/>
+            <a:stretch>
+              <a:fillRect/>
+            </a:stretch>
+          </p:blipFill>
+          <p:spPr>
+            <a:xfrm>
+              <a:off x="2310505" y="2259305"/>
+              <a:ext cx="621370" cy="621370"/>
+            </a:xfrm>
+            <a:prstGeom prst="rect">
+              <a:avLst/>
+            </a:prstGeom>
+          </p:spPr>
+        </p:pic>
+        <p:sp>
+          <p:nvSpPr>
+            <p:cNvPr id="31" name="CuadroTexto 30">
+              <a:extLst>
+                <a:ext uri="{FF2B5EF4-FFF2-40B4-BE49-F238E27FC236}">
+                  <a16:creationId xmlns:a16="http://schemas.microsoft.com/office/drawing/2014/main" id="{9C70956C-9865-3A92-FEA0-756500F8AB65}"/>
+                </a:ext>
+              </a:extLst>
+            </p:cNvPr>
+            <p:cNvSpPr txBox="1"/>
+            <p:nvPr/>
+          </p:nvSpPr>
+          <p:spPr>
+            <a:xfrm>
+              <a:off x="2153754" y="1976216"/>
+              <a:ext cx="934871" cy="276999"/>
+            </a:xfrm>
+            <a:prstGeom prst="rect">
+              <a:avLst/>
+            </a:prstGeom>
+            <a:noFill/>
+          </p:spPr>
+          <p:txBody>
+            <a:bodyPr wrap="none" rtlCol="0">
+              <a:spAutoFit/>
+            </a:bodyPr>
+            <a:lstStyle/>
+            <a:p>
+              <a:r>
+                <a:rPr lang="es-PE" sz="1200" b="1" dirty="0"/>
+                <a:t>Anaconda</a:t>
+              </a:r>
+              <a:endParaRPr lang="es-ES" b="1" dirty="0"/>
+            </a:p>
+          </p:txBody>
+        </p:sp>
+        <p:sp>
+          <p:nvSpPr>
+            <p:cNvPr id="32" name="CuadroTexto 31">
+              <a:extLst>
+                <a:ext uri="{FF2B5EF4-FFF2-40B4-BE49-F238E27FC236}">
+                  <a16:creationId xmlns:a16="http://schemas.microsoft.com/office/drawing/2014/main" id="{30157C9F-4A40-6E4D-FDE2-9C482F20B535}"/>
+                </a:ext>
+              </a:extLst>
+            </p:cNvPr>
+            <p:cNvSpPr txBox="1"/>
+            <p:nvPr/>
+          </p:nvSpPr>
+          <p:spPr>
+            <a:xfrm>
+              <a:off x="2218674" y="2824455"/>
+              <a:ext cx="805029" cy="246221"/>
+            </a:xfrm>
+            <a:prstGeom prst="rect">
+              <a:avLst/>
+            </a:prstGeom>
+            <a:noFill/>
+          </p:spPr>
+          <p:txBody>
+            <a:bodyPr wrap="none" rtlCol="0">
+              <a:spAutoFit/>
+            </a:bodyPr>
+            <a:lstStyle/>
+            <a:p>
+              <a:r>
+                <a:rPr lang="es-PE" sz="1000" dirty="0"/>
+                <a:t>Desarrollo</a:t>
+              </a:r>
+              <a:endParaRPr lang="es-ES" sz="1000" dirty="0"/>
+            </a:p>
+          </p:txBody>
+        </p:sp>
+      </p:grpSp>
+      <p:grpSp>
+        <p:nvGrpSpPr>
+          <p:cNvPr id="46" name="Grupo 45">
+            <a:extLst>
+              <a:ext uri="{FF2B5EF4-FFF2-40B4-BE49-F238E27FC236}">
+                <a16:creationId xmlns:a16="http://schemas.microsoft.com/office/drawing/2014/main" id="{08428AD7-74AC-0059-092F-AE3C7489F20F}"/>
+              </a:ext>
+            </a:extLst>
+          </p:cNvPr>
+          <p:cNvGrpSpPr/>
+          <p:nvPr/>
+        </p:nvGrpSpPr>
+        <p:grpSpPr>
+          <a:xfrm>
+            <a:off x="8642008" y="2209264"/>
+            <a:ext cx="1373837" cy="1179957"/>
+            <a:chOff x="6411332" y="1440756"/>
+            <a:chExt cx="1297150" cy="1102269"/>
+          </a:xfrm>
+        </p:grpSpPr>
+        <p:pic>
+          <p:nvPicPr>
+            <p:cNvPr id="36" name="Imagen 35" descr="Icono&#10;&#10;Descripción generada automáticamente">
+              <a:extLst>
+                <a:ext uri="{FF2B5EF4-FFF2-40B4-BE49-F238E27FC236}">
+                  <a16:creationId xmlns:a16="http://schemas.microsoft.com/office/drawing/2014/main" id="{16E168F7-1D54-5861-7142-6D12C752269A}"/>
+                </a:ext>
+              </a:extLst>
+            </p:cNvPr>
+            <p:cNvPicPr>
+              <a:picLocks noChangeAspect="1"/>
+            </p:cNvPicPr>
+            <p:nvPr/>
+          </p:nvPicPr>
+          <p:blipFill>
+            <a:blip r:embed="rId4"/>
+            <a:stretch>
+              <a:fillRect/>
+            </a:stretch>
+          </p:blipFill>
+          <p:spPr>
+            <a:xfrm>
+              <a:off x="6739605" y="1902421"/>
+              <a:ext cx="640604" cy="640604"/>
+            </a:xfrm>
+            <a:prstGeom prst="rect">
+              <a:avLst/>
+            </a:prstGeom>
+          </p:spPr>
+        </p:pic>
+        <p:sp>
+          <p:nvSpPr>
+            <p:cNvPr id="37" name="CuadroTexto 36">
+              <a:extLst>
+                <a:ext uri="{FF2B5EF4-FFF2-40B4-BE49-F238E27FC236}">
+                  <a16:creationId xmlns:a16="http://schemas.microsoft.com/office/drawing/2014/main" id="{4C0B0F9E-DB48-1CDB-68F5-0CA3EDCF1F50}"/>
+                </a:ext>
+              </a:extLst>
+            </p:cNvPr>
+            <p:cNvSpPr txBox="1"/>
+            <p:nvPr/>
+          </p:nvSpPr>
+          <p:spPr>
+            <a:xfrm>
+              <a:off x="6411332" y="1440756"/>
+              <a:ext cx="1297150" cy="461665"/>
+            </a:xfrm>
+            <a:prstGeom prst="rect">
+              <a:avLst/>
+            </a:prstGeom>
+            <a:noFill/>
+          </p:spPr>
+          <p:txBody>
+            <a:bodyPr wrap="none" rtlCol="0">
+              <a:spAutoFit/>
+            </a:bodyPr>
+            <a:lstStyle/>
+            <a:p>
+              <a:pPr algn="ctr"/>
+              <a:r>
+                <a:rPr lang="es-PE" sz="1200" b="1" dirty="0"/>
+                <a:t>Firebase </a:t>
+              </a:r>
+            </a:p>
+            <a:p>
+              <a:pPr algn="ctr"/>
+              <a:r>
+                <a:rPr lang="es-PE" sz="1200" b="1" dirty="0"/>
+                <a:t>Authentication</a:t>
+              </a:r>
+              <a:endParaRPr lang="es-ES" b="1" dirty="0"/>
+            </a:p>
+          </p:txBody>
+        </p:sp>
+      </p:grpSp>
+      <p:grpSp>
+        <p:nvGrpSpPr>
+          <p:cNvPr id="49" name="Grupo 48">
+            <a:extLst>
+              <a:ext uri="{FF2B5EF4-FFF2-40B4-BE49-F238E27FC236}">
+                <a16:creationId xmlns:a16="http://schemas.microsoft.com/office/drawing/2014/main" id="{B1BADBD1-AFD5-2F61-41A2-89A1FA262627}"/>
+              </a:ext>
+            </a:extLst>
+          </p:cNvPr>
+          <p:cNvGrpSpPr/>
+          <p:nvPr/>
+        </p:nvGrpSpPr>
+        <p:grpSpPr>
+          <a:xfrm>
+            <a:off x="5413051" y="1784780"/>
+            <a:ext cx="1016432" cy="3783404"/>
+            <a:chOff x="4110034" y="1763922"/>
+            <a:chExt cx="1016432" cy="3783404"/>
+          </a:xfrm>
+        </p:grpSpPr>
+        <p:grpSp>
+          <p:nvGrpSpPr>
+            <p:cNvPr id="24" name="Grupo 23">
+              <a:extLst>
+                <a:ext uri="{FF2B5EF4-FFF2-40B4-BE49-F238E27FC236}">
+                  <a16:creationId xmlns:a16="http://schemas.microsoft.com/office/drawing/2014/main" id="{AF31D1D5-5BB6-A15A-7BC4-67FA702F28C5}"/>
+                </a:ext>
+              </a:extLst>
+            </p:cNvPr>
+            <p:cNvGrpSpPr/>
+            <p:nvPr/>
+          </p:nvGrpSpPr>
+          <p:grpSpPr>
+            <a:xfrm>
+              <a:off x="4206838" y="1763922"/>
+              <a:ext cx="712054" cy="779103"/>
+              <a:chOff x="959785" y="2821347"/>
+              <a:chExt cx="712054" cy="779103"/>
+            </a:xfrm>
+          </p:grpSpPr>
+          <p:pic>
+            <p:nvPicPr>
+              <p:cNvPr id="11" name="Gráfico 10">
+                <a:extLst>
+                  <a:ext uri="{FF2B5EF4-FFF2-40B4-BE49-F238E27FC236}">
+                    <a16:creationId xmlns:a16="http://schemas.microsoft.com/office/drawing/2014/main" id="{D4A56704-3D83-96CF-FA93-6421E4528376}"/>
+                  </a:ext>
+                </a:extLst>
+              </p:cNvPr>
+              <p:cNvPicPr>
+                <a:picLocks noChangeAspect="1"/>
+              </p:cNvPicPr>
+              <p:nvPr/>
+            </p:nvPicPr>
+            <p:blipFill>
+              <a:blip r:embed="rId5">
+                <a:extLst>
+                  <a:ext uri="{96DAC541-7B7A-43D3-8B79-37D633B846F1}">
+                    <asvg:svgBlip xmlns:asvg="http://schemas.microsoft.com/office/drawing/2016/SVG/main" r:embed="rId6"/>
+                  </a:ext>
+                </a:extLst>
+              </a:blip>
+              <a:stretch>
+                <a:fillRect/>
+              </a:stretch>
+            </p:blipFill>
+            <p:spPr>
+              <a:xfrm>
+                <a:off x="1058638" y="3098346"/>
+                <a:ext cx="502104" cy="502104"/>
+              </a:xfrm>
+              <a:prstGeom prst="rect">
+                <a:avLst/>
+              </a:prstGeom>
+            </p:spPr>
+          </p:pic>
+          <p:sp>
+            <p:nvSpPr>
+              <p:cNvPr id="12" name="CuadroTexto 11">
+                <a:extLst>
+                  <a:ext uri="{FF2B5EF4-FFF2-40B4-BE49-F238E27FC236}">
+                    <a16:creationId xmlns:a16="http://schemas.microsoft.com/office/drawing/2014/main" id="{E11AA0C1-D776-0A21-1CAA-16AE6AF21BC5}"/>
+                  </a:ext>
+                </a:extLst>
+              </p:cNvPr>
+              <p:cNvSpPr txBox="1"/>
+              <p:nvPr/>
+            </p:nvSpPr>
+            <p:spPr>
+              <a:xfrm>
+                <a:off x="959785" y="2821347"/>
+                <a:ext cx="712054" cy="276999"/>
+              </a:xfrm>
+              <a:prstGeom prst="rect">
+                <a:avLst/>
+              </a:prstGeom>
+              <a:noFill/>
+            </p:spPr>
+            <p:txBody>
+              <a:bodyPr wrap="none" rtlCol="0">
+                <a:spAutoFit/>
+              </a:bodyPr>
+              <a:lstStyle/>
+              <a:p>
+                <a:r>
+                  <a:rPr lang="es-PE" sz="1200" b="1" dirty="0"/>
+                  <a:t>Python</a:t>
+                </a:r>
+                <a:endParaRPr lang="es-ES" b="1" dirty="0"/>
+              </a:p>
+            </p:txBody>
+          </p:sp>
+        </p:grpSp>
+        <p:grpSp>
+          <p:nvGrpSpPr>
+            <p:cNvPr id="23" name="Grupo 22">
+              <a:extLst>
+                <a:ext uri="{FF2B5EF4-FFF2-40B4-BE49-F238E27FC236}">
+                  <a16:creationId xmlns:a16="http://schemas.microsoft.com/office/drawing/2014/main" id="{6FD085E1-8909-A37E-46ED-A5DC315ED5A1}"/>
+                </a:ext>
+              </a:extLst>
+            </p:cNvPr>
+            <p:cNvGrpSpPr/>
+            <p:nvPr/>
+          </p:nvGrpSpPr>
+          <p:grpSpPr>
+            <a:xfrm>
+              <a:off x="4231435" y="2639886"/>
+              <a:ext cx="729815" cy="789114"/>
+              <a:chOff x="2157620" y="2790244"/>
+              <a:chExt cx="729815" cy="789114"/>
+            </a:xfrm>
+          </p:grpSpPr>
+          <p:pic>
+            <p:nvPicPr>
+              <p:cNvPr id="17" name="Imagen 16" descr="Dibujo con letras blancas&#10;&#10;Descripción generada automáticamente con confianza media">
+                <a:extLst>
+                  <a:ext uri="{FF2B5EF4-FFF2-40B4-BE49-F238E27FC236}">
+                    <a16:creationId xmlns:a16="http://schemas.microsoft.com/office/drawing/2014/main" id="{B4374C0F-01B2-434C-4ECE-23D6BBFCC2E5}"/>
+                  </a:ext>
+                </a:extLst>
+              </p:cNvPr>
+              <p:cNvPicPr>
+                <a:picLocks noChangeAspect="1"/>
+              </p:cNvPicPr>
+              <p:nvPr/>
+            </p:nvPicPr>
+            <p:blipFill>
+              <a:blip r:embed="rId7"/>
+              <a:stretch>
+                <a:fillRect/>
+              </a:stretch>
+            </p:blipFill>
+            <p:spPr>
+              <a:xfrm>
+                <a:off x="2280547" y="3119437"/>
+                <a:ext cx="459921" cy="459921"/>
+              </a:xfrm>
+              <a:prstGeom prst="rect">
+                <a:avLst/>
+              </a:prstGeom>
+            </p:spPr>
+          </p:pic>
+          <p:sp>
+            <p:nvSpPr>
+              <p:cNvPr id="18" name="CuadroTexto 17">
+                <a:extLst>
+                  <a:ext uri="{FF2B5EF4-FFF2-40B4-BE49-F238E27FC236}">
+                    <a16:creationId xmlns:a16="http://schemas.microsoft.com/office/drawing/2014/main" id="{59B017B4-DE8D-9889-6185-249A2B2CCA2E}"/>
+                  </a:ext>
+                </a:extLst>
+              </p:cNvPr>
+              <p:cNvSpPr txBox="1"/>
+              <p:nvPr/>
+            </p:nvSpPr>
+            <p:spPr>
+              <a:xfrm>
+                <a:off x="2157620" y="2790244"/>
+                <a:ext cx="729815" cy="276999"/>
+              </a:xfrm>
+              <a:prstGeom prst="rect">
+                <a:avLst/>
+              </a:prstGeom>
+              <a:noFill/>
+            </p:spPr>
+            <p:txBody>
+              <a:bodyPr wrap="none" rtlCol="0">
+                <a:spAutoFit/>
+              </a:bodyPr>
+              <a:lstStyle/>
+              <a:p>
+                <a:r>
+                  <a:rPr lang="es-PE" sz="1200" b="1" dirty="0"/>
+                  <a:t>Django</a:t>
+                </a:r>
+                <a:endParaRPr lang="es-ES" b="1" dirty="0"/>
+              </a:p>
+            </p:txBody>
+          </p:sp>
+        </p:grpSp>
+        <p:grpSp>
+          <p:nvGrpSpPr>
+            <p:cNvPr id="41" name="Grupo 40">
+              <a:extLst>
+                <a:ext uri="{FF2B5EF4-FFF2-40B4-BE49-F238E27FC236}">
+                  <a16:creationId xmlns:a16="http://schemas.microsoft.com/office/drawing/2014/main" id="{52F3710F-C20B-3990-A335-ABD9142FCAE1}"/>
+                </a:ext>
+              </a:extLst>
+            </p:cNvPr>
+            <p:cNvGrpSpPr/>
+            <p:nvPr/>
+          </p:nvGrpSpPr>
+          <p:grpSpPr>
+            <a:xfrm>
+              <a:off x="4269909" y="3634429"/>
+              <a:ext cx="628826" cy="830380"/>
+              <a:chOff x="4282006" y="4296500"/>
+              <a:chExt cx="628826" cy="830380"/>
+            </a:xfrm>
+          </p:grpSpPr>
+          <p:pic>
+            <p:nvPicPr>
+              <p:cNvPr id="39" name="Imagen 38" descr="Logotipo&#10;&#10;Descripción generada automáticamente">
+                <a:extLst>
+                  <a:ext uri="{FF2B5EF4-FFF2-40B4-BE49-F238E27FC236}">
+                    <a16:creationId xmlns:a16="http://schemas.microsoft.com/office/drawing/2014/main" id="{B3A32712-EDE5-BB44-B680-17AB7430C7E7}"/>
+                  </a:ext>
+                </a:extLst>
+              </p:cNvPr>
+              <p:cNvPicPr>
+                <a:picLocks noChangeAspect="1"/>
+              </p:cNvPicPr>
+              <p:nvPr/>
+            </p:nvPicPr>
+            <p:blipFill>
+              <a:blip r:embed="rId8"/>
+              <a:stretch>
+                <a:fillRect/>
+              </a:stretch>
+            </p:blipFill>
+            <p:spPr>
+              <a:xfrm>
+                <a:off x="4354362" y="4611003"/>
+                <a:ext cx="515877" cy="515877"/>
+              </a:xfrm>
+              <a:prstGeom prst="rect">
+                <a:avLst/>
+              </a:prstGeom>
+            </p:spPr>
+          </p:pic>
+          <p:sp>
+            <p:nvSpPr>
+              <p:cNvPr id="40" name="CuadroTexto 39">
+                <a:extLst>
+                  <a:ext uri="{FF2B5EF4-FFF2-40B4-BE49-F238E27FC236}">
+                    <a16:creationId xmlns:a16="http://schemas.microsoft.com/office/drawing/2014/main" id="{2E32F743-6E59-7DCE-094D-9CB0090D6155}"/>
+                  </a:ext>
+                </a:extLst>
+              </p:cNvPr>
+              <p:cNvSpPr txBox="1"/>
+              <p:nvPr/>
+            </p:nvSpPr>
+            <p:spPr>
+              <a:xfrm>
+                <a:off x="4282006" y="4296500"/>
+                <a:ext cx="628826" cy="276999"/>
+              </a:xfrm>
+              <a:prstGeom prst="rect">
+                <a:avLst/>
+              </a:prstGeom>
+              <a:noFill/>
+            </p:spPr>
+            <p:txBody>
+              <a:bodyPr wrap="none" rtlCol="0">
+                <a:spAutoFit/>
+              </a:bodyPr>
+              <a:lstStyle/>
+              <a:p>
+                <a:r>
+                  <a:rPr lang="es-PE" sz="1200" b="1" dirty="0"/>
+                  <a:t>Keras</a:t>
+                </a:r>
+                <a:endParaRPr lang="es-ES" b="1" dirty="0"/>
+              </a:p>
+            </p:txBody>
+          </p:sp>
+        </p:grpSp>
+        <p:grpSp>
+          <p:nvGrpSpPr>
+            <p:cNvPr id="45" name="Grupo 44">
+              <a:extLst>
+                <a:ext uri="{FF2B5EF4-FFF2-40B4-BE49-F238E27FC236}">
+                  <a16:creationId xmlns:a16="http://schemas.microsoft.com/office/drawing/2014/main" id="{0F116A28-0513-24B6-27E7-80E3F4FF69CA}"/>
+                </a:ext>
+              </a:extLst>
+            </p:cNvPr>
+            <p:cNvGrpSpPr/>
+            <p:nvPr/>
+          </p:nvGrpSpPr>
+          <p:grpSpPr>
+            <a:xfrm>
+              <a:off x="4110034" y="4680927"/>
+              <a:ext cx="1016432" cy="866399"/>
+              <a:chOff x="4110034" y="4680927"/>
+              <a:chExt cx="1016432" cy="866399"/>
+            </a:xfrm>
+          </p:grpSpPr>
+          <p:pic>
+            <p:nvPicPr>
+              <p:cNvPr id="43" name="Imagen 42" descr="Logotipo&#10;&#10;Descripción generada automáticamente">
+                <a:extLst>
+                  <a:ext uri="{FF2B5EF4-FFF2-40B4-BE49-F238E27FC236}">
+                    <a16:creationId xmlns:a16="http://schemas.microsoft.com/office/drawing/2014/main" id="{8F2E4155-6ED2-4361-2D2B-68AF3029D0AE}"/>
+                  </a:ext>
+                </a:extLst>
+              </p:cNvPr>
+              <p:cNvPicPr>
+                <a:picLocks noChangeAspect="1"/>
+              </p:cNvPicPr>
+              <p:nvPr/>
+            </p:nvPicPr>
+            <p:blipFill>
+              <a:blip r:embed="rId9"/>
+              <a:stretch>
+                <a:fillRect/>
+              </a:stretch>
+            </p:blipFill>
+            <p:spPr>
+              <a:xfrm>
+                <a:off x="4337766" y="4986357"/>
+                <a:ext cx="560969" cy="560969"/>
+              </a:xfrm>
+              <a:prstGeom prst="rect">
+                <a:avLst/>
+              </a:prstGeom>
+            </p:spPr>
+          </p:pic>
+          <p:sp>
+            <p:nvSpPr>
+              <p:cNvPr id="44" name="CuadroTexto 43">
+                <a:extLst>
+                  <a:ext uri="{FF2B5EF4-FFF2-40B4-BE49-F238E27FC236}">
+                    <a16:creationId xmlns:a16="http://schemas.microsoft.com/office/drawing/2014/main" id="{15D5A6EF-0DCF-1B9F-D21E-E3C502421383}"/>
+                  </a:ext>
+                </a:extLst>
+              </p:cNvPr>
+              <p:cNvSpPr txBox="1"/>
+              <p:nvPr/>
+            </p:nvSpPr>
+            <p:spPr>
+              <a:xfrm>
+                <a:off x="4110034" y="4680927"/>
+                <a:ext cx="1016432" cy="276999"/>
+              </a:xfrm>
+              <a:prstGeom prst="rect">
+                <a:avLst/>
+              </a:prstGeom>
+              <a:noFill/>
+            </p:spPr>
+            <p:txBody>
+              <a:bodyPr wrap="none" rtlCol="0">
+                <a:spAutoFit/>
+              </a:bodyPr>
+              <a:lstStyle/>
+              <a:p>
+                <a:r>
+                  <a:rPr lang="es-PE" sz="1200" b="1" dirty="0"/>
+                  <a:t>Tensorflow</a:t>
+                </a:r>
+                <a:endParaRPr lang="es-ES" b="1" dirty="0"/>
+              </a:p>
+            </p:txBody>
+          </p:sp>
+        </p:grpSp>
+      </p:grpSp>
+      <p:cxnSp>
+        <p:nvCxnSpPr>
+          <p:cNvPr id="47" name="Conector recto de flecha 46">
+            <a:extLst>
+              <a:ext uri="{FF2B5EF4-FFF2-40B4-BE49-F238E27FC236}">
+                <a16:creationId xmlns:a16="http://schemas.microsoft.com/office/drawing/2014/main" id="{637C5FD2-77B9-24D1-CFCB-E0B2339CAC44}"/>
+              </a:ext>
+            </a:extLst>
+          </p:cNvPr>
+          <p:cNvCxnSpPr>
+            <a:cxnSpLocks/>
+          </p:cNvCxnSpPr>
+          <p:nvPr/>
+        </p:nvCxnSpPr>
+        <p:spPr>
+          <a:xfrm>
+            <a:off x="3870840" y="3458951"/>
+            <a:ext cx="621370" cy="0"/>
+          </a:xfrm>
+          <a:prstGeom prst="straightConnector1">
+            <a:avLst/>
+          </a:prstGeom>
+          <a:ln>
+            <a:tailEnd type="triangle"/>
+          </a:ln>
+        </p:spPr>
+        <p:style>
+          <a:lnRef idx="1">
+            <a:schemeClr val="accent1"/>
+          </a:lnRef>
+          <a:fillRef idx="0">
+            <a:schemeClr val="accent1"/>
+          </a:fillRef>
+          <a:effectRef idx="0">
+            <a:schemeClr val="accent1"/>
+          </a:effectRef>
+          <a:fontRef idx="minor">
+            <a:schemeClr val="tx1"/>
+          </a:fontRef>
+        </p:style>
+      </p:cxnSp>
+      <p:sp>
+        <p:nvSpPr>
+          <p:cNvPr id="48" name="Rectángulo 47">
+            <a:extLst>
+              <a:ext uri="{FF2B5EF4-FFF2-40B4-BE49-F238E27FC236}">
+                <a16:creationId xmlns:a16="http://schemas.microsoft.com/office/drawing/2014/main" id="{807BC917-228F-7279-16FF-693673951F3C}"/>
+              </a:ext>
+            </a:extLst>
+          </p:cNvPr>
+          <p:cNvSpPr/>
+          <p:nvPr/>
+        </p:nvSpPr>
+        <p:spPr>
+          <a:xfrm>
+            <a:off x="4784376" y="1409372"/>
+            <a:ext cx="2266075" cy="4534220"/>
+          </a:xfrm>
+          <a:prstGeom prst="rect">
+            <a:avLst/>
+          </a:prstGeom>
+          <a:noFill/>
+          <a:ln w="22225" cmpd="tri">
+            <a:solidFill>
+              <a:schemeClr val="tx1"/>
+            </a:solidFill>
+            <a:prstDash val="sysDash"/>
+          </a:ln>
+        </p:spPr>
+        <p:style>
+          <a:lnRef idx="2">
+            <a:schemeClr val="accent1">
+              <a:shade val="15000"/>
+            </a:schemeClr>
+          </a:lnRef>
+          <a:fillRef idx="1">
+            <a:schemeClr val="accent1"/>
+          </a:fillRef>
+          <a:effectRef idx="0">
+            <a:schemeClr val="accent1"/>
+          </a:effectRef>
+          <a:fontRef idx="minor">
+            <a:schemeClr val="lt1"/>
+          </a:fontRef>
+        </p:style>
+        <p:txBody>
+          <a:bodyPr rtlCol="0" anchor="ctr"/>
+          <a:lstStyle/>
+          <a:p>
+            <a:pPr algn="ctr"/>
+            <a:endParaRPr lang="es-ES"/>
+          </a:p>
+        </p:txBody>
+      </p:sp>
+      <p:cxnSp>
+        <p:nvCxnSpPr>
+          <p:cNvPr id="50" name="Conector recto de flecha 49">
+            <a:extLst>
+              <a:ext uri="{FF2B5EF4-FFF2-40B4-BE49-F238E27FC236}">
+                <a16:creationId xmlns:a16="http://schemas.microsoft.com/office/drawing/2014/main" id="{ABFA6148-3746-AE2F-4F44-91DFF0C43036}"/>
+              </a:ext>
+            </a:extLst>
+          </p:cNvPr>
+          <p:cNvCxnSpPr>
+            <a:cxnSpLocks/>
+          </p:cNvCxnSpPr>
+          <p:nvPr/>
+        </p:nvCxnSpPr>
+        <p:spPr>
+          <a:xfrm>
+            <a:off x="7303570" y="3438486"/>
+            <a:ext cx="621370" cy="0"/>
+          </a:xfrm>
+          <a:prstGeom prst="straightConnector1">
+            <a:avLst/>
+          </a:prstGeom>
+          <a:ln>
+            <a:tailEnd type="triangle"/>
+          </a:ln>
+        </p:spPr>
+        <p:style>
+          <a:lnRef idx="1">
+            <a:schemeClr val="accent1"/>
+          </a:lnRef>
+          <a:fillRef idx="0">
+            <a:schemeClr val="accent1"/>
+          </a:fillRef>
+          <a:effectRef idx="0">
+            <a:schemeClr val="accent1"/>
+          </a:effectRef>
+          <a:fontRef idx="minor">
+            <a:schemeClr val="tx1"/>
+          </a:fontRef>
+        </p:style>
+      </p:cxnSp>
+      <p:grpSp>
+        <p:nvGrpSpPr>
+          <p:cNvPr id="54" name="Grupo 53">
+            <a:extLst>
+              <a:ext uri="{FF2B5EF4-FFF2-40B4-BE49-F238E27FC236}">
+                <a16:creationId xmlns:a16="http://schemas.microsoft.com/office/drawing/2014/main" id="{CDF0A71F-1CDA-FC03-9E55-AD93DA3EFB47}"/>
+              </a:ext>
+            </a:extLst>
+          </p:cNvPr>
+          <p:cNvGrpSpPr/>
+          <p:nvPr/>
+        </p:nvGrpSpPr>
+        <p:grpSpPr>
+          <a:xfrm>
+            <a:off x="8596209" y="3925562"/>
+            <a:ext cx="1491536" cy="1351426"/>
+            <a:chOff x="8776318" y="3495929"/>
+            <a:chExt cx="1045317" cy="1024595"/>
+          </a:xfrm>
+        </p:grpSpPr>
+        <p:pic>
+          <p:nvPicPr>
+            <p:cNvPr id="52" name="Imagen 51" descr="Logotipo, nombre de la empresa&#10;&#10;Descripción generada automáticamente">
+              <a:extLst>
+                <a:ext uri="{FF2B5EF4-FFF2-40B4-BE49-F238E27FC236}">
+                  <a16:creationId xmlns:a16="http://schemas.microsoft.com/office/drawing/2014/main" id="{A1FC2C3C-FA5F-7BCD-0A0A-0B6DCFBB1FAF}"/>
+                </a:ext>
+              </a:extLst>
+            </p:cNvPr>
+            <p:cNvPicPr>
+              <a:picLocks noChangeAspect="1"/>
+            </p:cNvPicPr>
+            <p:nvPr/>
+          </p:nvPicPr>
+          <p:blipFill>
+            <a:blip r:embed="rId10"/>
+            <a:stretch>
+              <a:fillRect/>
+            </a:stretch>
+          </p:blipFill>
+          <p:spPr>
+            <a:xfrm>
+              <a:off x="8776318" y="3735933"/>
+              <a:ext cx="1045317" cy="784591"/>
+            </a:xfrm>
+            <a:prstGeom prst="rect">
+              <a:avLst/>
+            </a:prstGeom>
+          </p:spPr>
+        </p:pic>
+        <p:sp>
+          <p:nvSpPr>
+            <p:cNvPr id="53" name="CuadroTexto 52">
+              <a:extLst>
+                <a:ext uri="{FF2B5EF4-FFF2-40B4-BE49-F238E27FC236}">
+                  <a16:creationId xmlns:a16="http://schemas.microsoft.com/office/drawing/2014/main" id="{39AAD5BA-E5D2-6A11-5502-6EBF0C19B7D5}"/>
+                </a:ext>
+              </a:extLst>
+            </p:cNvPr>
+            <p:cNvSpPr txBox="1"/>
+            <p:nvPr/>
+          </p:nvSpPr>
+          <p:spPr>
+            <a:xfrm>
+              <a:off x="8915369" y="3495929"/>
+              <a:ext cx="748924" cy="276999"/>
+            </a:xfrm>
+            <a:prstGeom prst="rect">
+              <a:avLst/>
+            </a:prstGeom>
+            <a:noFill/>
+          </p:spPr>
+          <p:txBody>
+            <a:bodyPr wrap="none" rtlCol="0">
+              <a:spAutoFit/>
+            </a:bodyPr>
+            <a:lstStyle/>
+            <a:p>
+              <a:pPr algn="ctr"/>
+              <a:r>
+                <a:rPr lang="es-PE" sz="1200" b="1" dirty="0"/>
+                <a:t>MySQL</a:t>
+              </a:r>
+            </a:p>
+          </p:txBody>
+        </p:sp>
+      </p:grpSp>
+      <p:sp>
+        <p:nvSpPr>
+          <p:cNvPr id="55" name="Rectángulo 54">
+            <a:extLst>
+              <a:ext uri="{FF2B5EF4-FFF2-40B4-BE49-F238E27FC236}">
+                <a16:creationId xmlns:a16="http://schemas.microsoft.com/office/drawing/2014/main" id="{A617F35F-9553-BB89-8115-4F2CDA48E825}"/>
+              </a:ext>
+            </a:extLst>
+          </p:cNvPr>
+          <p:cNvSpPr/>
+          <p:nvPr/>
+        </p:nvSpPr>
+        <p:spPr>
+          <a:xfrm>
+            <a:off x="8208940" y="1409372"/>
+            <a:ext cx="2266075" cy="4534220"/>
+          </a:xfrm>
+          <a:prstGeom prst="rect">
+            <a:avLst/>
+          </a:prstGeom>
+          <a:noFill/>
+          <a:ln w="22225" cmpd="tri">
+            <a:solidFill>
+              <a:schemeClr val="tx1"/>
+            </a:solidFill>
+            <a:prstDash val="sysDash"/>
+          </a:ln>
+        </p:spPr>
+        <p:style>
+          <a:lnRef idx="2">
+            <a:schemeClr val="accent1">
+              <a:shade val="15000"/>
+            </a:schemeClr>
+          </a:lnRef>
+          <a:fillRef idx="1">
+            <a:schemeClr val="accent1"/>
+          </a:fillRef>
+          <a:effectRef idx="0">
+            <a:schemeClr val="accent1"/>
+          </a:effectRef>
+          <a:fontRef idx="minor">
+            <a:schemeClr val="lt1"/>
+          </a:fontRef>
+        </p:style>
+        <p:txBody>
+          <a:bodyPr rtlCol="0" anchor="ctr"/>
+          <a:lstStyle/>
+          <a:p>
+            <a:pPr algn="ctr"/>
+            <a:endParaRPr lang="es-ES"/>
+          </a:p>
+        </p:txBody>
+      </p:sp>
+      <p:sp>
+        <p:nvSpPr>
+          <p:cNvPr id="56" name="CuadroTexto 55">
+            <a:extLst>
+              <a:ext uri="{FF2B5EF4-FFF2-40B4-BE49-F238E27FC236}">
+                <a16:creationId xmlns:a16="http://schemas.microsoft.com/office/drawing/2014/main" id="{027438BA-5708-A5CC-7904-6E3686EDA37C}"/>
+              </a:ext>
+            </a:extLst>
+          </p:cNvPr>
+          <p:cNvSpPr txBox="1"/>
+          <p:nvPr/>
+        </p:nvSpPr>
+        <p:spPr>
+          <a:xfrm>
+            <a:off x="5357386" y="1031672"/>
+            <a:ext cx="1059906" cy="246221"/>
+          </a:xfrm>
+          <a:prstGeom prst="rect">
+            <a:avLst/>
+          </a:prstGeom>
+          <a:noFill/>
+        </p:spPr>
+        <p:txBody>
+          <a:bodyPr wrap="none" rtlCol="0">
+            <a:spAutoFit/>
+          </a:bodyPr>
+          <a:lstStyle/>
+          <a:p>
+            <a:r>
+              <a:rPr lang="es-PE" sz="1000" dirty="0"/>
+              <a:t>Procesamiento</a:t>
+            </a:r>
+            <a:endParaRPr lang="es-ES" sz="1000" dirty="0"/>
+          </a:p>
+        </p:txBody>
+      </p:sp>
+      <p:sp>
+        <p:nvSpPr>
+          <p:cNvPr id="57" name="CuadroTexto 56">
+            <a:extLst>
+              <a:ext uri="{FF2B5EF4-FFF2-40B4-BE49-F238E27FC236}">
+                <a16:creationId xmlns:a16="http://schemas.microsoft.com/office/drawing/2014/main" id="{2745EAC1-3B5D-E93F-65AC-BD7DE564BDBA}"/>
+              </a:ext>
+            </a:extLst>
+          </p:cNvPr>
+          <p:cNvSpPr txBox="1"/>
+          <p:nvPr/>
+        </p:nvSpPr>
+        <p:spPr>
+          <a:xfrm>
+            <a:off x="8778217" y="1024333"/>
+            <a:ext cx="1178528" cy="246221"/>
+          </a:xfrm>
+          <a:prstGeom prst="rect">
+            <a:avLst/>
+          </a:prstGeom>
+          <a:noFill/>
+        </p:spPr>
+        <p:txBody>
+          <a:bodyPr wrap="none" rtlCol="0">
+            <a:spAutoFit/>
+          </a:bodyPr>
+          <a:lstStyle/>
+          <a:p>
+            <a:r>
+              <a:rPr lang="es-PE" sz="1000" dirty="0"/>
+              <a:t>Almacenamiento</a:t>
+            </a:r>
+            <a:endParaRPr lang="es-ES" sz="1000" dirty="0"/>
+          </a:p>
+        </p:txBody>
+      </p:sp>
+    </p:spTree>
+    <p:extLst>
+      <p:ext uri="{BB962C8B-B14F-4D97-AF65-F5344CB8AC3E}">
+        <p14:creationId xmlns:p14="http://schemas.microsoft.com/office/powerpoint/2010/main" val="76182120"/>
+      </p:ext>
+    </p:extLst>
+  </p:cSld>
+  <p:clrMapOvr>
+    <a:masterClrMapping/>
+  </p:clrMapOvr>
+</p:sld>
+</file>
+
+<file path=ppt/slides/slide14.xml><?xml version="1.0" encoding="utf-8"?>
+<p:sld xmlns:a="http://schemas.openxmlformats.org/drawingml/2006/main" xmlns:r="http://schemas.openxmlformats.org/officeDocument/2006/relationships" xmlns:p="http://schemas.openxmlformats.org/presentationml/2006/main">
+  <p:cSld>
+    <p:spTree>
+      <p:nvGrpSpPr>
+        <p:cNvPr id="1" name="">
+          <a:extLst>
+            <a:ext uri="{FF2B5EF4-FFF2-40B4-BE49-F238E27FC236}">
+              <a16:creationId xmlns:a16="http://schemas.microsoft.com/office/drawing/2014/main" id="{595A39E4-5A0D-DB3C-8530-670D3E1322EA}"/>
+            </a:ext>
+          </a:extLst>
+        </p:cNvPr>
+        <p:cNvGrpSpPr/>
+        <p:nvPr/>
+      </p:nvGrpSpPr>
+      <p:grpSpPr>
+        <a:xfrm>
+          <a:off x="0" y="0"/>
+          <a:ext cx="0" cy="0"/>
+          <a:chOff x="0" y="0"/>
+          <a:chExt cx="0" cy="0"/>
+        </a:xfrm>
+      </p:grpSpPr>
+      <p:sp>
+        <p:nvSpPr>
+          <p:cNvPr id="2" name="CuadroTexto 1">
+            <a:extLst>
+              <a:ext uri="{FF2B5EF4-FFF2-40B4-BE49-F238E27FC236}">
+                <a16:creationId xmlns:a16="http://schemas.microsoft.com/office/drawing/2014/main" id="{41C3AF58-DF93-36E8-A482-4EAC2F97AF9C}"/>
+              </a:ext>
+            </a:extLst>
+          </p:cNvPr>
+          <p:cNvSpPr txBox="1"/>
+          <p:nvPr/>
+        </p:nvSpPr>
+        <p:spPr>
+          <a:xfrm>
+            <a:off x="93305" y="550507"/>
+            <a:ext cx="1985287" cy="400110"/>
+          </a:xfrm>
+          <a:prstGeom prst="rect">
+            <a:avLst/>
+          </a:prstGeom>
+          <a:noFill/>
+        </p:spPr>
+        <p:txBody>
+          <a:bodyPr wrap="none" rtlCol="0">
+            <a:spAutoFit/>
+          </a:bodyPr>
+          <a:lstStyle/>
+          <a:p>
+            <a:r>
+              <a:rPr lang="es-PE" sz="2000" b="1" dirty="0">
+                <a:latin typeface="Times New Roman" panose="02020603050405020304" pitchFamily="18" charset="0"/>
+                <a:cs typeface="Times New Roman" panose="02020603050405020304" pitchFamily="18" charset="0"/>
+              </a:rPr>
+              <a:t>SISTEMA WEB</a:t>
+            </a:r>
+          </a:p>
+        </p:txBody>
+      </p:sp>
+      <p:sp>
+        <p:nvSpPr>
+          <p:cNvPr id="10" name="CuadroTexto 9">
+            <a:extLst>
+              <a:ext uri="{FF2B5EF4-FFF2-40B4-BE49-F238E27FC236}">
+                <a16:creationId xmlns:a16="http://schemas.microsoft.com/office/drawing/2014/main" id="{F1769E8A-6E4F-B139-EACB-6252F2B656EF}"/>
+              </a:ext>
+            </a:extLst>
+          </p:cNvPr>
+          <p:cNvSpPr txBox="1"/>
+          <p:nvPr/>
+        </p:nvSpPr>
+        <p:spPr>
+          <a:xfrm>
             <a:off x="4304922" y="6271969"/>
             <a:ext cx="2710999" cy="369332"/>
           </a:xfrm>
@@ -8828,7 +10052,7 @@
           <p:cNvPr id="5" name="Imagen 4">
             <a:extLst>
               <a:ext uri="{FF2B5EF4-FFF2-40B4-BE49-F238E27FC236}">
-                <a16:creationId xmlns:a16="http://schemas.microsoft.com/office/drawing/2014/main" id="{5E5065FF-16F5-E429-23A2-9013B8830F16}"/>
+                <a16:creationId xmlns:a16="http://schemas.microsoft.com/office/drawing/2014/main" id="{5B14F84B-0C53-3F1C-6896-23C38D8D7416}"/>
               </a:ext>
             </a:extLst>
           </p:cNvPr>
@@ -8857,7 +10081,7 @@
           <p:cNvPr id="7" name="Imagen 6">
             <a:extLst>
               <a:ext uri="{FF2B5EF4-FFF2-40B4-BE49-F238E27FC236}">
-                <a16:creationId xmlns:a16="http://schemas.microsoft.com/office/drawing/2014/main" id="{B7BAE764-B344-2EC3-E951-AD62B4C31F98}"/>
+                <a16:creationId xmlns:a16="http://schemas.microsoft.com/office/drawing/2014/main" id="{D08D9043-0762-B786-59FC-99F3D0FDA83B}"/>
               </a:ext>
             </a:extLst>
           </p:cNvPr>
@@ -8887,7 +10111,7 @@
           <p:cNvPr id="9" name="Imagen 8">
             <a:extLst>
               <a:ext uri="{FF2B5EF4-FFF2-40B4-BE49-F238E27FC236}">
-                <a16:creationId xmlns:a16="http://schemas.microsoft.com/office/drawing/2014/main" id="{B8DA44FB-C3B2-8F50-CDD1-1B0D396EDA65}"/>
+                <a16:creationId xmlns:a16="http://schemas.microsoft.com/office/drawing/2014/main" id="{3E1879E8-34D6-21A4-CA01-4AA1D95892D6}"/>
               </a:ext>
             </a:extLst>
           </p:cNvPr>
@@ -8915,7 +10139,7 @@
     </p:spTree>
     <p:extLst>
       <p:ext uri="{BB962C8B-B14F-4D97-AF65-F5344CB8AC3E}">
-        <p14:creationId xmlns:p14="http://schemas.microsoft.com/office/powerpoint/2010/main" val="76182120"/>
+        <p14:creationId xmlns:p14="http://schemas.microsoft.com/office/powerpoint/2010/main" val="1353761206"/>
       </p:ext>
     </p:extLst>
   </p:cSld>
@@ -8925,7 +10149,7 @@
 </p:sld>
 </file>
 
-<file path=ppt/slides/slide14.xml><?xml version="1.0" encoding="utf-8"?>
+<file path=ppt/slides/slide15.xml><?xml version="1.0" encoding="utf-8"?>
 <p:sld xmlns:a="http://schemas.openxmlformats.org/drawingml/2006/main" xmlns:r="http://schemas.openxmlformats.org/officeDocument/2006/relationships" xmlns:p="http://schemas.openxmlformats.org/presentationml/2006/main">
   <p:cSld>
     <p:spTree>
@@ -9019,7 +10243,7 @@
 </p:sld>
 </file>
 
-<file path=ppt/slides/slide15.xml><?xml version="1.0" encoding="utf-8"?>
+<file path=ppt/slides/slide16.xml><?xml version="1.0" encoding="utf-8"?>
 <p:sld xmlns:a="http://schemas.openxmlformats.org/drawingml/2006/main" xmlns:r="http://schemas.openxmlformats.org/officeDocument/2006/relationships" xmlns:p="http://schemas.openxmlformats.org/presentationml/2006/main">
   <p:cSld>
     <p:spTree>
@@ -9113,7 +10337,7 @@
 </p:sld>
 </file>
 
-<file path=ppt/slides/slide16.xml><?xml version="1.0" encoding="utf-8"?>
+<file path=ppt/slides/slide17.xml><?xml version="1.0" encoding="utf-8"?>
 <p:sld xmlns:a="http://schemas.openxmlformats.org/drawingml/2006/main" xmlns:r="http://schemas.openxmlformats.org/officeDocument/2006/relationships" xmlns:p="http://schemas.openxmlformats.org/presentationml/2006/main">
   <p:cSld>
     <p:spTree>
@@ -9568,7 +10792,7 @@
 </p:sld>
 </file>
 
-<file path=ppt/slides/slide17.xml><?xml version="1.0" encoding="utf-8"?>
+<file path=ppt/slides/slide18.xml><?xml version="1.0" encoding="utf-8"?>
 <p:sld xmlns:a="http://schemas.openxmlformats.org/drawingml/2006/main" xmlns:r="http://schemas.openxmlformats.org/officeDocument/2006/relationships" xmlns:p="http://schemas.openxmlformats.org/presentationml/2006/main">
   <p:cSld>
     <p:spTree>
@@ -9662,7 +10886,7 @@
 </p:sld>
 </file>
 
-<file path=ppt/slides/slide18.xml><?xml version="1.0" encoding="utf-8"?>
+<file path=ppt/slides/slide19.xml><?xml version="1.0" encoding="utf-8"?>
 <p:sld xmlns:a="http://schemas.openxmlformats.org/drawingml/2006/main" xmlns:r="http://schemas.openxmlformats.org/officeDocument/2006/relationships" xmlns:p="http://schemas.openxmlformats.org/presentationml/2006/main">
   <p:cSld>
     <p:spTree>
